--- a/Documentos/Arquitetura/Arquitetura.pptx
+++ b/Documentos/Arquitetura/Arquitetura.pptx
@@ -5,12 +5,13 @@
     <p:sldMasterId id="2147483648" r:id="rId1"/>
   </p:sldMasterIdLst>
   <p:notesMasterIdLst>
-    <p:notesMasterId r:id="rId5"/>
+    <p:notesMasterId r:id="rId6"/>
   </p:notesMasterIdLst>
   <p:sldIdLst>
-    <p:sldId id="257" r:id="rId2"/>
-    <p:sldId id="258" r:id="rId3"/>
-    <p:sldId id="259" r:id="rId4"/>
+    <p:sldId id="259" r:id="rId2"/>
+    <p:sldId id="261" r:id="rId3"/>
+    <p:sldId id="260" r:id="rId4"/>
+    <p:sldId id="258" r:id="rId5"/>
   </p:sldIdLst>
   <p:sldSz cx="12192000" cy="6858000"/>
   <p:notesSz cx="6858000" cy="9144000"/>
@@ -120,7 +121,7 @@
 <file path=ppt/revisionInfo.xml><?xml version="1.0" encoding="utf-8"?>
 <p1510:revInfo xmlns:a="http://schemas.openxmlformats.org/drawingml/2006/main" xmlns:r="http://schemas.openxmlformats.org/officeDocument/2006/relationships" xmlns:p1510="http://schemas.microsoft.com/office/powerpoint/2015/10/main">
   <p1510:revLst>
-    <p1510:client id="{1B51FF1B-CCB7-4CA7-8C16-6C5B1943B6E4}" v="3" dt="2022-02-16T22:31:19.446"/>
+    <p1510:client id="{1B51FF1B-CCB7-4CA7-8C16-6C5B1943B6E4}" v="12" dt="2022-03-03T23:53:08.270"/>
   </p1510:revLst>
 </p1510:revInfo>
 </file>
@@ -129,13 +130,13 @@
 <pc:chgInfo xmlns:a="http://schemas.openxmlformats.org/drawingml/2006/main" xmlns:r="http://schemas.openxmlformats.org/officeDocument/2006/relationships" xmlns:ac="http://schemas.microsoft.com/office/drawing/2013/main/command" xmlns:pc="http://schemas.microsoft.com/office/powerpoint/2013/main/command">
   <pc:docChgLst>
     <pc:chgData name="Ferreira, Vinicius Novais" userId="cbb4d67d-f9b3-40c7-a629-1bdeb4d5c819" providerId="ADAL" clId="{1B51FF1B-CCB7-4CA7-8C16-6C5B1943B6E4}"/>
-    <pc:docChg chg="undo custSel addSld modSld sldOrd">
-      <pc:chgData name="Ferreira, Vinicius Novais" userId="cbb4d67d-f9b3-40c7-a629-1bdeb4d5c819" providerId="ADAL" clId="{1B51FF1B-CCB7-4CA7-8C16-6C5B1943B6E4}" dt="2022-02-16T22:38:10.772" v="101" actId="1035"/>
+    <pc:docChg chg="undo custSel addSld delSld modSld sldOrd">
+      <pc:chgData name="Ferreira, Vinicius Novais" userId="cbb4d67d-f9b3-40c7-a629-1bdeb4d5c819" providerId="ADAL" clId="{1B51FF1B-CCB7-4CA7-8C16-6C5B1943B6E4}" dt="2022-03-03T23:53:34.143" v="522" actId="20577"/>
       <pc:docMkLst>
         <pc:docMk/>
       </pc:docMkLst>
-      <pc:sldChg chg="delSp modSp mod">
-        <pc:chgData name="Ferreira, Vinicius Novais" userId="cbb4d67d-f9b3-40c7-a629-1bdeb4d5c819" providerId="ADAL" clId="{1B51FF1B-CCB7-4CA7-8C16-6C5B1943B6E4}" dt="2022-02-16T16:14:54.438" v="17" actId="478"/>
+      <pc:sldChg chg="delSp modSp del mod">
+        <pc:chgData name="Ferreira, Vinicius Novais" userId="cbb4d67d-f9b3-40c7-a629-1bdeb4d5c819" providerId="ADAL" clId="{1B51FF1B-CCB7-4CA7-8C16-6C5B1943B6E4}" dt="2022-03-03T23:31:37.610" v="184" actId="2696"/>
         <pc:sldMkLst>
           <pc:docMk/>
           <pc:sldMk cId="3809416967" sldId="257"/>
@@ -157,12 +158,28 @@
           </ac:picMkLst>
         </pc:picChg>
       </pc:sldChg>
-      <pc:sldChg chg="addSp delSp modSp mod">
-        <pc:chgData name="Ferreira, Vinicius Novais" userId="cbb4d67d-f9b3-40c7-a629-1bdeb4d5c819" providerId="ADAL" clId="{1B51FF1B-CCB7-4CA7-8C16-6C5B1943B6E4}" dt="2022-02-16T16:15:57.358" v="32" actId="1035"/>
+      <pc:sldChg chg="addSp delSp modSp mod addAnim delAnim modAnim">
+        <pc:chgData name="Ferreira, Vinicius Novais" userId="cbb4d67d-f9b3-40c7-a629-1bdeb4d5c819" providerId="ADAL" clId="{1B51FF1B-CCB7-4CA7-8C16-6C5B1943B6E4}" dt="2022-03-03T23:53:34.143" v="522" actId="20577"/>
         <pc:sldMkLst>
           <pc:docMk/>
           <pc:sldMk cId="4109780595" sldId="258"/>
         </pc:sldMkLst>
+        <pc:spChg chg="del mod topLvl">
+          <ac:chgData name="Ferreira, Vinicius Novais" userId="cbb4d67d-f9b3-40c7-a629-1bdeb4d5c819" providerId="ADAL" clId="{1B51FF1B-CCB7-4CA7-8C16-6C5B1943B6E4}" dt="2022-03-03T23:40:48.382" v="305" actId="478"/>
+          <ac:spMkLst>
+            <pc:docMk/>
+            <pc:sldMk cId="4109780595" sldId="258"/>
+            <ac:spMk id="11" creationId="{7C835630-F399-4C09-96FE-19C7BBDF5FA0}"/>
+          </ac:spMkLst>
+        </pc:spChg>
+        <pc:spChg chg="del topLvl">
+          <ac:chgData name="Ferreira, Vinicius Novais" userId="cbb4d67d-f9b3-40c7-a629-1bdeb4d5c819" providerId="ADAL" clId="{1B51FF1B-CCB7-4CA7-8C16-6C5B1943B6E4}" dt="2022-03-03T23:40:49.283" v="306" actId="478"/>
+          <ac:spMkLst>
+            <pc:docMk/>
+            <pc:sldMk cId="4109780595" sldId="258"/>
+            <ac:spMk id="12" creationId="{D9A9BCA5-5D84-42F6-AF70-0C21758878DC}"/>
+          </ac:spMkLst>
+        </pc:spChg>
         <pc:spChg chg="del">
           <ac:chgData name="Ferreira, Vinicius Novais" userId="cbb4d67d-f9b3-40c7-a629-1bdeb4d5c819" providerId="ADAL" clId="{1B51FF1B-CCB7-4CA7-8C16-6C5B1943B6E4}" dt="2022-02-16T16:15:41.048" v="18" actId="478"/>
           <ac:spMkLst>
@@ -171,17 +188,489 @@
             <ac:spMk id="18" creationId="{8EBF0DB5-3FA1-4E1D-BF1C-FF500A6D9A33}"/>
           </ac:spMkLst>
         </pc:spChg>
+        <pc:spChg chg="mod">
+          <ac:chgData name="Ferreira, Vinicius Novais" userId="cbb4d67d-f9b3-40c7-a629-1bdeb4d5c819" providerId="ADAL" clId="{1B51FF1B-CCB7-4CA7-8C16-6C5B1943B6E4}" dt="2022-03-03T23:34:14.864" v="247" actId="20577"/>
+          <ac:spMkLst>
+            <pc:docMk/>
+            <pc:sldMk cId="4109780595" sldId="258"/>
+            <ac:spMk id="19" creationId="{421CB654-39DC-4775-9D89-FD2DCC613085}"/>
+          </ac:spMkLst>
+        </pc:spChg>
+        <pc:spChg chg="mod">
+          <ac:chgData name="Ferreira, Vinicius Novais" userId="cbb4d67d-f9b3-40c7-a629-1bdeb4d5c819" providerId="ADAL" clId="{1B51FF1B-CCB7-4CA7-8C16-6C5B1943B6E4}" dt="2022-03-03T23:52:02.010" v="464"/>
+          <ac:spMkLst>
+            <pc:docMk/>
+            <pc:sldMk cId="4109780595" sldId="258"/>
+            <ac:spMk id="26" creationId="{53D4BAC7-9AF6-4296-9C51-A1E1E3FC0E7D}"/>
+          </ac:spMkLst>
+        </pc:spChg>
+        <pc:spChg chg="mod">
+          <ac:chgData name="Ferreira, Vinicius Novais" userId="cbb4d67d-f9b3-40c7-a629-1bdeb4d5c819" providerId="ADAL" clId="{1B51FF1B-CCB7-4CA7-8C16-6C5B1943B6E4}" dt="2022-03-03T23:50:34.027" v="425" actId="207"/>
+          <ac:spMkLst>
+            <pc:docMk/>
+            <pc:sldMk cId="4109780595" sldId="258"/>
+            <ac:spMk id="28" creationId="{A29237E1-B280-4D2A-8A1E-399FA45A4595}"/>
+          </ac:spMkLst>
+        </pc:spChg>
+        <pc:spChg chg="mod">
+          <ac:chgData name="Ferreira, Vinicius Novais" userId="cbb4d67d-f9b3-40c7-a629-1bdeb4d5c819" providerId="ADAL" clId="{1B51FF1B-CCB7-4CA7-8C16-6C5B1943B6E4}" dt="2022-03-03T23:50:34.027" v="425" actId="207"/>
+          <ac:spMkLst>
+            <pc:docMk/>
+            <pc:sldMk cId="4109780595" sldId="258"/>
+            <ac:spMk id="29" creationId="{6A2A44A4-3FFA-4B57-A56E-74D62B874D73}"/>
+          </ac:spMkLst>
+        </pc:spChg>
+        <pc:spChg chg="mod">
+          <ac:chgData name="Ferreira, Vinicius Novais" userId="cbb4d67d-f9b3-40c7-a629-1bdeb4d5c819" providerId="ADAL" clId="{1B51FF1B-CCB7-4CA7-8C16-6C5B1943B6E4}" dt="2022-03-03T23:51:06.359" v="451" actId="207"/>
+          <ac:spMkLst>
+            <pc:docMk/>
+            <pc:sldMk cId="4109780595" sldId="258"/>
+            <ac:spMk id="34" creationId="{C0457910-03EA-4858-A754-1FA4C942FAB9}"/>
+          </ac:spMkLst>
+        </pc:spChg>
+        <pc:spChg chg="mod">
+          <ac:chgData name="Ferreira, Vinicius Novais" userId="cbb4d67d-f9b3-40c7-a629-1bdeb4d5c819" providerId="ADAL" clId="{1B51FF1B-CCB7-4CA7-8C16-6C5B1943B6E4}" dt="2022-03-03T23:39:50.730" v="278" actId="20577"/>
+          <ac:spMkLst>
+            <pc:docMk/>
+            <pc:sldMk cId="4109780595" sldId="258"/>
+            <ac:spMk id="35" creationId="{F4A72FD2-4ABA-4A1F-A52F-1F0D8EC92D5F}"/>
+          </ac:spMkLst>
+        </pc:spChg>
         <pc:spChg chg="add mod">
-          <ac:chgData name="Ferreira, Vinicius Novais" userId="cbb4d67d-f9b3-40c7-a629-1bdeb4d5c819" providerId="ADAL" clId="{1B51FF1B-CCB7-4CA7-8C16-6C5B1943B6E4}" dt="2022-02-16T16:15:57.358" v="32" actId="1035"/>
+          <ac:chgData name="Ferreira, Vinicius Novais" userId="cbb4d67d-f9b3-40c7-a629-1bdeb4d5c819" providerId="ADAL" clId="{1B51FF1B-CCB7-4CA7-8C16-6C5B1943B6E4}" dt="2022-03-03T23:39:02.292" v="261" actId="1076"/>
           <ac:spMkLst>
             <pc:docMk/>
             <pc:sldMk cId="4109780595" sldId="258"/>
             <ac:spMk id="37" creationId="{919810D6-0230-4457-A7ED-9F162FCA52D7}"/>
           </ac:spMkLst>
         </pc:spChg>
+        <pc:spChg chg="mod">
+          <ac:chgData name="Ferreira, Vinicius Novais" userId="cbb4d67d-f9b3-40c7-a629-1bdeb4d5c819" providerId="ADAL" clId="{1B51FF1B-CCB7-4CA7-8C16-6C5B1943B6E4}" dt="2022-03-03T23:51:00.532" v="450" actId="1076"/>
+          <ac:spMkLst>
+            <pc:docMk/>
+            <pc:sldMk cId="4109780595" sldId="258"/>
+            <ac:spMk id="41" creationId="{7B2C236A-5545-4508-B203-00A74F992FF4}"/>
+          </ac:spMkLst>
+        </pc:spChg>
+        <pc:spChg chg="mod">
+          <ac:chgData name="Ferreira, Vinicius Novais" userId="cbb4d67d-f9b3-40c7-a629-1bdeb4d5c819" providerId="ADAL" clId="{1B51FF1B-CCB7-4CA7-8C16-6C5B1943B6E4}" dt="2022-03-03T23:49:58.157" v="423" actId="1076"/>
+          <ac:spMkLst>
+            <pc:docMk/>
+            <pc:sldMk cId="4109780595" sldId="258"/>
+            <ac:spMk id="42" creationId="{6C7654B8-F4E3-4740-BCFE-22F7AD7C4692}"/>
+          </ac:spMkLst>
+        </pc:spChg>
+        <pc:spChg chg="mod">
+          <ac:chgData name="Ferreira, Vinicius Novais" userId="cbb4d67d-f9b3-40c7-a629-1bdeb4d5c819" providerId="ADAL" clId="{1B51FF1B-CCB7-4CA7-8C16-6C5B1943B6E4}" dt="2022-03-03T23:38:04.395" v="253"/>
+          <ac:spMkLst>
+            <pc:docMk/>
+            <pc:sldMk cId="4109780595" sldId="258"/>
+            <ac:spMk id="48" creationId="{11A1D26E-A802-449C-9554-86CEBE86889D}"/>
+          </ac:spMkLst>
+        </pc:spChg>
+        <pc:spChg chg="mod">
+          <ac:chgData name="Ferreira, Vinicius Novais" userId="cbb4d67d-f9b3-40c7-a629-1bdeb4d5c819" providerId="ADAL" clId="{1B51FF1B-CCB7-4CA7-8C16-6C5B1943B6E4}" dt="2022-03-03T23:38:04.395" v="253"/>
+          <ac:spMkLst>
+            <pc:docMk/>
+            <pc:sldMk cId="4109780595" sldId="258"/>
+            <ac:spMk id="49" creationId="{09089A2D-E56D-41AC-84AB-D25E3D4E5907}"/>
+          </ac:spMkLst>
+        </pc:spChg>
+        <pc:spChg chg="mod">
+          <ac:chgData name="Ferreira, Vinicius Novais" userId="cbb4d67d-f9b3-40c7-a629-1bdeb4d5c819" providerId="ADAL" clId="{1B51FF1B-CCB7-4CA7-8C16-6C5B1943B6E4}" dt="2022-03-03T23:38:04.395" v="253"/>
+          <ac:spMkLst>
+            <pc:docMk/>
+            <pc:sldMk cId="4109780595" sldId="258"/>
+            <ac:spMk id="50" creationId="{ACF53A7D-E0F8-4C5E-9A1D-D59E5D8FDB54}"/>
+          </ac:spMkLst>
+        </pc:spChg>
+        <pc:spChg chg="mod">
+          <ac:chgData name="Ferreira, Vinicius Novais" userId="cbb4d67d-f9b3-40c7-a629-1bdeb4d5c819" providerId="ADAL" clId="{1B51FF1B-CCB7-4CA7-8C16-6C5B1943B6E4}" dt="2022-03-03T23:38:04.395" v="253"/>
+          <ac:spMkLst>
+            <pc:docMk/>
+            <pc:sldMk cId="4109780595" sldId="258"/>
+            <ac:spMk id="51" creationId="{E05C203A-C493-469C-ADFD-5E0F9A2153EE}"/>
+          </ac:spMkLst>
+        </pc:spChg>
+        <pc:spChg chg="mod">
+          <ac:chgData name="Ferreira, Vinicius Novais" userId="cbb4d67d-f9b3-40c7-a629-1bdeb4d5c819" providerId="ADAL" clId="{1B51FF1B-CCB7-4CA7-8C16-6C5B1943B6E4}" dt="2022-03-03T23:38:04.395" v="253"/>
+          <ac:spMkLst>
+            <pc:docMk/>
+            <pc:sldMk cId="4109780595" sldId="258"/>
+            <ac:spMk id="52" creationId="{C52A437E-0371-460D-A094-5603339F0987}"/>
+          </ac:spMkLst>
+        </pc:spChg>
+        <pc:spChg chg="mod">
+          <ac:chgData name="Ferreira, Vinicius Novais" userId="cbb4d67d-f9b3-40c7-a629-1bdeb4d5c819" providerId="ADAL" clId="{1B51FF1B-CCB7-4CA7-8C16-6C5B1943B6E4}" dt="2022-03-03T23:51:09.639" v="452" actId="207"/>
+          <ac:spMkLst>
+            <pc:docMk/>
+            <pc:sldMk cId="4109780595" sldId="258"/>
+            <ac:spMk id="55" creationId="{387E2D41-9016-4C8D-9AB8-62747486E130}"/>
+          </ac:spMkLst>
+        </pc:spChg>
+        <pc:spChg chg="mod">
+          <ac:chgData name="Ferreira, Vinicius Novais" userId="cbb4d67d-f9b3-40c7-a629-1bdeb4d5c819" providerId="ADAL" clId="{1B51FF1B-CCB7-4CA7-8C16-6C5B1943B6E4}" dt="2022-03-03T23:51:37.513" v="458"/>
+          <ac:spMkLst>
+            <pc:docMk/>
+            <pc:sldMk cId="4109780595" sldId="258"/>
+            <ac:spMk id="56" creationId="{75D9EAF8-DB59-4FF1-96FD-8550CFFB9663}"/>
+          </ac:spMkLst>
+        </pc:spChg>
+        <pc:spChg chg="mod">
+          <ac:chgData name="Ferreira, Vinicius Novais" userId="cbb4d67d-f9b3-40c7-a629-1bdeb4d5c819" providerId="ADAL" clId="{1B51FF1B-CCB7-4CA7-8C16-6C5B1943B6E4}" dt="2022-03-03T23:50:03.570" v="424" actId="1076"/>
+          <ac:spMkLst>
+            <pc:docMk/>
+            <pc:sldMk cId="4109780595" sldId="258"/>
+            <ac:spMk id="59" creationId="{B64BB765-773A-4859-A8AE-AE60DCA4F550}"/>
+          </ac:spMkLst>
+        </pc:spChg>
+        <pc:spChg chg="mod">
+          <ac:chgData name="Ferreira, Vinicius Novais" userId="cbb4d67d-f9b3-40c7-a629-1bdeb4d5c819" providerId="ADAL" clId="{1B51FF1B-CCB7-4CA7-8C16-6C5B1943B6E4}" dt="2022-03-03T23:40:52.306" v="307"/>
+          <ac:spMkLst>
+            <pc:docMk/>
+            <pc:sldMk cId="4109780595" sldId="258"/>
+            <ac:spMk id="61" creationId="{FE52F6A4-981E-43EC-A63D-CF4B9DCD4B6D}"/>
+          </ac:spMkLst>
+        </pc:spChg>
+        <pc:spChg chg="mod">
+          <ac:chgData name="Ferreira, Vinicius Novais" userId="cbb4d67d-f9b3-40c7-a629-1bdeb4d5c819" providerId="ADAL" clId="{1B51FF1B-CCB7-4CA7-8C16-6C5B1943B6E4}" dt="2022-03-03T23:40:52.306" v="307"/>
+          <ac:spMkLst>
+            <pc:docMk/>
+            <pc:sldMk cId="4109780595" sldId="258"/>
+            <ac:spMk id="62" creationId="{5414038F-FDF9-4DD4-B6A8-630E3C17EA25}"/>
+          </ac:spMkLst>
+        </pc:spChg>
+        <pc:spChg chg="mod">
+          <ac:chgData name="Ferreira, Vinicius Novais" userId="cbb4d67d-f9b3-40c7-a629-1bdeb4d5c819" providerId="ADAL" clId="{1B51FF1B-CCB7-4CA7-8C16-6C5B1943B6E4}" dt="2022-03-03T23:40:52.306" v="307"/>
+          <ac:spMkLst>
+            <pc:docMk/>
+            <pc:sldMk cId="4109780595" sldId="258"/>
+            <ac:spMk id="63" creationId="{63D330F0-AE46-4944-9021-9862D36E6314}"/>
+          </ac:spMkLst>
+        </pc:spChg>
+        <pc:spChg chg="mod">
+          <ac:chgData name="Ferreira, Vinicius Novais" userId="cbb4d67d-f9b3-40c7-a629-1bdeb4d5c819" providerId="ADAL" clId="{1B51FF1B-CCB7-4CA7-8C16-6C5B1943B6E4}" dt="2022-03-03T23:41:26.236" v="315" actId="1076"/>
+          <ac:spMkLst>
+            <pc:docMk/>
+            <pc:sldMk cId="4109780595" sldId="258"/>
+            <ac:spMk id="64" creationId="{195A5B63-5A36-4F0D-93E2-EC5C0FDCC464}"/>
+          </ac:spMkLst>
+        </pc:spChg>
+        <pc:spChg chg="mod">
+          <ac:chgData name="Ferreira, Vinicius Novais" userId="cbb4d67d-f9b3-40c7-a629-1bdeb4d5c819" providerId="ADAL" clId="{1B51FF1B-CCB7-4CA7-8C16-6C5B1943B6E4}" dt="2022-03-03T23:44:25.438" v="388" actId="20577"/>
+          <ac:spMkLst>
+            <pc:docMk/>
+            <pc:sldMk cId="4109780595" sldId="258"/>
+            <ac:spMk id="70" creationId="{2020F773-2E61-4682-85FB-2030FD2C3F42}"/>
+          </ac:spMkLst>
+        </pc:spChg>
+        <pc:spChg chg="mod">
+          <ac:chgData name="Ferreira, Vinicius Novais" userId="cbb4d67d-f9b3-40c7-a629-1bdeb4d5c819" providerId="ADAL" clId="{1B51FF1B-CCB7-4CA7-8C16-6C5B1943B6E4}" dt="2022-03-03T23:44:34.642" v="390" actId="1076"/>
+          <ac:spMkLst>
+            <pc:docMk/>
+            <pc:sldMk cId="4109780595" sldId="258"/>
+            <ac:spMk id="71" creationId="{F76F21DB-7A3C-4AAA-A1BC-E985B1C79C85}"/>
+          </ac:spMkLst>
+        </pc:spChg>
+        <pc:spChg chg="mod">
+          <ac:chgData name="Ferreira, Vinicius Novais" userId="cbb4d67d-f9b3-40c7-a629-1bdeb4d5c819" providerId="ADAL" clId="{1B51FF1B-CCB7-4CA7-8C16-6C5B1943B6E4}" dt="2022-03-03T23:42:01.027" v="324"/>
+          <ac:spMkLst>
+            <pc:docMk/>
+            <pc:sldMk cId="4109780595" sldId="258"/>
+            <ac:spMk id="72" creationId="{A1C62D18-75EC-4829-8375-3AD0CCF3D9FF}"/>
+          </ac:spMkLst>
+        </pc:spChg>
+        <pc:spChg chg="mod">
+          <ac:chgData name="Ferreira, Vinicius Novais" userId="cbb4d67d-f9b3-40c7-a629-1bdeb4d5c819" providerId="ADAL" clId="{1B51FF1B-CCB7-4CA7-8C16-6C5B1943B6E4}" dt="2022-03-03T23:43:48.563" v="374" actId="14100"/>
+          <ac:spMkLst>
+            <pc:docMk/>
+            <pc:sldMk cId="4109780595" sldId="258"/>
+            <ac:spMk id="73" creationId="{A7A33422-3B69-42DC-8D82-B0FA74688993}"/>
+          </ac:spMkLst>
+        </pc:spChg>
+        <pc:spChg chg="add del mod">
+          <ac:chgData name="Ferreira, Vinicius Novais" userId="cbb4d67d-f9b3-40c7-a629-1bdeb4d5c819" providerId="ADAL" clId="{1B51FF1B-CCB7-4CA7-8C16-6C5B1943B6E4}" dt="2022-03-03T23:51:52.527" v="461" actId="478"/>
+          <ac:spMkLst>
+            <pc:docMk/>
+            <pc:sldMk cId="4109780595" sldId="258"/>
+            <ac:spMk id="77" creationId="{052F8254-80CC-421A-A50C-88300610FB09}"/>
+          </ac:spMkLst>
+        </pc:spChg>
+        <pc:spChg chg="add del mod">
+          <ac:chgData name="Ferreira, Vinicius Novais" userId="cbb4d67d-f9b3-40c7-a629-1bdeb4d5c819" providerId="ADAL" clId="{1B51FF1B-CCB7-4CA7-8C16-6C5B1943B6E4}" dt="2022-03-03T23:52:56.679" v="506" actId="478"/>
+          <ac:spMkLst>
+            <pc:docMk/>
+            <pc:sldMk cId="4109780595" sldId="258"/>
+            <ac:spMk id="78" creationId="{578EA32F-7B72-4AF6-B6FD-8F40D6591ACC}"/>
+          </ac:spMkLst>
+        </pc:spChg>
+        <pc:spChg chg="add del mod">
+          <ac:chgData name="Ferreira, Vinicius Novais" userId="cbb4d67d-f9b3-40c7-a629-1bdeb4d5c819" providerId="ADAL" clId="{1B51FF1B-CCB7-4CA7-8C16-6C5B1943B6E4}" dt="2022-03-03T23:52:19.496" v="468" actId="478"/>
+          <ac:spMkLst>
+            <pc:docMk/>
+            <pc:sldMk cId="4109780595" sldId="258"/>
+            <ac:spMk id="79" creationId="{F4C449E2-1B10-4DB5-826B-AC0B216DF74C}"/>
+          </ac:spMkLst>
+        </pc:spChg>
+        <pc:spChg chg="mod">
+          <ac:chgData name="Ferreira, Vinicius Novais" userId="cbb4d67d-f9b3-40c7-a629-1bdeb4d5c819" providerId="ADAL" clId="{1B51FF1B-CCB7-4CA7-8C16-6C5B1943B6E4}" dt="2022-03-03T23:52:23.221" v="469"/>
+          <ac:spMkLst>
+            <pc:docMk/>
+            <pc:sldMk cId="4109780595" sldId="258"/>
+            <ac:spMk id="81" creationId="{B03B78DA-0A3B-44FC-B04F-439677F5C749}"/>
+          </ac:spMkLst>
+        </pc:spChg>
+        <pc:spChg chg="mod">
+          <ac:chgData name="Ferreira, Vinicius Novais" userId="cbb4d67d-f9b3-40c7-a629-1bdeb4d5c819" providerId="ADAL" clId="{1B51FF1B-CCB7-4CA7-8C16-6C5B1943B6E4}" dt="2022-03-03T23:52:52.903" v="505" actId="20577"/>
+          <ac:spMkLst>
+            <pc:docMk/>
+            <pc:sldMk cId="4109780595" sldId="258"/>
+            <ac:spMk id="82" creationId="{2C4141B4-DBE0-4A2D-BB17-6132BF79931D}"/>
+          </ac:spMkLst>
+        </pc:spChg>
+        <pc:spChg chg="mod">
+          <ac:chgData name="Ferreira, Vinicius Novais" userId="cbb4d67d-f9b3-40c7-a629-1bdeb4d5c819" providerId="ADAL" clId="{1B51FF1B-CCB7-4CA7-8C16-6C5B1943B6E4}" dt="2022-03-03T23:53:08.270" v="508"/>
+          <ac:spMkLst>
+            <pc:docMk/>
+            <pc:sldMk cId="4109780595" sldId="258"/>
+            <ac:spMk id="84" creationId="{C38BB317-291D-458F-BAF2-42FE6406A39E}"/>
+          </ac:spMkLst>
+        </pc:spChg>
+        <pc:spChg chg="mod">
+          <ac:chgData name="Ferreira, Vinicius Novais" userId="cbb4d67d-f9b3-40c7-a629-1bdeb4d5c819" providerId="ADAL" clId="{1B51FF1B-CCB7-4CA7-8C16-6C5B1943B6E4}" dt="2022-03-03T23:53:34.143" v="522" actId="20577"/>
+          <ac:spMkLst>
+            <pc:docMk/>
+            <pc:sldMk cId="4109780595" sldId="258"/>
+            <ac:spMk id="85" creationId="{B4FD1C1E-C65F-438E-A0BF-A08667282F26}"/>
+          </ac:spMkLst>
+        </pc:spChg>
+        <pc:grpChg chg="mod">
+          <ac:chgData name="Ferreira, Vinicius Novais" userId="cbb4d67d-f9b3-40c7-a629-1bdeb4d5c819" providerId="ADAL" clId="{1B51FF1B-CCB7-4CA7-8C16-6C5B1943B6E4}" dt="2022-03-03T23:39:21.524" v="265" actId="1076"/>
+          <ac:grpSpMkLst>
+            <pc:docMk/>
+            <pc:sldMk cId="4109780595" sldId="258"/>
+            <ac:grpSpMk id="6" creationId="{61E84B85-6CF5-4178-9251-01D7111300DA}"/>
+          </ac:grpSpMkLst>
+        </pc:grpChg>
+        <pc:grpChg chg="add del">
+          <ac:chgData name="Ferreira, Vinicius Novais" userId="cbb4d67d-f9b3-40c7-a629-1bdeb4d5c819" providerId="ADAL" clId="{1B51FF1B-CCB7-4CA7-8C16-6C5B1943B6E4}" dt="2022-03-03T23:40:48.382" v="305" actId="478"/>
+          <ac:grpSpMkLst>
+            <pc:docMk/>
+            <pc:sldMk cId="4109780595" sldId="258"/>
+            <ac:grpSpMk id="9" creationId="{415CB6E3-582B-435E-B834-D25FC247AAA4}"/>
+          </ac:grpSpMkLst>
+        </pc:grpChg>
+        <pc:grpChg chg="mod">
+          <ac:chgData name="Ferreira, Vinicius Novais" userId="cbb4d67d-f9b3-40c7-a629-1bdeb4d5c819" providerId="ADAL" clId="{1B51FF1B-CCB7-4CA7-8C16-6C5B1943B6E4}" dt="2022-03-03T23:39:02.292" v="261" actId="1076"/>
+          <ac:grpSpMkLst>
+            <pc:docMk/>
+            <pc:sldMk cId="4109780595" sldId="258"/>
+            <ac:grpSpMk id="16" creationId="{3B44233F-8B44-47E0-A847-323A6B4AD70E}"/>
+          </ac:grpSpMkLst>
+        </pc:grpChg>
+        <pc:grpChg chg="del mod">
+          <ac:chgData name="Ferreira, Vinicius Novais" userId="cbb4d67d-f9b3-40c7-a629-1bdeb4d5c819" providerId="ADAL" clId="{1B51FF1B-CCB7-4CA7-8C16-6C5B1943B6E4}" dt="2022-03-03T23:53:03.351" v="507" actId="478"/>
+          <ac:grpSpMkLst>
+            <pc:docMk/>
+            <pc:sldMk cId="4109780595" sldId="258"/>
+            <ac:grpSpMk id="27" creationId="{053BC263-CD67-4B42-8967-CEF3CBAE5598}"/>
+          </ac:grpSpMkLst>
+        </pc:grpChg>
+        <pc:grpChg chg="mod">
+          <ac:chgData name="Ferreira, Vinicius Novais" userId="cbb4d67d-f9b3-40c7-a629-1bdeb4d5c819" providerId="ADAL" clId="{1B51FF1B-CCB7-4CA7-8C16-6C5B1943B6E4}" dt="2022-03-03T23:48:41.208" v="404" actId="1076"/>
+          <ac:grpSpMkLst>
+            <pc:docMk/>
+            <pc:sldMk cId="4109780595" sldId="258"/>
+            <ac:grpSpMk id="33" creationId="{4639FD4C-E367-46C6-90E9-127C919CEE49}"/>
+          </ac:grpSpMkLst>
+        </pc:grpChg>
+        <pc:grpChg chg="add mod">
+          <ac:chgData name="Ferreira, Vinicius Novais" userId="cbb4d67d-f9b3-40c7-a629-1bdeb4d5c819" providerId="ADAL" clId="{1B51FF1B-CCB7-4CA7-8C16-6C5B1943B6E4}" dt="2022-03-03T23:38:46.785" v="258" actId="1076"/>
+          <ac:grpSpMkLst>
+            <pc:docMk/>
+            <pc:sldMk cId="4109780595" sldId="258"/>
+            <ac:grpSpMk id="39" creationId="{0CF95824-9AF7-4C89-9573-817BB7E5047D}"/>
+          </ac:grpSpMkLst>
+        </pc:grpChg>
+        <pc:grpChg chg="mod">
+          <ac:chgData name="Ferreira, Vinicius Novais" userId="cbb4d67d-f9b3-40c7-a629-1bdeb4d5c819" providerId="ADAL" clId="{1B51FF1B-CCB7-4CA7-8C16-6C5B1943B6E4}" dt="2022-03-03T23:38:04.395" v="253"/>
+          <ac:grpSpMkLst>
+            <pc:docMk/>
+            <pc:sldMk cId="4109780595" sldId="258"/>
+            <ac:grpSpMk id="40" creationId="{DFADC0B8-0E76-4532-9383-11F0A97ACCFC}"/>
+          </ac:grpSpMkLst>
+        </pc:grpChg>
+        <pc:grpChg chg="del">
+          <ac:chgData name="Ferreira, Vinicius Novais" userId="cbb4d67d-f9b3-40c7-a629-1bdeb4d5c819" providerId="ADAL" clId="{1B51FF1B-CCB7-4CA7-8C16-6C5B1943B6E4}" dt="2022-03-03T23:32:58.031" v="194" actId="478"/>
+          <ac:grpSpMkLst>
+            <pc:docMk/>
+            <pc:sldMk cId="4109780595" sldId="258"/>
+            <ac:grpSpMk id="43" creationId="{530C3DF5-9722-47DF-B423-C382E0868D46}"/>
+          </ac:grpSpMkLst>
+        </pc:grpChg>
+        <pc:grpChg chg="del mod">
+          <ac:chgData name="Ferreira, Vinicius Novais" userId="cbb4d67d-f9b3-40c7-a629-1bdeb4d5c819" providerId="ADAL" clId="{1B51FF1B-CCB7-4CA7-8C16-6C5B1943B6E4}" dt="2022-03-03T23:51:53.319" v="462" actId="478"/>
+          <ac:grpSpMkLst>
+            <pc:docMk/>
+            <pc:sldMk cId="4109780595" sldId="258"/>
+            <ac:grpSpMk id="54" creationId="{B54DD92F-08EF-4B28-873E-634BC52FD9F9}"/>
+          </ac:grpSpMkLst>
+        </pc:grpChg>
+        <pc:grpChg chg="add del mod">
+          <ac:chgData name="Ferreira, Vinicius Novais" userId="cbb4d67d-f9b3-40c7-a629-1bdeb4d5c819" providerId="ADAL" clId="{1B51FF1B-CCB7-4CA7-8C16-6C5B1943B6E4}" dt="2022-03-03T23:41:26.838" v="316"/>
+          <ac:grpSpMkLst>
+            <pc:docMk/>
+            <pc:sldMk cId="4109780595" sldId="258"/>
+            <ac:grpSpMk id="58" creationId="{8EDFA003-9A39-49AD-899F-848D9A6F91C9}"/>
+          </ac:grpSpMkLst>
+        </pc:grpChg>
+        <pc:grpChg chg="mod">
+          <ac:chgData name="Ferreira, Vinicius Novais" userId="cbb4d67d-f9b3-40c7-a629-1bdeb4d5c819" providerId="ADAL" clId="{1B51FF1B-CCB7-4CA7-8C16-6C5B1943B6E4}" dt="2022-03-03T23:40:52.306" v="307"/>
+          <ac:grpSpMkLst>
+            <pc:docMk/>
+            <pc:sldMk cId="4109780595" sldId="258"/>
+            <ac:grpSpMk id="60" creationId="{7B3E4573-FEFB-4D6E-BEE3-D59CF957B4E0}"/>
+          </ac:grpSpMkLst>
+        </pc:grpChg>
+        <pc:grpChg chg="add mod">
+          <ac:chgData name="Ferreira, Vinicius Novais" userId="cbb4d67d-f9b3-40c7-a629-1bdeb4d5c819" providerId="ADAL" clId="{1B51FF1B-CCB7-4CA7-8C16-6C5B1943B6E4}" dt="2022-03-03T23:48:41.208" v="404" actId="1076"/>
+          <ac:grpSpMkLst>
+            <pc:docMk/>
+            <pc:sldMk cId="4109780595" sldId="258"/>
+            <ac:grpSpMk id="68" creationId="{5B832F91-8178-4A90-B051-FB9A966392CD}"/>
+          </ac:grpSpMkLst>
+        </pc:grpChg>
+        <pc:grpChg chg="mod">
+          <ac:chgData name="Ferreira, Vinicius Novais" userId="cbb4d67d-f9b3-40c7-a629-1bdeb4d5c819" providerId="ADAL" clId="{1B51FF1B-CCB7-4CA7-8C16-6C5B1943B6E4}" dt="2022-03-03T23:42:01.027" v="324"/>
+          <ac:grpSpMkLst>
+            <pc:docMk/>
+            <pc:sldMk cId="4109780595" sldId="258"/>
+            <ac:grpSpMk id="69" creationId="{EDE5ADD4-FE95-4259-A908-6CE1A862677A}"/>
+          </ac:grpSpMkLst>
+        </pc:grpChg>
+        <pc:grpChg chg="add mod">
+          <ac:chgData name="Ferreira, Vinicius Novais" userId="cbb4d67d-f9b3-40c7-a629-1bdeb4d5c819" providerId="ADAL" clId="{1B51FF1B-CCB7-4CA7-8C16-6C5B1943B6E4}" dt="2022-03-03T23:52:29.406" v="470" actId="1076"/>
+          <ac:grpSpMkLst>
+            <pc:docMk/>
+            <pc:sldMk cId="4109780595" sldId="258"/>
+            <ac:grpSpMk id="80" creationId="{DBCB171D-4273-4978-B440-78A94490FDB7}"/>
+          </ac:grpSpMkLst>
+        </pc:grpChg>
+        <pc:grpChg chg="add mod">
+          <ac:chgData name="Ferreira, Vinicius Novais" userId="cbb4d67d-f9b3-40c7-a629-1bdeb4d5c819" providerId="ADAL" clId="{1B51FF1B-CCB7-4CA7-8C16-6C5B1943B6E4}" dt="2022-03-03T23:53:20.344" v="512" actId="1037"/>
+          <ac:grpSpMkLst>
+            <pc:docMk/>
+            <pc:sldMk cId="4109780595" sldId="258"/>
+            <ac:grpSpMk id="83" creationId="{F4C1D77E-12E0-4DBD-81AF-9F31264A2E8C}"/>
+          </ac:grpSpMkLst>
+        </pc:grpChg>
+        <pc:cxnChg chg="mod">
+          <ac:chgData name="Ferreira, Vinicius Novais" userId="cbb4d67d-f9b3-40c7-a629-1bdeb4d5c819" providerId="ADAL" clId="{1B51FF1B-CCB7-4CA7-8C16-6C5B1943B6E4}" dt="2022-03-03T23:49:18.721" v="418" actId="14100"/>
+          <ac:cxnSpMkLst>
+            <pc:docMk/>
+            <pc:sldMk cId="4109780595" sldId="258"/>
+            <ac:cxnSpMk id="4" creationId="{5F5EC3B7-64A2-4E9F-9033-5B554351DB3A}"/>
+          </ac:cxnSpMkLst>
+        </pc:cxnChg>
+        <pc:cxnChg chg="mod">
+          <ac:chgData name="Ferreira, Vinicius Novais" userId="cbb4d67d-f9b3-40c7-a629-1bdeb4d5c819" providerId="ADAL" clId="{1B51FF1B-CCB7-4CA7-8C16-6C5B1943B6E4}" dt="2022-03-03T23:39:21.524" v="265" actId="1076"/>
+          <ac:cxnSpMkLst>
+            <pc:docMk/>
+            <pc:sldMk cId="4109780595" sldId="258"/>
+            <ac:cxnSpMk id="5" creationId="{150C610D-E501-4796-AB48-97EAFA5BEB4A}"/>
+          </ac:cxnSpMkLst>
+        </pc:cxnChg>
+        <pc:cxnChg chg="mod">
+          <ac:chgData name="Ferreira, Vinicius Novais" userId="cbb4d67d-f9b3-40c7-a629-1bdeb4d5c819" providerId="ADAL" clId="{1B51FF1B-CCB7-4CA7-8C16-6C5B1943B6E4}" dt="2022-03-03T23:53:03.351" v="507" actId="478"/>
+          <ac:cxnSpMkLst>
+            <pc:docMk/>
+            <pc:sldMk cId="4109780595" sldId="258"/>
+            <ac:cxnSpMk id="36" creationId="{B564FFAE-11FE-4A1E-A1C5-88EBA4A63D68}"/>
+          </ac:cxnSpMkLst>
+        </pc:cxnChg>
+        <pc:cxnChg chg="mod">
+          <ac:chgData name="Ferreira, Vinicius Novais" userId="cbb4d67d-f9b3-40c7-a629-1bdeb4d5c819" providerId="ADAL" clId="{1B51FF1B-CCB7-4CA7-8C16-6C5B1943B6E4}" dt="2022-03-03T23:48:41.208" v="404" actId="1076"/>
+          <ac:cxnSpMkLst>
+            <pc:docMk/>
+            <pc:sldMk cId="4109780595" sldId="258"/>
+            <ac:cxnSpMk id="38" creationId="{CC59C84A-FEF2-456E-8305-8E17B6298CCC}"/>
+          </ac:cxnSpMkLst>
+        </pc:cxnChg>
+        <pc:cxnChg chg="del">
+          <ac:chgData name="Ferreira, Vinicius Novais" userId="cbb4d67d-f9b3-40c7-a629-1bdeb4d5c819" providerId="ADAL" clId="{1B51FF1B-CCB7-4CA7-8C16-6C5B1943B6E4}" dt="2022-03-03T23:32:58.648" v="195" actId="478"/>
+          <ac:cxnSpMkLst>
+            <pc:docMk/>
+            <pc:sldMk cId="4109780595" sldId="258"/>
+            <ac:cxnSpMk id="47" creationId="{7C11461C-F8C8-4DDC-B35B-DBD7A33A1027}"/>
+          </ac:cxnSpMkLst>
+        </pc:cxnChg>
+        <pc:cxnChg chg="add mod">
+          <ac:chgData name="Ferreira, Vinicius Novais" userId="cbb4d67d-f9b3-40c7-a629-1bdeb4d5c819" providerId="ADAL" clId="{1B51FF1B-CCB7-4CA7-8C16-6C5B1943B6E4}" dt="2022-03-03T23:39:28.774" v="266" actId="14100"/>
+          <ac:cxnSpMkLst>
+            <pc:docMk/>
+            <pc:sldMk cId="4109780595" sldId="258"/>
+            <ac:cxnSpMk id="53" creationId="{D3E820B9-DEA8-4161-B2C6-3D93F04730D6}"/>
+          </ac:cxnSpMkLst>
+        </pc:cxnChg>
+        <pc:cxnChg chg="mod">
+          <ac:chgData name="Ferreira, Vinicius Novais" userId="cbb4d67d-f9b3-40c7-a629-1bdeb4d5c819" providerId="ADAL" clId="{1B51FF1B-CCB7-4CA7-8C16-6C5B1943B6E4}" dt="2022-03-03T23:48:41.208" v="404" actId="1076"/>
+          <ac:cxnSpMkLst>
+            <pc:docMk/>
+            <pc:sldMk cId="4109780595" sldId="258"/>
+            <ac:cxnSpMk id="57" creationId="{A79A44EB-F8A2-4EC1-AF33-61459CC6F97B}"/>
+          </ac:cxnSpMkLst>
+        </pc:cxnChg>
+        <pc:cxnChg chg="mod">
+          <ac:chgData name="Ferreira, Vinicius Novais" userId="cbb4d67d-f9b3-40c7-a629-1bdeb4d5c819" providerId="ADAL" clId="{1B51FF1B-CCB7-4CA7-8C16-6C5B1943B6E4}" dt="2022-03-03T23:40:52.306" v="307"/>
+          <ac:cxnSpMkLst>
+            <pc:docMk/>
+            <pc:sldMk cId="4109780595" sldId="258"/>
+            <ac:cxnSpMk id="65" creationId="{53D5DE1B-DC8B-48AB-A9EE-C329C09B01DE}"/>
+          </ac:cxnSpMkLst>
+        </pc:cxnChg>
+        <pc:cxnChg chg="mod">
+          <ac:chgData name="Ferreira, Vinicius Novais" userId="cbb4d67d-f9b3-40c7-a629-1bdeb4d5c819" providerId="ADAL" clId="{1B51FF1B-CCB7-4CA7-8C16-6C5B1943B6E4}" dt="2022-03-03T23:40:52.306" v="307"/>
+          <ac:cxnSpMkLst>
+            <pc:docMk/>
+            <pc:sldMk cId="4109780595" sldId="258"/>
+            <ac:cxnSpMk id="66" creationId="{09FF25B0-82C5-485E-AA29-4E16D633B34C}"/>
+          </ac:cxnSpMkLst>
+        </pc:cxnChg>
+        <pc:cxnChg chg="mod">
+          <ac:chgData name="Ferreira, Vinicius Novais" userId="cbb4d67d-f9b3-40c7-a629-1bdeb4d5c819" providerId="ADAL" clId="{1B51FF1B-CCB7-4CA7-8C16-6C5B1943B6E4}" dt="2022-03-03T23:40:52.306" v="307"/>
+          <ac:cxnSpMkLst>
+            <pc:docMk/>
+            <pc:sldMk cId="4109780595" sldId="258"/>
+            <ac:cxnSpMk id="67" creationId="{C6C65D3D-D0CC-4293-850D-D5315C798907}"/>
+          </ac:cxnSpMkLst>
+        </pc:cxnChg>
+        <pc:cxnChg chg="mod">
+          <ac:chgData name="Ferreira, Vinicius Novais" userId="cbb4d67d-f9b3-40c7-a629-1bdeb4d5c819" providerId="ADAL" clId="{1B51FF1B-CCB7-4CA7-8C16-6C5B1943B6E4}" dt="2022-03-03T23:42:01.027" v="324"/>
+          <ac:cxnSpMkLst>
+            <pc:docMk/>
+            <pc:sldMk cId="4109780595" sldId="258"/>
+            <ac:cxnSpMk id="74" creationId="{4F84B652-C790-4303-B2F3-F61AE5062C5C}"/>
+          </ac:cxnSpMkLst>
+        </pc:cxnChg>
+        <pc:cxnChg chg="mod">
+          <ac:chgData name="Ferreira, Vinicius Novais" userId="cbb4d67d-f9b3-40c7-a629-1bdeb4d5c819" providerId="ADAL" clId="{1B51FF1B-CCB7-4CA7-8C16-6C5B1943B6E4}" dt="2022-03-03T23:42:01.027" v="324"/>
+          <ac:cxnSpMkLst>
+            <pc:docMk/>
+            <pc:sldMk cId="4109780595" sldId="258"/>
+            <ac:cxnSpMk id="75" creationId="{6B0301D9-0A15-4F4D-8550-B2941F4C08A4}"/>
+          </ac:cxnSpMkLst>
+        </pc:cxnChg>
+        <pc:cxnChg chg="mod">
+          <ac:chgData name="Ferreira, Vinicius Novais" userId="cbb4d67d-f9b3-40c7-a629-1bdeb4d5c819" providerId="ADAL" clId="{1B51FF1B-CCB7-4CA7-8C16-6C5B1943B6E4}" dt="2022-03-03T23:42:01.027" v="324"/>
+          <ac:cxnSpMkLst>
+            <pc:docMk/>
+            <pc:sldMk cId="4109780595" sldId="258"/>
+            <ac:cxnSpMk id="76" creationId="{F9E71675-F6AC-44F3-9152-C32EA19564D3}"/>
+          </ac:cxnSpMkLst>
+        </pc:cxnChg>
       </pc:sldChg>
       <pc:sldChg chg="addSp modSp add mod ord modAnim">
-        <pc:chgData name="Ferreira, Vinicius Novais" userId="cbb4d67d-f9b3-40c7-a629-1bdeb4d5c819" providerId="ADAL" clId="{1B51FF1B-CCB7-4CA7-8C16-6C5B1943B6E4}" dt="2022-02-16T22:38:10.772" v="101" actId="1035"/>
+        <pc:chgData name="Ferreira, Vinicius Novais" userId="cbb4d67d-f9b3-40c7-a629-1bdeb4d5c819" providerId="ADAL" clId="{1B51FF1B-CCB7-4CA7-8C16-6C5B1943B6E4}" dt="2022-03-03T23:31:39.982" v="186"/>
         <pc:sldMkLst>
           <pc:docMk/>
           <pc:sldMk cId="1813872147" sldId="259"/>
@@ -195,7 +684,7 @@
           </ac:spMkLst>
         </pc:spChg>
         <pc:spChg chg="add mod">
-          <ac:chgData name="Ferreira, Vinicius Novais" userId="cbb4d67d-f9b3-40c7-a629-1bdeb4d5c819" providerId="ADAL" clId="{1B51FF1B-CCB7-4CA7-8C16-6C5B1943B6E4}" dt="2022-02-16T22:34:43.334" v="69" actId="20577"/>
+          <ac:chgData name="Ferreira, Vinicius Novais" userId="cbb4d67d-f9b3-40c7-a629-1bdeb4d5c819" providerId="ADAL" clId="{1B51FF1B-CCB7-4CA7-8C16-6C5B1943B6E4}" dt="2022-03-03T23:31:03.767" v="173" actId="20577"/>
           <ac:spMkLst>
             <pc:docMk/>
             <pc:sldMk cId="1813872147" sldId="259"/>
@@ -224,6 +713,14 @@
             <pc:docMk/>
             <pc:sldMk cId="1813872147" sldId="259"/>
             <ac:spMk id="85" creationId="{2EDEA5D3-7A3C-485A-A22C-0BA59B14CF74}"/>
+          </ac:spMkLst>
+        </pc:spChg>
+        <pc:spChg chg="mod">
+          <ac:chgData name="Ferreira, Vinicius Novais" userId="cbb4d67d-f9b3-40c7-a629-1bdeb4d5c819" providerId="ADAL" clId="{1B51FF1B-CCB7-4CA7-8C16-6C5B1943B6E4}" dt="2022-03-03T23:31:32.030" v="183" actId="20577"/>
+          <ac:spMkLst>
+            <pc:docMk/>
+            <pc:sldMk cId="1813872147" sldId="259"/>
+            <ac:spMk id="86" creationId="{ADB388AD-C026-428A-9652-766B415787C0}"/>
           </ac:spMkLst>
         </pc:spChg>
         <pc:grpChg chg="add mod">
@@ -290,6 +787,108 @@
             <ac:cxnSpMk id="43" creationId="{CF3A4F49-1155-4792-B696-B2E5BE2B2E12}"/>
           </ac:cxnSpMkLst>
         </pc:cxnChg>
+      </pc:sldChg>
+      <pc:sldChg chg="delSp modSp add mod delAnim">
+        <pc:chgData name="Ferreira, Vinicius Novais" userId="cbb4d67d-f9b3-40c7-a629-1bdeb4d5c819" providerId="ADAL" clId="{1B51FF1B-CCB7-4CA7-8C16-6C5B1943B6E4}" dt="2022-03-03T23:32:32.423" v="190" actId="1076"/>
+        <pc:sldMkLst>
+          <pc:docMk/>
+          <pc:sldMk cId="2802622514" sldId="260"/>
+        </pc:sldMkLst>
+        <pc:grpChg chg="mod">
+          <ac:chgData name="Ferreira, Vinicius Novais" userId="cbb4d67d-f9b3-40c7-a629-1bdeb4d5c819" providerId="ADAL" clId="{1B51FF1B-CCB7-4CA7-8C16-6C5B1943B6E4}" dt="2022-03-03T23:32:32.423" v="190" actId="1076"/>
+          <ac:grpSpMkLst>
+            <pc:docMk/>
+            <pc:sldMk cId="2802622514" sldId="260"/>
+            <ac:grpSpMk id="23" creationId="{C11E98B6-FD4F-A340-AE37-2AB983DDB323}"/>
+          </ac:grpSpMkLst>
+        </pc:grpChg>
+        <pc:grpChg chg="del">
+          <ac:chgData name="Ferreira, Vinicius Novais" userId="cbb4d67d-f9b3-40c7-a629-1bdeb4d5c819" providerId="ADAL" clId="{1B51FF1B-CCB7-4CA7-8C16-6C5B1943B6E4}" dt="2022-03-03T23:32:19.321" v="188" actId="478"/>
+          <ac:grpSpMkLst>
+            <pc:docMk/>
+            <pc:sldMk cId="2802622514" sldId="260"/>
+            <ac:grpSpMk id="39" creationId="{88D40AA6-2169-4DEF-A6EB-7FD24533A7FF}"/>
+          </ac:grpSpMkLst>
+        </pc:grpChg>
+        <pc:grpChg chg="mod">
+          <ac:chgData name="Ferreira, Vinicius Novais" userId="cbb4d67d-f9b3-40c7-a629-1bdeb4d5c819" providerId="ADAL" clId="{1B51FF1B-CCB7-4CA7-8C16-6C5B1943B6E4}" dt="2022-03-03T23:32:32.423" v="190" actId="1076"/>
+          <ac:grpSpMkLst>
+            <pc:docMk/>
+            <pc:sldMk cId="2802622514" sldId="260"/>
+            <ac:grpSpMk id="72" creationId="{F0E83028-318A-4D2F-83A3-D3200DE7BBFE}"/>
+          </ac:grpSpMkLst>
+        </pc:grpChg>
+        <pc:grpChg chg="mod">
+          <ac:chgData name="Ferreira, Vinicius Novais" userId="cbb4d67d-f9b3-40c7-a629-1bdeb4d5c819" providerId="ADAL" clId="{1B51FF1B-CCB7-4CA7-8C16-6C5B1943B6E4}" dt="2022-03-03T23:32:32.423" v="190" actId="1076"/>
+          <ac:grpSpMkLst>
+            <pc:docMk/>
+            <pc:sldMk cId="2802622514" sldId="260"/>
+            <ac:grpSpMk id="76" creationId="{17D170F2-3B62-4E27-9016-45C81F757066}"/>
+          </ac:grpSpMkLst>
+        </pc:grpChg>
+        <pc:grpChg chg="mod">
+          <ac:chgData name="Ferreira, Vinicius Novais" userId="cbb4d67d-f9b3-40c7-a629-1bdeb4d5c819" providerId="ADAL" clId="{1B51FF1B-CCB7-4CA7-8C16-6C5B1943B6E4}" dt="2022-03-03T23:32:32.423" v="190" actId="1076"/>
+          <ac:grpSpMkLst>
+            <pc:docMk/>
+            <pc:sldMk cId="2802622514" sldId="260"/>
+            <ac:grpSpMk id="83" creationId="{087D0A49-D608-4F85-A875-6C897D3E0FA6}"/>
+          </ac:grpSpMkLst>
+        </pc:grpChg>
+        <pc:cxnChg chg="mod">
+          <ac:chgData name="Ferreira, Vinicius Novais" userId="cbb4d67d-f9b3-40c7-a629-1bdeb4d5c819" providerId="ADAL" clId="{1B51FF1B-CCB7-4CA7-8C16-6C5B1943B6E4}" dt="2022-03-03T23:32:32.423" v="190" actId="1076"/>
+          <ac:cxnSpMkLst>
+            <pc:docMk/>
+            <pc:sldMk cId="2802622514" sldId="260"/>
+            <ac:cxnSpMk id="32" creationId="{98D01577-A800-41EB-9C6A-0CBDD91312B1}"/>
+          </ac:cxnSpMkLst>
+        </pc:cxnChg>
+        <pc:cxnChg chg="del mod">
+          <ac:chgData name="Ferreira, Vinicius Novais" userId="cbb4d67d-f9b3-40c7-a629-1bdeb4d5c819" providerId="ADAL" clId="{1B51FF1B-CCB7-4CA7-8C16-6C5B1943B6E4}" dt="2022-03-03T23:32:20.671" v="189" actId="478"/>
+          <ac:cxnSpMkLst>
+            <pc:docMk/>
+            <pc:sldMk cId="2802622514" sldId="260"/>
+            <ac:cxnSpMk id="43" creationId="{CF3A4F49-1155-4792-B696-B2E5BE2B2E12}"/>
+          </ac:cxnSpMkLst>
+        </pc:cxnChg>
+        <pc:cxnChg chg="mod">
+          <ac:chgData name="Ferreira, Vinicius Novais" userId="cbb4d67d-f9b3-40c7-a629-1bdeb4d5c819" providerId="ADAL" clId="{1B51FF1B-CCB7-4CA7-8C16-6C5B1943B6E4}" dt="2022-03-03T23:32:32.423" v="190" actId="1076"/>
+          <ac:cxnSpMkLst>
+            <pc:docMk/>
+            <pc:sldMk cId="2802622514" sldId="260"/>
+            <ac:cxnSpMk id="71" creationId="{75AF9792-45C5-4EDC-86F4-3BC4CBE4D8CE}"/>
+          </ac:cxnSpMkLst>
+        </pc:cxnChg>
+        <pc:cxnChg chg="mod">
+          <ac:chgData name="Ferreira, Vinicius Novais" userId="cbb4d67d-f9b3-40c7-a629-1bdeb4d5c819" providerId="ADAL" clId="{1B51FF1B-CCB7-4CA7-8C16-6C5B1943B6E4}" dt="2022-03-03T23:32:32.423" v="190" actId="1076"/>
+          <ac:cxnSpMkLst>
+            <pc:docMk/>
+            <pc:sldMk cId="2802622514" sldId="260"/>
+            <ac:cxnSpMk id="100" creationId="{A3583B6E-902C-4674-89ED-44F61664A5FF}"/>
+          </ac:cxnSpMkLst>
+        </pc:cxnChg>
+      </pc:sldChg>
+      <pc:sldChg chg="modSp add mod ord">
+        <pc:chgData name="Ferreira, Vinicius Novais" userId="cbb4d67d-f9b3-40c7-a629-1bdeb4d5c819" providerId="ADAL" clId="{1B51FF1B-CCB7-4CA7-8C16-6C5B1943B6E4}" dt="2022-03-03T23:33:53.423" v="216" actId="20577"/>
+        <pc:sldMkLst>
+          <pc:docMk/>
+          <pc:sldMk cId="2381937807" sldId="261"/>
+        </pc:sldMkLst>
+        <pc:spChg chg="mod">
+          <ac:chgData name="Ferreira, Vinicius Novais" userId="cbb4d67d-f9b3-40c7-a629-1bdeb4d5c819" providerId="ADAL" clId="{1B51FF1B-CCB7-4CA7-8C16-6C5B1943B6E4}" dt="2022-03-03T23:33:44.649" v="203" actId="20577"/>
+          <ac:spMkLst>
+            <pc:docMk/>
+            <pc:sldMk cId="2381937807" sldId="261"/>
+            <ac:spMk id="19" creationId="{421CB654-39DC-4775-9D89-FD2DCC613085}"/>
+          </ac:spMkLst>
+        </pc:spChg>
+        <pc:spChg chg="mod">
+          <ac:chgData name="Ferreira, Vinicius Novais" userId="cbb4d67d-f9b3-40c7-a629-1bdeb4d5c819" providerId="ADAL" clId="{1B51FF1B-CCB7-4CA7-8C16-6C5B1943B6E4}" dt="2022-03-03T23:33:53.423" v="216" actId="20577"/>
+          <ac:spMkLst>
+            <pc:docMk/>
+            <pc:sldMk cId="2381937807" sldId="261"/>
+            <ac:spMk id="37" creationId="{919810D6-0230-4457-A7ED-9F162FCA52D7}"/>
+          </ac:spMkLst>
+        </pc:spChg>
       </pc:sldChg>
     </pc:docChg>
   </pc:docChgLst>
@@ -873,7 +1472,7 @@
           <a:p>
             <a:fld id="{EB78BB11-6ED1-49B1-A157-D60A9F50C8F4}" type="datetimeFigureOut">
               <a:rPr lang="pt-BR" smtClean="0"/>
-              <a:t>16/02/2022</a:t>
+              <a:t>03/03/2022</a:t>
             </a:fld>
             <a:endParaRPr lang="pt-BR"/>
           </a:p>
@@ -1214,7 +1813,7 @@
     </p:spTree>
     <p:extLst>
       <p:ext uri="{BB962C8B-B14F-4D97-AF65-F5344CB8AC3E}">
-        <p14:creationId xmlns:p14="http://schemas.microsoft.com/office/powerpoint/2010/main" val="2048223902"/>
+        <p14:creationId xmlns:p14="http://schemas.microsoft.com/office/powerpoint/2010/main" val="3275613936"/>
       </p:ext>
     </p:extLst>
   </p:cSld>
@@ -1298,7 +1897,7 @@
     </p:spTree>
     <p:extLst>
       <p:ext uri="{BB962C8B-B14F-4D97-AF65-F5344CB8AC3E}">
-        <p14:creationId xmlns:p14="http://schemas.microsoft.com/office/powerpoint/2010/main" val="3275613936"/>
+        <p14:creationId xmlns:p14="http://schemas.microsoft.com/office/powerpoint/2010/main" val="2509697619"/>
       </p:ext>
     </p:extLst>
   </p:cSld>
@@ -1455,7 +2054,7 @@
           <a:p>
             <a:fld id="{FDFA6A10-170F-4F7E-8A19-AA410CAE3664}" type="datetimeFigureOut">
               <a:rPr lang="pt-BR" smtClean="0"/>
-              <a:t>16/02/2022</a:t>
+              <a:t>03/03/2022</a:t>
             </a:fld>
             <a:endParaRPr lang="pt-BR"/>
           </a:p>
@@ -1653,7 +2252,7 @@
           <a:p>
             <a:fld id="{FDFA6A10-170F-4F7E-8A19-AA410CAE3664}" type="datetimeFigureOut">
               <a:rPr lang="pt-BR" smtClean="0"/>
-              <a:t>16/02/2022</a:t>
+              <a:t>03/03/2022</a:t>
             </a:fld>
             <a:endParaRPr lang="pt-BR"/>
           </a:p>
@@ -1861,7 +2460,7 @@
           <a:p>
             <a:fld id="{FDFA6A10-170F-4F7E-8A19-AA410CAE3664}" type="datetimeFigureOut">
               <a:rPr lang="pt-BR" smtClean="0"/>
-              <a:t>16/02/2022</a:t>
+              <a:t>03/03/2022</a:t>
             </a:fld>
             <a:endParaRPr lang="pt-BR"/>
           </a:p>
@@ -2059,7 +2658,7 @@
           <a:p>
             <a:fld id="{FDFA6A10-170F-4F7E-8A19-AA410CAE3664}" type="datetimeFigureOut">
               <a:rPr lang="pt-BR" smtClean="0"/>
-              <a:t>16/02/2022</a:t>
+              <a:t>03/03/2022</a:t>
             </a:fld>
             <a:endParaRPr lang="pt-BR"/>
           </a:p>
@@ -2334,7 +2933,7 @@
           <a:p>
             <a:fld id="{FDFA6A10-170F-4F7E-8A19-AA410CAE3664}" type="datetimeFigureOut">
               <a:rPr lang="pt-BR" smtClean="0"/>
-              <a:t>16/02/2022</a:t>
+              <a:t>03/03/2022</a:t>
             </a:fld>
             <a:endParaRPr lang="pt-BR"/>
           </a:p>
@@ -2599,7 +3198,7 @@
           <a:p>
             <a:fld id="{FDFA6A10-170F-4F7E-8A19-AA410CAE3664}" type="datetimeFigureOut">
               <a:rPr lang="pt-BR" smtClean="0"/>
-              <a:t>16/02/2022</a:t>
+              <a:t>03/03/2022</a:t>
             </a:fld>
             <a:endParaRPr lang="pt-BR"/>
           </a:p>
@@ -3011,7 +3610,7 @@
           <a:p>
             <a:fld id="{FDFA6A10-170F-4F7E-8A19-AA410CAE3664}" type="datetimeFigureOut">
               <a:rPr lang="pt-BR" smtClean="0"/>
-              <a:t>16/02/2022</a:t>
+              <a:t>03/03/2022</a:t>
             </a:fld>
             <a:endParaRPr lang="pt-BR"/>
           </a:p>
@@ -3152,7 +3751,7 @@
           <a:p>
             <a:fld id="{FDFA6A10-170F-4F7E-8A19-AA410CAE3664}" type="datetimeFigureOut">
               <a:rPr lang="pt-BR" smtClean="0"/>
-              <a:t>16/02/2022</a:t>
+              <a:t>03/03/2022</a:t>
             </a:fld>
             <a:endParaRPr lang="pt-BR"/>
           </a:p>
@@ -3265,7 +3864,7 @@
           <a:p>
             <a:fld id="{FDFA6A10-170F-4F7E-8A19-AA410CAE3664}" type="datetimeFigureOut">
               <a:rPr lang="pt-BR" smtClean="0"/>
-              <a:t>16/02/2022</a:t>
+              <a:t>03/03/2022</a:t>
             </a:fld>
             <a:endParaRPr lang="pt-BR"/>
           </a:p>
@@ -3576,7 +4175,7 @@
           <a:p>
             <a:fld id="{FDFA6A10-170F-4F7E-8A19-AA410CAE3664}" type="datetimeFigureOut">
               <a:rPr lang="pt-BR" smtClean="0"/>
-              <a:t>16/02/2022</a:t>
+              <a:t>03/03/2022</a:t>
             </a:fld>
             <a:endParaRPr lang="pt-BR"/>
           </a:p>
@@ -3864,7 +4463,7 @@
           <a:p>
             <a:fld id="{FDFA6A10-170F-4F7E-8A19-AA410CAE3664}" type="datetimeFigureOut">
               <a:rPr lang="pt-BR" smtClean="0"/>
-              <a:t>16/02/2022</a:t>
+              <a:t>03/03/2022</a:t>
             </a:fld>
             <a:endParaRPr lang="pt-BR"/>
           </a:p>
@@ -4105,7 +4704,7 @@
           <a:p>
             <a:fld id="{FDFA6A10-170F-4F7E-8A19-AA410CAE3664}" type="datetimeFigureOut">
               <a:rPr lang="pt-BR" smtClean="0"/>
-              <a:t>16/02/2022</a:t>
+              <a:t>03/03/2022</a:t>
             </a:fld>
             <a:endParaRPr lang="pt-BR"/>
           </a:p>
@@ -5306,7 +5905,7 @@
                     <a:prstClr val="white"/>
                   </a:solidFill>
                 </a:rPr>
-                <a:t>[Container: SQL Server]</a:t>
+                <a:t>[Container: AWS]</a:t>
               </a:r>
             </a:p>
           </p:txBody>
@@ -5347,7 +5946,7 @@
                     <a:prstClr val="white"/>
                   </a:solidFill>
                 </a:rPr>
-                <a:t>Armazena os dados dos projetos e cadastros.</a:t>
+                <a:t>Armazena os dados dos projetos e usuários.</a:t>
               </a:r>
               <a:endParaRPr lang="pt-BR" sz="1200" dirty="0">
                 <a:solidFill>
@@ -5587,10 +6186,828 @@
           </a:fontRef>
         </p:style>
       </p:cxnSp>
+      <p:grpSp>
+        <p:nvGrpSpPr>
+          <p:cNvPr id="23" name="Group 22">
+            <a:extLst>
+              <a:ext uri="{FF2B5EF4-FFF2-40B4-BE49-F238E27FC236}">
+                <a16:creationId xmlns:a16="http://schemas.microsoft.com/office/drawing/2014/main" id="{C11E98B6-FD4F-A340-AE37-2AB983DDB323}"/>
+              </a:ext>
+            </a:extLst>
+          </p:cNvPr>
+          <p:cNvGrpSpPr/>
+          <p:nvPr/>
+        </p:nvGrpSpPr>
+        <p:grpSpPr>
+          <a:xfrm>
+            <a:off x="946611" y="4018233"/>
+            <a:ext cx="2566458" cy="2089580"/>
+            <a:chOff x="9889827" y="4597385"/>
+            <a:chExt cx="2566458" cy="2089580"/>
+          </a:xfrm>
+        </p:grpSpPr>
+        <p:grpSp>
+          <p:nvGrpSpPr>
+            <p:cNvPr id="24" name="Group 23">
+              <a:extLst>
+                <a:ext uri="{FF2B5EF4-FFF2-40B4-BE49-F238E27FC236}">
+                  <a16:creationId xmlns:a16="http://schemas.microsoft.com/office/drawing/2014/main" id="{2CC5B7AC-CD77-6F46-8EC2-55133D24A073}"/>
+                </a:ext>
+              </a:extLst>
+            </p:cNvPr>
+            <p:cNvGrpSpPr/>
+            <p:nvPr/>
+          </p:nvGrpSpPr>
+          <p:grpSpPr>
+            <a:xfrm>
+              <a:off x="10024911" y="4597385"/>
+              <a:ext cx="2307053" cy="2089580"/>
+              <a:chOff x="7252020" y="3571513"/>
+              <a:chExt cx="2376264" cy="2178569"/>
+            </a:xfrm>
+          </p:grpSpPr>
+          <p:sp>
+            <p:nvSpPr>
+              <p:cNvPr id="27" name="Retângulo 48">
+                <a:extLst>
+                  <a:ext uri="{FF2B5EF4-FFF2-40B4-BE49-F238E27FC236}">
+                    <a16:creationId xmlns:a16="http://schemas.microsoft.com/office/drawing/2014/main" id="{B354B805-38E0-48D8-A21E-F7B79225D816}"/>
+                  </a:ext>
+                </a:extLst>
+              </p:cNvPr>
+              <p:cNvSpPr/>
+              <p:nvPr/>
+            </p:nvSpPr>
+            <p:spPr>
+              <a:xfrm>
+                <a:off x="7683409" y="4788743"/>
+                <a:ext cx="1198306" cy="338554"/>
+              </a:xfrm>
+              <a:prstGeom prst="rect">
+                <a:avLst/>
+              </a:prstGeom>
+            </p:spPr>
+            <p:txBody>
+              <a:bodyPr wrap="square">
+                <a:spAutoFit/>
+              </a:bodyPr>
+              <a:lstStyle>
+                <a:defPPr>
+                  <a:defRPr lang="pt-BR"/>
+                </a:defPPr>
+                <a:lvl1pPr marL="0" algn="l" defTabSz="1043056" rtl="0" eaLnBrk="1" latinLnBrk="0" hangingPunct="1">
+                  <a:defRPr sz="2100" kern="1200">
+                    <a:solidFill>
+                      <a:schemeClr val="tx1"/>
+                    </a:solidFill>
+                    <a:latin typeface="+mn-lt"/>
+                    <a:ea typeface="+mn-ea"/>
+                    <a:cs typeface="+mn-cs"/>
+                  </a:defRPr>
+                </a:lvl1pPr>
+                <a:lvl2pPr marL="521528" algn="l" defTabSz="1043056" rtl="0" eaLnBrk="1" latinLnBrk="0" hangingPunct="1">
+                  <a:defRPr sz="2100" kern="1200">
+                    <a:solidFill>
+                      <a:schemeClr val="tx1"/>
+                    </a:solidFill>
+                    <a:latin typeface="+mn-lt"/>
+                    <a:ea typeface="+mn-ea"/>
+                    <a:cs typeface="+mn-cs"/>
+                  </a:defRPr>
+                </a:lvl2pPr>
+                <a:lvl3pPr marL="1043056" algn="l" defTabSz="1043056" rtl="0" eaLnBrk="1" latinLnBrk="0" hangingPunct="1">
+                  <a:defRPr sz="2100" kern="1200">
+                    <a:solidFill>
+                      <a:schemeClr val="tx1"/>
+                    </a:solidFill>
+                    <a:latin typeface="+mn-lt"/>
+                    <a:ea typeface="+mn-ea"/>
+                    <a:cs typeface="+mn-cs"/>
+                  </a:defRPr>
+                </a:lvl3pPr>
+                <a:lvl4pPr marL="1564584" algn="l" defTabSz="1043056" rtl="0" eaLnBrk="1" latinLnBrk="0" hangingPunct="1">
+                  <a:defRPr sz="2100" kern="1200">
+                    <a:solidFill>
+                      <a:schemeClr val="tx1"/>
+                    </a:solidFill>
+                    <a:latin typeface="+mn-lt"/>
+                    <a:ea typeface="+mn-ea"/>
+                    <a:cs typeface="+mn-cs"/>
+                  </a:defRPr>
+                </a:lvl4pPr>
+                <a:lvl5pPr marL="2086112" algn="l" defTabSz="1043056" rtl="0" eaLnBrk="1" latinLnBrk="0" hangingPunct="1">
+                  <a:defRPr sz="2100" kern="1200">
+                    <a:solidFill>
+                      <a:schemeClr val="tx1"/>
+                    </a:solidFill>
+                    <a:latin typeface="+mn-lt"/>
+                    <a:ea typeface="+mn-ea"/>
+                    <a:cs typeface="+mn-cs"/>
+                  </a:defRPr>
+                </a:lvl5pPr>
+                <a:lvl6pPr marL="2607640" algn="l" defTabSz="1043056" rtl="0" eaLnBrk="1" latinLnBrk="0" hangingPunct="1">
+                  <a:defRPr sz="2100" kern="1200">
+                    <a:solidFill>
+                      <a:schemeClr val="tx1"/>
+                    </a:solidFill>
+                    <a:latin typeface="+mn-lt"/>
+                    <a:ea typeface="+mn-ea"/>
+                    <a:cs typeface="+mn-cs"/>
+                  </a:defRPr>
+                </a:lvl6pPr>
+                <a:lvl7pPr marL="3129168" algn="l" defTabSz="1043056" rtl="0" eaLnBrk="1" latinLnBrk="0" hangingPunct="1">
+                  <a:defRPr sz="2100" kern="1200">
+                    <a:solidFill>
+                      <a:schemeClr val="tx1"/>
+                    </a:solidFill>
+                    <a:latin typeface="+mn-lt"/>
+                    <a:ea typeface="+mn-ea"/>
+                    <a:cs typeface="+mn-cs"/>
+                  </a:defRPr>
+                </a:lvl7pPr>
+                <a:lvl8pPr marL="3650696" algn="l" defTabSz="1043056" rtl="0" eaLnBrk="1" latinLnBrk="0" hangingPunct="1">
+                  <a:defRPr sz="2100" kern="1200">
+                    <a:solidFill>
+                      <a:schemeClr val="tx1"/>
+                    </a:solidFill>
+                    <a:latin typeface="+mn-lt"/>
+                    <a:ea typeface="+mn-ea"/>
+                    <a:cs typeface="+mn-cs"/>
+                  </a:defRPr>
+                </a:lvl8pPr>
+                <a:lvl9pPr marL="4172224" algn="l" defTabSz="1043056" rtl="0" eaLnBrk="1" latinLnBrk="0" hangingPunct="1">
+                  <a:defRPr sz="2100" kern="1200">
+                    <a:solidFill>
+                      <a:schemeClr val="tx1"/>
+                    </a:solidFill>
+                    <a:latin typeface="+mn-lt"/>
+                    <a:ea typeface="+mn-ea"/>
+                    <a:cs typeface="+mn-cs"/>
+                  </a:defRPr>
+                </a:lvl9pPr>
+              </a:lstStyle>
+              <a:p>
+                <a:pPr lvl="0">
+                  <a:defRPr/>
+                </a:pPr>
+                <a:r>
+                  <a:rPr lang="pt-BR" sz="1600" dirty="0">
+                    <a:solidFill>
+                      <a:prstClr val="white"/>
+                    </a:solidFill>
+                  </a:rPr>
+                  <a:t>Dashboard</a:t>
+                </a:r>
+              </a:p>
+            </p:txBody>
+          </p:sp>
+          <p:sp>
+            <p:nvSpPr>
+              <p:cNvPr id="28" name="Rounded Rectangle 30">
+                <a:extLst>
+                  <a:ext uri="{FF2B5EF4-FFF2-40B4-BE49-F238E27FC236}">
+                    <a16:creationId xmlns:a16="http://schemas.microsoft.com/office/drawing/2014/main" id="{8DBD3C4E-8CC7-D64B-87EC-3B156ABEF290}"/>
+                  </a:ext>
+                </a:extLst>
+              </p:cNvPr>
+              <p:cNvSpPr/>
+              <p:nvPr/>
+            </p:nvSpPr>
+            <p:spPr>
+              <a:xfrm>
+                <a:off x="7252020" y="3571513"/>
+                <a:ext cx="2376264" cy="2178569"/>
+              </a:xfrm>
+              <a:prstGeom prst="roundRect">
+                <a:avLst/>
+              </a:prstGeom>
+              <a:solidFill>
+                <a:srgbClr val="32B9CD"/>
+              </a:solidFill>
+              <a:ln>
+                <a:solidFill>
+                  <a:schemeClr val="accent5">
+                    <a:lumMod val="75000"/>
+                  </a:schemeClr>
+                </a:solidFill>
+              </a:ln>
+            </p:spPr>
+            <p:style>
+              <a:lnRef idx="2">
+                <a:schemeClr val="accent1">
+                  <a:shade val="50000"/>
+                </a:schemeClr>
+              </a:lnRef>
+              <a:fillRef idx="1">
+                <a:schemeClr val="accent1"/>
+              </a:fillRef>
+              <a:effectRef idx="0">
+                <a:schemeClr val="accent1"/>
+              </a:effectRef>
+              <a:fontRef idx="minor">
+                <a:schemeClr val="lt1"/>
+              </a:fontRef>
+            </p:style>
+            <p:txBody>
+              <a:bodyPr rtlCol="0" anchor="ctr"/>
+              <a:lstStyle>
+                <a:defPPr>
+                  <a:defRPr lang="pt-BR"/>
+                </a:defPPr>
+                <a:lvl1pPr marL="0" algn="l" defTabSz="1043056" rtl="0" eaLnBrk="1" latinLnBrk="0" hangingPunct="1">
+                  <a:defRPr sz="2100" kern="1200">
+                    <a:solidFill>
+                      <a:schemeClr val="lt1"/>
+                    </a:solidFill>
+                    <a:latin typeface="+mn-lt"/>
+                    <a:ea typeface="+mn-ea"/>
+                    <a:cs typeface="+mn-cs"/>
+                  </a:defRPr>
+                </a:lvl1pPr>
+                <a:lvl2pPr marL="521528" algn="l" defTabSz="1043056" rtl="0" eaLnBrk="1" latinLnBrk="0" hangingPunct="1">
+                  <a:defRPr sz="2100" kern="1200">
+                    <a:solidFill>
+                      <a:schemeClr val="lt1"/>
+                    </a:solidFill>
+                    <a:latin typeface="+mn-lt"/>
+                    <a:ea typeface="+mn-ea"/>
+                    <a:cs typeface="+mn-cs"/>
+                  </a:defRPr>
+                </a:lvl2pPr>
+                <a:lvl3pPr marL="1043056" algn="l" defTabSz="1043056" rtl="0" eaLnBrk="1" latinLnBrk="0" hangingPunct="1">
+                  <a:defRPr sz="2100" kern="1200">
+                    <a:solidFill>
+                      <a:schemeClr val="lt1"/>
+                    </a:solidFill>
+                    <a:latin typeface="+mn-lt"/>
+                    <a:ea typeface="+mn-ea"/>
+                    <a:cs typeface="+mn-cs"/>
+                  </a:defRPr>
+                </a:lvl3pPr>
+                <a:lvl4pPr marL="1564584" algn="l" defTabSz="1043056" rtl="0" eaLnBrk="1" latinLnBrk="0" hangingPunct="1">
+                  <a:defRPr sz="2100" kern="1200">
+                    <a:solidFill>
+                      <a:schemeClr val="lt1"/>
+                    </a:solidFill>
+                    <a:latin typeface="+mn-lt"/>
+                    <a:ea typeface="+mn-ea"/>
+                    <a:cs typeface="+mn-cs"/>
+                  </a:defRPr>
+                </a:lvl4pPr>
+                <a:lvl5pPr marL="2086112" algn="l" defTabSz="1043056" rtl="0" eaLnBrk="1" latinLnBrk="0" hangingPunct="1">
+                  <a:defRPr sz="2100" kern="1200">
+                    <a:solidFill>
+                      <a:schemeClr val="lt1"/>
+                    </a:solidFill>
+                    <a:latin typeface="+mn-lt"/>
+                    <a:ea typeface="+mn-ea"/>
+                    <a:cs typeface="+mn-cs"/>
+                  </a:defRPr>
+                </a:lvl5pPr>
+                <a:lvl6pPr marL="2607640" algn="l" defTabSz="1043056" rtl="0" eaLnBrk="1" latinLnBrk="0" hangingPunct="1">
+                  <a:defRPr sz="2100" kern="1200">
+                    <a:solidFill>
+                      <a:schemeClr val="lt1"/>
+                    </a:solidFill>
+                    <a:latin typeface="+mn-lt"/>
+                    <a:ea typeface="+mn-ea"/>
+                    <a:cs typeface="+mn-cs"/>
+                  </a:defRPr>
+                </a:lvl6pPr>
+                <a:lvl7pPr marL="3129168" algn="l" defTabSz="1043056" rtl="0" eaLnBrk="1" latinLnBrk="0" hangingPunct="1">
+                  <a:defRPr sz="2100" kern="1200">
+                    <a:solidFill>
+                      <a:schemeClr val="lt1"/>
+                    </a:solidFill>
+                    <a:latin typeface="+mn-lt"/>
+                    <a:ea typeface="+mn-ea"/>
+                    <a:cs typeface="+mn-cs"/>
+                  </a:defRPr>
+                </a:lvl7pPr>
+                <a:lvl8pPr marL="3650696" algn="l" defTabSz="1043056" rtl="0" eaLnBrk="1" latinLnBrk="0" hangingPunct="1">
+                  <a:defRPr sz="2100" kern="1200">
+                    <a:solidFill>
+                      <a:schemeClr val="lt1"/>
+                    </a:solidFill>
+                    <a:latin typeface="+mn-lt"/>
+                    <a:ea typeface="+mn-ea"/>
+                    <a:cs typeface="+mn-cs"/>
+                  </a:defRPr>
+                </a:lvl8pPr>
+                <a:lvl9pPr marL="4172224" algn="l" defTabSz="1043056" rtl="0" eaLnBrk="1" latinLnBrk="0" hangingPunct="1">
+                  <a:defRPr sz="2100" kern="1200">
+                    <a:solidFill>
+                      <a:schemeClr val="lt1"/>
+                    </a:solidFill>
+                    <a:latin typeface="+mn-lt"/>
+                    <a:ea typeface="+mn-ea"/>
+                    <a:cs typeface="+mn-cs"/>
+                  </a:defRPr>
+                </a:lvl9pPr>
+              </a:lstStyle>
+              <a:p>
+                <a:pPr algn="ctr"/>
+                <a:endParaRPr lang="pt-BR" dirty="0">
+                  <a:solidFill>
+                    <a:prstClr val="white"/>
+                  </a:solidFill>
+                  <a:latin typeface="Calibri"/>
+                </a:endParaRPr>
+              </a:p>
+            </p:txBody>
+          </p:sp>
+          <p:cxnSp>
+            <p:nvCxnSpPr>
+              <p:cNvPr id="29" name="Straight Connector 28">
+                <a:extLst>
+                  <a:ext uri="{FF2B5EF4-FFF2-40B4-BE49-F238E27FC236}">
+                    <a16:creationId xmlns:a16="http://schemas.microsoft.com/office/drawing/2014/main" id="{31AE2028-FEEB-E24A-A160-6CC6C7291EB7}"/>
+                  </a:ext>
+                </a:extLst>
+              </p:cNvPr>
+              <p:cNvCxnSpPr/>
+              <p:nvPr/>
+            </p:nvCxnSpPr>
+            <p:spPr>
+              <a:xfrm>
+                <a:off x="9097739" y="3708623"/>
+                <a:ext cx="275406" cy="0"/>
+              </a:xfrm>
+              <a:prstGeom prst="line">
+                <a:avLst/>
+              </a:prstGeom>
+              <a:noFill/>
+              <a:ln>
+                <a:solidFill>
+                  <a:schemeClr val="accent5">
+                    <a:lumMod val="75000"/>
+                  </a:schemeClr>
+                </a:solidFill>
+              </a:ln>
+            </p:spPr>
+            <p:style>
+              <a:lnRef idx="2">
+                <a:schemeClr val="accent1">
+                  <a:shade val="50000"/>
+                </a:schemeClr>
+              </a:lnRef>
+              <a:fillRef idx="1">
+                <a:schemeClr val="accent1"/>
+              </a:fillRef>
+              <a:effectRef idx="0">
+                <a:schemeClr val="accent1"/>
+              </a:effectRef>
+              <a:fontRef idx="minor">
+                <a:schemeClr val="lt1"/>
+              </a:fontRef>
+            </p:style>
+          </p:cxnSp>
+          <p:cxnSp>
+            <p:nvCxnSpPr>
+              <p:cNvPr id="30" name="Straight Connector 29">
+                <a:extLst>
+                  <a:ext uri="{FF2B5EF4-FFF2-40B4-BE49-F238E27FC236}">
+                    <a16:creationId xmlns:a16="http://schemas.microsoft.com/office/drawing/2014/main" id="{7C268994-2FBA-3B41-B0BF-3CA95711E0BA}"/>
+                  </a:ext>
+                </a:extLst>
+              </p:cNvPr>
+              <p:cNvCxnSpPr/>
+              <p:nvPr/>
+            </p:nvCxnSpPr>
+            <p:spPr>
+              <a:xfrm>
+                <a:off x="9097739" y="3792372"/>
+                <a:ext cx="275406" cy="0"/>
+              </a:xfrm>
+              <a:prstGeom prst="line">
+                <a:avLst/>
+              </a:prstGeom>
+              <a:noFill/>
+              <a:ln>
+                <a:solidFill>
+                  <a:schemeClr val="accent5">
+                    <a:lumMod val="75000"/>
+                  </a:schemeClr>
+                </a:solidFill>
+              </a:ln>
+            </p:spPr>
+            <p:style>
+              <a:lnRef idx="2">
+                <a:schemeClr val="accent1">
+                  <a:shade val="50000"/>
+                </a:schemeClr>
+              </a:lnRef>
+              <a:fillRef idx="1">
+                <a:schemeClr val="accent1"/>
+              </a:fillRef>
+              <a:effectRef idx="0">
+                <a:schemeClr val="accent1"/>
+              </a:effectRef>
+              <a:fontRef idx="minor">
+                <a:schemeClr val="lt1"/>
+              </a:fontRef>
+            </p:style>
+          </p:cxnSp>
+          <p:cxnSp>
+            <p:nvCxnSpPr>
+              <p:cNvPr id="31" name="Straight Connector 30">
+                <a:extLst>
+                  <a:ext uri="{FF2B5EF4-FFF2-40B4-BE49-F238E27FC236}">
+                    <a16:creationId xmlns:a16="http://schemas.microsoft.com/office/drawing/2014/main" id="{5D671D1F-7DF1-F94F-8786-64632D2143D9}"/>
+                  </a:ext>
+                </a:extLst>
+              </p:cNvPr>
+              <p:cNvCxnSpPr/>
+              <p:nvPr/>
+            </p:nvCxnSpPr>
+            <p:spPr>
+              <a:xfrm>
+                <a:off x="9097739" y="3879370"/>
+                <a:ext cx="275406" cy="0"/>
+              </a:xfrm>
+              <a:prstGeom prst="line">
+                <a:avLst/>
+              </a:prstGeom>
+              <a:noFill/>
+              <a:ln>
+                <a:solidFill>
+                  <a:schemeClr val="accent5">
+                    <a:lumMod val="75000"/>
+                  </a:schemeClr>
+                </a:solidFill>
+              </a:ln>
+            </p:spPr>
+            <p:style>
+              <a:lnRef idx="2">
+                <a:schemeClr val="accent1">
+                  <a:shade val="50000"/>
+                </a:schemeClr>
+              </a:lnRef>
+              <a:fillRef idx="1">
+                <a:schemeClr val="accent1"/>
+              </a:fillRef>
+              <a:effectRef idx="0">
+                <a:schemeClr val="accent1"/>
+              </a:effectRef>
+              <a:fontRef idx="minor">
+                <a:schemeClr val="lt1"/>
+              </a:fontRef>
+            </p:style>
+          </p:cxnSp>
+        </p:grpSp>
+        <p:sp>
+          <p:nvSpPr>
+            <p:cNvPr id="25" name="Retângulo 20">
+              <a:extLst>
+                <a:ext uri="{FF2B5EF4-FFF2-40B4-BE49-F238E27FC236}">
+                  <a16:creationId xmlns:a16="http://schemas.microsoft.com/office/drawing/2014/main" id="{3F292C9C-808C-6F48-BF50-B6128A0E250B}"/>
+                </a:ext>
+              </a:extLst>
+            </p:cNvPr>
+            <p:cNvSpPr/>
+            <p:nvPr/>
+          </p:nvSpPr>
+          <p:spPr>
+            <a:xfrm>
+              <a:off x="9889827" y="4967599"/>
+              <a:ext cx="2566458" cy="646331"/>
+            </a:xfrm>
+            <a:prstGeom prst="rect">
+              <a:avLst/>
+            </a:prstGeom>
+          </p:spPr>
+          <p:txBody>
+            <a:bodyPr wrap="square">
+              <a:spAutoFit/>
+            </a:bodyPr>
+            <a:lstStyle>
+              <a:defPPr>
+                <a:defRPr lang="pt-BR"/>
+              </a:defPPr>
+              <a:lvl1pPr marL="0" algn="l" defTabSz="1043056" rtl="0" eaLnBrk="1" latinLnBrk="0" hangingPunct="1">
+                <a:defRPr sz="2100" kern="1200">
+                  <a:solidFill>
+                    <a:schemeClr val="tx1"/>
+                  </a:solidFill>
+                  <a:latin typeface="+mn-lt"/>
+                  <a:ea typeface="+mn-ea"/>
+                  <a:cs typeface="+mn-cs"/>
+                </a:defRPr>
+              </a:lvl1pPr>
+              <a:lvl2pPr marL="521528" algn="l" defTabSz="1043056" rtl="0" eaLnBrk="1" latinLnBrk="0" hangingPunct="1">
+                <a:defRPr sz="2100" kern="1200">
+                  <a:solidFill>
+                    <a:schemeClr val="tx1"/>
+                  </a:solidFill>
+                  <a:latin typeface="+mn-lt"/>
+                  <a:ea typeface="+mn-ea"/>
+                  <a:cs typeface="+mn-cs"/>
+                </a:defRPr>
+              </a:lvl2pPr>
+              <a:lvl3pPr marL="1043056" algn="l" defTabSz="1043056" rtl="0" eaLnBrk="1" latinLnBrk="0" hangingPunct="1">
+                <a:defRPr sz="2100" kern="1200">
+                  <a:solidFill>
+                    <a:schemeClr val="tx1"/>
+                  </a:solidFill>
+                  <a:latin typeface="+mn-lt"/>
+                  <a:ea typeface="+mn-ea"/>
+                  <a:cs typeface="+mn-cs"/>
+                </a:defRPr>
+              </a:lvl3pPr>
+              <a:lvl4pPr marL="1564584" algn="l" defTabSz="1043056" rtl="0" eaLnBrk="1" latinLnBrk="0" hangingPunct="1">
+                <a:defRPr sz="2100" kern="1200">
+                  <a:solidFill>
+                    <a:schemeClr val="tx1"/>
+                  </a:solidFill>
+                  <a:latin typeface="+mn-lt"/>
+                  <a:ea typeface="+mn-ea"/>
+                  <a:cs typeface="+mn-cs"/>
+                </a:defRPr>
+              </a:lvl4pPr>
+              <a:lvl5pPr marL="2086112" algn="l" defTabSz="1043056" rtl="0" eaLnBrk="1" latinLnBrk="0" hangingPunct="1">
+                <a:defRPr sz="2100" kern="1200">
+                  <a:solidFill>
+                    <a:schemeClr val="tx1"/>
+                  </a:solidFill>
+                  <a:latin typeface="+mn-lt"/>
+                  <a:ea typeface="+mn-ea"/>
+                  <a:cs typeface="+mn-cs"/>
+                </a:defRPr>
+              </a:lvl5pPr>
+              <a:lvl6pPr marL="2607640" algn="l" defTabSz="1043056" rtl="0" eaLnBrk="1" latinLnBrk="0" hangingPunct="1">
+                <a:defRPr sz="2100" kern="1200">
+                  <a:solidFill>
+                    <a:schemeClr val="tx1"/>
+                  </a:solidFill>
+                  <a:latin typeface="+mn-lt"/>
+                  <a:ea typeface="+mn-ea"/>
+                  <a:cs typeface="+mn-cs"/>
+                </a:defRPr>
+              </a:lvl6pPr>
+              <a:lvl7pPr marL="3129168" algn="l" defTabSz="1043056" rtl="0" eaLnBrk="1" latinLnBrk="0" hangingPunct="1">
+                <a:defRPr sz="2100" kern="1200">
+                  <a:solidFill>
+                    <a:schemeClr val="tx1"/>
+                  </a:solidFill>
+                  <a:latin typeface="+mn-lt"/>
+                  <a:ea typeface="+mn-ea"/>
+                  <a:cs typeface="+mn-cs"/>
+                </a:defRPr>
+              </a:lvl7pPr>
+              <a:lvl8pPr marL="3650696" algn="l" defTabSz="1043056" rtl="0" eaLnBrk="1" latinLnBrk="0" hangingPunct="1">
+                <a:defRPr sz="2100" kern="1200">
+                  <a:solidFill>
+                    <a:schemeClr val="tx1"/>
+                  </a:solidFill>
+                  <a:latin typeface="+mn-lt"/>
+                  <a:ea typeface="+mn-ea"/>
+                  <a:cs typeface="+mn-cs"/>
+                </a:defRPr>
+              </a:lvl8pPr>
+              <a:lvl9pPr marL="4172224" algn="l" defTabSz="1043056" rtl="0" eaLnBrk="1" latinLnBrk="0" hangingPunct="1">
+                <a:defRPr sz="2100" kern="1200">
+                  <a:solidFill>
+                    <a:schemeClr val="tx1"/>
+                  </a:solidFill>
+                  <a:latin typeface="+mn-lt"/>
+                  <a:ea typeface="+mn-ea"/>
+                  <a:cs typeface="+mn-cs"/>
+                </a:defRPr>
+              </a:lvl9pPr>
+            </a:lstStyle>
+            <a:p>
+              <a:pPr lvl="0" algn="ctr">
+                <a:defRPr/>
+              </a:pPr>
+              <a:r>
+                <a:rPr lang="pt-BR" sz="2000" b="1" dirty="0" err="1">
+                  <a:solidFill>
+                    <a:prstClr val="white"/>
+                  </a:solidFill>
+                </a:rPr>
+                <a:t>MobileApp</a:t>
+              </a:r>
+              <a:endParaRPr lang="pt-BR" sz="2000" b="1" dirty="0">
+                <a:solidFill>
+                  <a:prstClr val="white"/>
+                </a:solidFill>
+              </a:endParaRPr>
+            </a:p>
+            <a:p>
+              <a:pPr lvl="0" algn="ctr">
+                <a:defRPr/>
+              </a:pPr>
+              <a:r>
+                <a:rPr lang="pt-BR" sz="1600" dirty="0">
+                  <a:solidFill>
+                    <a:prstClr val="white"/>
+                  </a:solidFill>
+                </a:rPr>
+                <a:t>[Container: Kotlin]</a:t>
+              </a:r>
+            </a:p>
+          </p:txBody>
+        </p:sp>
+        <p:sp>
+          <p:nvSpPr>
+            <p:cNvPr id="26" name="Retângulo 20">
+              <a:extLst>
+                <a:ext uri="{FF2B5EF4-FFF2-40B4-BE49-F238E27FC236}">
+                  <a16:creationId xmlns:a16="http://schemas.microsoft.com/office/drawing/2014/main" id="{93F43B3C-AD9B-8B41-9E5E-1EB9FAF3EDC1}"/>
+                </a:ext>
+              </a:extLst>
+            </p:cNvPr>
+            <p:cNvSpPr/>
+            <p:nvPr/>
+          </p:nvSpPr>
+          <p:spPr>
+            <a:xfrm>
+              <a:off x="9998671" y="5868863"/>
+              <a:ext cx="2307052" cy="584775"/>
+            </a:xfrm>
+            <a:prstGeom prst="rect">
+              <a:avLst/>
+            </a:prstGeom>
+          </p:spPr>
+          <p:txBody>
+            <a:bodyPr wrap="square">
+              <a:spAutoFit/>
+            </a:bodyPr>
+            <a:lstStyle>
+              <a:defPPr>
+                <a:defRPr lang="pt-BR"/>
+              </a:defPPr>
+              <a:lvl1pPr marL="0" algn="l" defTabSz="1043056" rtl="0" eaLnBrk="1" latinLnBrk="0" hangingPunct="1">
+                <a:defRPr sz="2100" kern="1200">
+                  <a:solidFill>
+                    <a:schemeClr val="tx1"/>
+                  </a:solidFill>
+                  <a:latin typeface="+mn-lt"/>
+                  <a:ea typeface="+mn-ea"/>
+                  <a:cs typeface="+mn-cs"/>
+                </a:defRPr>
+              </a:lvl1pPr>
+              <a:lvl2pPr marL="521528" algn="l" defTabSz="1043056" rtl="0" eaLnBrk="1" latinLnBrk="0" hangingPunct="1">
+                <a:defRPr sz="2100" kern="1200">
+                  <a:solidFill>
+                    <a:schemeClr val="tx1"/>
+                  </a:solidFill>
+                  <a:latin typeface="+mn-lt"/>
+                  <a:ea typeface="+mn-ea"/>
+                  <a:cs typeface="+mn-cs"/>
+                </a:defRPr>
+              </a:lvl2pPr>
+              <a:lvl3pPr marL="1043056" algn="l" defTabSz="1043056" rtl="0" eaLnBrk="1" latinLnBrk="0" hangingPunct="1">
+                <a:defRPr sz="2100" kern="1200">
+                  <a:solidFill>
+                    <a:schemeClr val="tx1"/>
+                  </a:solidFill>
+                  <a:latin typeface="+mn-lt"/>
+                  <a:ea typeface="+mn-ea"/>
+                  <a:cs typeface="+mn-cs"/>
+                </a:defRPr>
+              </a:lvl3pPr>
+              <a:lvl4pPr marL="1564584" algn="l" defTabSz="1043056" rtl="0" eaLnBrk="1" latinLnBrk="0" hangingPunct="1">
+                <a:defRPr sz="2100" kern="1200">
+                  <a:solidFill>
+                    <a:schemeClr val="tx1"/>
+                  </a:solidFill>
+                  <a:latin typeface="+mn-lt"/>
+                  <a:ea typeface="+mn-ea"/>
+                  <a:cs typeface="+mn-cs"/>
+                </a:defRPr>
+              </a:lvl4pPr>
+              <a:lvl5pPr marL="2086112" algn="l" defTabSz="1043056" rtl="0" eaLnBrk="1" latinLnBrk="0" hangingPunct="1">
+                <a:defRPr sz="2100" kern="1200">
+                  <a:solidFill>
+                    <a:schemeClr val="tx1"/>
+                  </a:solidFill>
+                  <a:latin typeface="+mn-lt"/>
+                  <a:ea typeface="+mn-ea"/>
+                  <a:cs typeface="+mn-cs"/>
+                </a:defRPr>
+              </a:lvl5pPr>
+              <a:lvl6pPr marL="2607640" algn="l" defTabSz="1043056" rtl="0" eaLnBrk="1" latinLnBrk="0" hangingPunct="1">
+                <a:defRPr sz="2100" kern="1200">
+                  <a:solidFill>
+                    <a:schemeClr val="tx1"/>
+                  </a:solidFill>
+                  <a:latin typeface="+mn-lt"/>
+                  <a:ea typeface="+mn-ea"/>
+                  <a:cs typeface="+mn-cs"/>
+                </a:defRPr>
+              </a:lvl6pPr>
+              <a:lvl7pPr marL="3129168" algn="l" defTabSz="1043056" rtl="0" eaLnBrk="1" latinLnBrk="0" hangingPunct="1">
+                <a:defRPr sz="2100" kern="1200">
+                  <a:solidFill>
+                    <a:schemeClr val="tx1"/>
+                  </a:solidFill>
+                  <a:latin typeface="+mn-lt"/>
+                  <a:ea typeface="+mn-ea"/>
+                  <a:cs typeface="+mn-cs"/>
+                </a:defRPr>
+              </a:lvl7pPr>
+              <a:lvl8pPr marL="3650696" algn="l" defTabSz="1043056" rtl="0" eaLnBrk="1" latinLnBrk="0" hangingPunct="1">
+                <a:defRPr sz="2100" kern="1200">
+                  <a:solidFill>
+                    <a:schemeClr val="tx1"/>
+                  </a:solidFill>
+                  <a:latin typeface="+mn-lt"/>
+                  <a:ea typeface="+mn-ea"/>
+                  <a:cs typeface="+mn-cs"/>
+                </a:defRPr>
+              </a:lvl8pPr>
+              <a:lvl9pPr marL="4172224" algn="l" defTabSz="1043056" rtl="0" eaLnBrk="1" latinLnBrk="0" hangingPunct="1">
+                <a:defRPr sz="2100" kern="1200">
+                  <a:solidFill>
+                    <a:schemeClr val="tx1"/>
+                  </a:solidFill>
+                  <a:latin typeface="+mn-lt"/>
+                  <a:ea typeface="+mn-ea"/>
+                  <a:cs typeface="+mn-cs"/>
+                </a:defRPr>
+              </a:lvl9pPr>
+            </a:lstStyle>
+            <a:p>
+              <a:pPr lvl="0" algn="ctr">
+                <a:defRPr/>
+              </a:pPr>
+              <a:r>
+                <a:rPr lang="pt-BR" sz="1600" dirty="0">
+                  <a:solidFill>
+                    <a:prstClr val="white"/>
+                  </a:solidFill>
+                </a:rPr>
+                <a:t>Login, cadastro de usuários e projetos</a:t>
+              </a:r>
+              <a:endParaRPr lang="pt-BR" sz="1200" dirty="0">
+                <a:solidFill>
+                  <a:prstClr val="white"/>
+                </a:solidFill>
+              </a:endParaRPr>
+            </a:p>
+          </p:txBody>
+        </p:sp>
+      </p:grpSp>
+      <p:cxnSp>
+        <p:nvCxnSpPr>
+          <p:cNvPr id="32" name="Conector de Seta Reta 99">
+            <a:extLst>
+              <a:ext uri="{FF2B5EF4-FFF2-40B4-BE49-F238E27FC236}">
+                <a16:creationId xmlns:a16="http://schemas.microsoft.com/office/drawing/2014/main" id="{98D01577-A800-41EB-9C6A-0CBDD91312B1}"/>
+              </a:ext>
+            </a:extLst>
+          </p:cNvPr>
+          <p:cNvCxnSpPr>
+            <a:cxnSpLocks/>
+          </p:cNvCxnSpPr>
+          <p:nvPr/>
+        </p:nvCxnSpPr>
+        <p:spPr>
+          <a:xfrm flipV="1">
+            <a:off x="2254599" y="2075380"/>
+            <a:ext cx="2992316" cy="1942854"/>
+          </a:xfrm>
+          <a:prstGeom prst="straightConnector1">
+            <a:avLst/>
+          </a:prstGeom>
+          <a:ln w="19050">
+            <a:solidFill>
+              <a:schemeClr val="accent5">
+                <a:lumMod val="75000"/>
+              </a:schemeClr>
+            </a:solidFill>
+            <a:prstDash val="sysDash"/>
+            <a:headEnd type="none" w="lg" len="lg"/>
+            <a:tailEnd type="triangle" w="lg" len="lg"/>
+          </a:ln>
+          <a:effectLst>
+            <a:outerShdw blurRad="50800" dist="38100" dir="2700000" algn="tl" rotWithShape="0">
+              <a:prstClr val="black">
+                <a:alpha val="40000"/>
+              </a:prstClr>
+            </a:outerShdw>
+          </a:effectLst>
+        </p:spPr>
+        <p:style>
+          <a:lnRef idx="1">
+            <a:schemeClr val="accent1"/>
+          </a:lnRef>
+          <a:fillRef idx="0">
+            <a:schemeClr val="accent1"/>
+          </a:fillRef>
+          <a:effectRef idx="0">
+            <a:schemeClr val="accent1"/>
+          </a:effectRef>
+          <a:fontRef idx="minor">
+            <a:schemeClr val="tx1"/>
+          </a:fontRef>
+        </p:style>
+      </p:cxnSp>
     </p:spTree>
     <p:extLst>
       <p:ext uri="{BB962C8B-B14F-4D97-AF65-F5344CB8AC3E}">
-        <p14:creationId xmlns:p14="http://schemas.microsoft.com/office/powerpoint/2010/main" val="3809416967"/>
+        <p14:creationId xmlns:p14="http://schemas.microsoft.com/office/powerpoint/2010/main" val="1813872147"/>
       </p:ext>
     </p:extLst>
   </p:cSld>
@@ -5821,6 +7238,51 @@
                                         </p:cTn>
                                         <p:tgtEl>
                                           <p:spTgt spid="43"/>
+                                        </p:tgtEl>
+                                        <p:attrNameLst>
+                                          <p:attrName>style.visibility</p:attrName>
+                                        </p:attrNameLst>
+                                      </p:cBhvr>
+                                      <p:to>
+                                        <p:strVal val="visible"/>
+                                      </p:to>
+                                    </p:set>
+                                  </p:childTnLst>
+                                </p:cTn>
+                              </p:par>
+                            </p:childTnLst>
+                          </p:cTn>
+                        </p:par>
+                      </p:childTnLst>
+                    </p:cTn>
+                  </p:par>
+                  <p:par>
+                    <p:cTn id="23" fill="hold">
+                      <p:stCondLst>
+                        <p:cond delay="indefinite"/>
+                      </p:stCondLst>
+                      <p:childTnLst>
+                        <p:par>
+                          <p:cTn id="24" fill="hold">
+                            <p:stCondLst>
+                              <p:cond delay="0"/>
+                            </p:stCondLst>
+                            <p:childTnLst>
+                              <p:par>
+                                <p:cTn id="25" presetID="1" presetClass="entr" presetSubtype="0" fill="hold" nodeType="clickEffect">
+                                  <p:stCondLst>
+                                    <p:cond delay="0"/>
+                                  </p:stCondLst>
+                                  <p:childTnLst>
+                                    <p:set>
+                                      <p:cBhvr>
+                                        <p:cTn id="26" dur="1" fill="hold">
+                                          <p:stCondLst>
+                                            <p:cond delay="0"/>
+                                          </p:stCondLst>
+                                        </p:cTn>
+                                        <p:tgtEl>
+                                          <p:spTgt spid="32"/>
                                         </p:tgtEl>
                                         <p:attrNameLst>
                                           <p:attrName>style.visibility</p:attrName>
@@ -6529,7 +7991,7 @@
                     <a:prstClr val="white"/>
                   </a:solidFill>
                 </a:rPr>
-                <a:t>Armazena os dados dos projetos e cadastros.</a:t>
+                <a:t>Armazena os dados dos projetos e usuários</a:t>
               </a:r>
               <a:endParaRPr lang="pt-BR" sz="1200" dirty="0">
                 <a:solidFill>
@@ -7621,7 +9083,7 @@
                   <a:prstClr val="white"/>
                 </a:solidFill>
               </a:rPr>
-              <a:t>[Container: SQL Server]</a:t>
+              <a:t>[Container: AWS]</a:t>
             </a:r>
           </a:p>
         </p:txBody>
@@ -7629,7 +9091,7 @@
     </p:spTree>
     <p:extLst>
       <p:ext uri="{BB962C8B-B14F-4D97-AF65-F5344CB8AC3E}">
-        <p14:creationId xmlns:p14="http://schemas.microsoft.com/office/powerpoint/2010/main" val="4109780595"/>
+        <p14:creationId xmlns:p14="http://schemas.microsoft.com/office/powerpoint/2010/main" val="2381937807"/>
       </p:ext>
     </p:extLst>
   </p:cSld>
@@ -8153,7 +9615,7 @@
         </p:nvCxnSpPr>
         <p:spPr>
           <a:xfrm flipV="1">
-            <a:off x="6581732" y="2839075"/>
+            <a:off x="8129178" y="2923481"/>
             <a:ext cx="0" cy="1179850"/>
           </a:xfrm>
           <a:prstGeom prst="straightConnector1">
@@ -8209,7 +9671,7 @@
         </p:nvCxnSpPr>
         <p:spPr>
           <a:xfrm flipH="1">
-            <a:off x="3394884" y="1642522"/>
+            <a:off x="4942330" y="1726928"/>
             <a:ext cx="1926998" cy="0"/>
           </a:xfrm>
           <a:prstGeom prst="straightConnector1">
@@ -8262,7 +9724,7 @@
         </p:nvGrpSpPr>
         <p:grpSpPr>
           <a:xfrm>
-            <a:off x="5246915" y="744279"/>
+            <a:off x="6794361" y="828685"/>
             <a:ext cx="2566458" cy="2016224"/>
             <a:chOff x="8768407" y="1501253"/>
             <a:chExt cx="2566458" cy="2016224"/>
@@ -8439,7 +9901,7 @@
         </p:nvGrpSpPr>
         <p:grpSpPr>
           <a:xfrm>
-            <a:off x="5350089" y="4018925"/>
+            <a:off x="6897535" y="4103331"/>
             <a:ext cx="2463284" cy="2050788"/>
             <a:chOff x="7149336" y="4654462"/>
             <a:chExt cx="2463284" cy="2050788"/>
@@ -8797,7 +10259,7 @@
         </p:nvGrpSpPr>
         <p:grpSpPr>
           <a:xfrm>
-            <a:off x="917003" y="634410"/>
+            <a:off x="2464449" y="718816"/>
             <a:ext cx="2596066" cy="2016224"/>
             <a:chOff x="3137644" y="1908423"/>
             <a:chExt cx="2596066" cy="2016224"/>
@@ -8961,7 +10423,7 @@
                     <a:prstClr val="white"/>
                   </a:solidFill>
                 </a:rPr>
-                <a:t>Armazena os dados dos projetos e cadastros.</a:t>
+                <a:t>Armazena os dados dos projetos e usuários.</a:t>
               </a:r>
               <a:endParaRPr lang="pt-BR" sz="1200" dirty="0">
                 <a:solidFill>
@@ -8972,235 +10434,6 @@
           </p:txBody>
         </p:sp>
       </p:grpSp>
-      <p:grpSp>
-        <p:nvGrpSpPr>
-          <p:cNvPr id="39" name="Agrupar 37">
-            <a:extLst>
-              <a:ext uri="{FF2B5EF4-FFF2-40B4-BE49-F238E27FC236}">
-                <a16:creationId xmlns:a16="http://schemas.microsoft.com/office/drawing/2014/main" id="{88D40AA6-2169-4DEF-A6EB-7FD24533A7FF}"/>
-              </a:ext>
-            </a:extLst>
-          </p:cNvPr>
-          <p:cNvGrpSpPr/>
-          <p:nvPr/>
-        </p:nvGrpSpPr>
-        <p:grpSpPr>
-          <a:xfrm>
-            <a:off x="9052708" y="823221"/>
-            <a:ext cx="2192681" cy="1858339"/>
-            <a:chOff x="-1111754" y="4356832"/>
-            <a:chExt cx="2417659" cy="2049012"/>
-          </a:xfrm>
-        </p:grpSpPr>
-        <p:sp>
-          <p:nvSpPr>
-            <p:cNvPr id="40" name="Retângulo 29">
-              <a:extLst>
-                <a:ext uri="{FF2B5EF4-FFF2-40B4-BE49-F238E27FC236}">
-                  <a16:creationId xmlns:a16="http://schemas.microsoft.com/office/drawing/2014/main" id="{15DBF725-68D0-4E03-9A50-8892401F8E2C}"/>
-                </a:ext>
-              </a:extLst>
-            </p:cNvPr>
-            <p:cNvSpPr/>
-            <p:nvPr/>
-          </p:nvSpPr>
-          <p:spPr>
-            <a:xfrm>
-              <a:off x="-1043424" y="4356832"/>
-              <a:ext cx="2239459" cy="2049012"/>
-            </a:xfrm>
-            <a:prstGeom prst="rect">
-              <a:avLst/>
-            </a:prstGeom>
-            <a:solidFill>
-              <a:schemeClr val="bg1"/>
-            </a:solidFill>
-            <a:ln>
-              <a:solidFill>
-                <a:schemeClr val="tx1"/>
-              </a:solidFill>
-              <a:prstDash val="dash"/>
-            </a:ln>
-          </p:spPr>
-          <p:style>
-            <a:lnRef idx="2">
-              <a:schemeClr val="accent1">
-                <a:shade val="50000"/>
-              </a:schemeClr>
-            </a:lnRef>
-            <a:fillRef idx="1">
-              <a:schemeClr val="accent1"/>
-            </a:fillRef>
-            <a:effectRef idx="0">
-              <a:schemeClr val="accent1"/>
-            </a:effectRef>
-            <a:fontRef idx="minor">
-              <a:schemeClr val="lt1"/>
-            </a:fontRef>
-          </p:style>
-          <p:txBody>
-            <a:bodyPr rtlCol="0" anchor="ctr"/>
-            <a:lstStyle/>
-            <a:p>
-              <a:pPr algn="ctr"/>
-              <a:endParaRPr lang="pt-BR" sz="1632" dirty="0">
-                <a:solidFill>
-                  <a:schemeClr val="bg1"/>
-                </a:solidFill>
-                <a:latin typeface="Calibri"/>
-              </a:endParaRPr>
-            </a:p>
-          </p:txBody>
-        </p:sp>
-        <p:sp>
-          <p:nvSpPr>
-            <p:cNvPr id="41" name="Retângulo 20">
-              <a:extLst>
-                <a:ext uri="{FF2B5EF4-FFF2-40B4-BE49-F238E27FC236}">
-                  <a16:creationId xmlns:a16="http://schemas.microsoft.com/office/drawing/2014/main" id="{26B63501-8D13-40C7-B5A9-1F2CD31BB556}"/>
-                </a:ext>
-              </a:extLst>
-            </p:cNvPr>
-            <p:cNvSpPr/>
-            <p:nvPr/>
-          </p:nvSpPr>
-          <p:spPr>
-            <a:xfrm>
-              <a:off x="-1111754" y="4477579"/>
-              <a:ext cx="2417659" cy="655805"/>
-            </a:xfrm>
-            <a:prstGeom prst="rect">
-              <a:avLst/>
-            </a:prstGeom>
-            <a:ln>
-              <a:noFill/>
-            </a:ln>
-          </p:spPr>
-          <p:txBody>
-            <a:bodyPr wrap="square">
-              <a:spAutoFit/>
-            </a:bodyPr>
-            <a:lstStyle/>
-            <a:p>
-              <a:pPr lvl="0" algn="ctr">
-                <a:defRPr/>
-              </a:pPr>
-              <a:r>
-                <a:rPr lang="pt-BR" sz="1814" b="1" dirty="0"/>
-                <a:t>Chatbot</a:t>
-              </a:r>
-            </a:p>
-            <a:p>
-              <a:pPr lvl="0" algn="ctr">
-                <a:defRPr/>
-              </a:pPr>
-              <a:r>
-                <a:rPr lang="pt-BR" sz="1451" dirty="0"/>
-                <a:t>[Container: QnaMaker]</a:t>
-              </a:r>
-            </a:p>
-          </p:txBody>
-        </p:sp>
-        <p:sp>
-          <p:nvSpPr>
-            <p:cNvPr id="42" name="Retângulo 20">
-              <a:extLst>
-                <a:ext uri="{FF2B5EF4-FFF2-40B4-BE49-F238E27FC236}">
-                  <a16:creationId xmlns:a16="http://schemas.microsoft.com/office/drawing/2014/main" id="{897774CE-E67E-4B0E-9A2A-A0186A44E6C7}"/>
-                </a:ext>
-              </a:extLst>
-            </p:cNvPr>
-            <p:cNvSpPr/>
-            <p:nvPr/>
-          </p:nvSpPr>
-          <p:spPr>
-            <a:xfrm>
-              <a:off x="-1111754" y="5289253"/>
-              <a:ext cx="2417659" cy="594155"/>
-            </a:xfrm>
-            <a:prstGeom prst="rect">
-              <a:avLst/>
-            </a:prstGeom>
-            <a:ln>
-              <a:solidFill>
-                <a:schemeClr val="bg1"/>
-              </a:solidFill>
-            </a:ln>
-          </p:spPr>
-          <p:txBody>
-            <a:bodyPr wrap="square">
-              <a:spAutoFit/>
-            </a:bodyPr>
-            <a:lstStyle/>
-            <a:p>
-              <a:pPr lvl="0" algn="ctr">
-                <a:defRPr/>
-              </a:pPr>
-              <a:r>
-                <a:rPr lang="pt-BR" sz="1451" dirty="0"/>
-                <a:t>Chatbot para os usuários da plataforma</a:t>
-              </a:r>
-              <a:endParaRPr lang="pt-BR" sz="1088" dirty="0"/>
-            </a:p>
-          </p:txBody>
-        </p:sp>
-      </p:grpSp>
-      <p:cxnSp>
-        <p:nvCxnSpPr>
-          <p:cNvPr id="43" name="Conector de Seta Reta 70">
-            <a:extLst>
-              <a:ext uri="{FF2B5EF4-FFF2-40B4-BE49-F238E27FC236}">
-                <a16:creationId xmlns:a16="http://schemas.microsoft.com/office/drawing/2014/main" id="{CF3A4F49-1155-4792-B696-B2E5BE2B2E12}"/>
-              </a:ext>
-            </a:extLst>
-          </p:cNvPr>
-          <p:cNvCxnSpPr>
-            <a:cxnSpLocks/>
-            <a:stCxn id="40" idx="1"/>
-          </p:cNvCxnSpPr>
-          <p:nvPr/>
-        </p:nvCxnSpPr>
-        <p:spPr>
-          <a:xfrm flipH="1" flipV="1">
-            <a:off x="7674387" y="1749389"/>
-            <a:ext cx="1440292" cy="3002"/>
-          </a:xfrm>
-          <a:prstGeom prst="straightConnector1">
-            <a:avLst/>
-          </a:prstGeom>
-          <a:ln w="19050">
-            <a:solidFill>
-              <a:schemeClr val="accent5">
-                <a:lumMod val="75000"/>
-              </a:schemeClr>
-            </a:solidFill>
-            <a:prstDash val="sysDash"/>
-            <a:headEnd type="none" w="lg" len="lg"/>
-            <a:tailEnd type="triangle" w="lg" len="lg"/>
-          </a:ln>
-          <a:effectLst>
-            <a:outerShdw blurRad="50800" dist="38100" dir="2700000" algn="tl" rotWithShape="0">
-              <a:prstClr val="black">
-                <a:alpha val="40000"/>
-              </a:prstClr>
-            </a:outerShdw>
-          </a:effectLst>
-        </p:spPr>
-        <p:style>
-          <a:lnRef idx="1">
-            <a:schemeClr val="accent1"/>
-          </a:lnRef>
-          <a:fillRef idx="0">
-            <a:schemeClr val="accent1"/>
-          </a:fillRef>
-          <a:effectRef idx="0">
-            <a:schemeClr val="accent1"/>
-          </a:effectRef>
-          <a:fontRef idx="minor">
-            <a:schemeClr val="tx1"/>
-          </a:fontRef>
-        </p:style>
-      </p:cxnSp>
       <p:grpSp>
         <p:nvGrpSpPr>
           <p:cNvPr id="23" name="Group 22">
@@ -9215,7 +10448,7 @@
         </p:nvGrpSpPr>
         <p:grpSpPr>
           <a:xfrm>
-            <a:off x="946611" y="4018233"/>
+            <a:off x="2494057" y="4102639"/>
             <a:ext cx="2566458" cy="2089580"/>
             <a:chOff x="9889827" y="4597385"/>
             <a:chExt cx="2566458" cy="2089580"/>
@@ -9838,7 +11071,7 @@
           <p:spPr>
             <a:xfrm>
               <a:off x="9998671" y="5868863"/>
-              <a:ext cx="2307052" cy="338554"/>
+              <a:ext cx="2307052" cy="584775"/>
             </a:xfrm>
             <a:prstGeom prst="rect">
               <a:avLst/>
@@ -9953,7 +11186,7 @@
                     <a:prstClr val="white"/>
                   </a:solidFill>
                 </a:rPr>
-                <a:t>Aplicação</a:t>
+                <a:t>Login, cadastro de usuários e projetos</a:t>
               </a:r>
               <a:endParaRPr lang="pt-BR" sz="1200" dirty="0">
                 <a:solidFill>
@@ -9980,7 +11213,7 @@
         </p:nvCxnSpPr>
         <p:spPr>
           <a:xfrm flipV="1">
-            <a:off x="2254599" y="2075380"/>
+            <a:off x="3802045" y="2159786"/>
             <a:ext cx="2992316" cy="1942854"/>
           </a:xfrm>
           <a:prstGeom prst="straightConnector1">
@@ -10022,7 +11255,7 @@
     </p:spTree>
     <p:extLst>
       <p:ext uri="{BB962C8B-B14F-4D97-AF65-F5344CB8AC3E}">
-        <p14:creationId xmlns:p14="http://schemas.microsoft.com/office/powerpoint/2010/main" val="1813872147"/>
+        <p14:creationId xmlns:p14="http://schemas.microsoft.com/office/powerpoint/2010/main" val="2802622514"/>
       </p:ext>
     </p:extLst>
   </p:cSld>
@@ -10193,15 +11426,2963 @@
                                   </p:childTnLst>
                                 </p:cTn>
                               </p:par>
+                            </p:childTnLst>
+                          </p:cTn>
+                        </p:par>
+                      </p:childTnLst>
+                    </p:cTn>
+                  </p:par>
+                  <p:par>
+                    <p:cTn id="17" fill="hold">
+                      <p:stCondLst>
+                        <p:cond delay="indefinite"/>
+                      </p:stCondLst>
+                      <p:childTnLst>
+                        <p:par>
+                          <p:cTn id="18" fill="hold">
+                            <p:stCondLst>
+                              <p:cond delay="0"/>
+                            </p:stCondLst>
+                            <p:childTnLst>
                               <p:par>
-                                <p:cTn id="17" presetID="1" presetClass="entr" presetSubtype="0" fill="hold" nodeType="withEffect">
+                                <p:cTn id="19" presetID="1" presetClass="entr" presetSubtype="0" fill="hold" nodeType="clickEffect">
                                   <p:stCondLst>
                                     <p:cond delay="0"/>
                                   </p:stCondLst>
                                   <p:childTnLst>
                                     <p:set>
                                       <p:cBhvr>
-                                        <p:cTn id="18" dur="1" fill="hold">
+                                        <p:cTn id="20" dur="1" fill="hold">
+                                          <p:stCondLst>
+                                            <p:cond delay="0"/>
+                                          </p:stCondLst>
+                                        </p:cTn>
+                                        <p:tgtEl>
+                                          <p:spTgt spid="32"/>
+                                        </p:tgtEl>
+                                        <p:attrNameLst>
+                                          <p:attrName>style.visibility</p:attrName>
+                                        </p:attrNameLst>
+                                      </p:cBhvr>
+                                      <p:to>
+                                        <p:strVal val="visible"/>
+                                      </p:to>
+                                    </p:set>
+                                  </p:childTnLst>
+                                </p:cTn>
+                              </p:par>
+                            </p:childTnLst>
+                          </p:cTn>
+                        </p:par>
+                      </p:childTnLst>
+                    </p:cTn>
+                  </p:par>
+                </p:childTnLst>
+              </p:cTn>
+              <p:prevCondLst>
+                <p:cond evt="onPrev" delay="0">
+                  <p:tgtEl>
+                    <p:sldTgt/>
+                  </p:tgtEl>
+                </p:cond>
+              </p:prevCondLst>
+              <p:nextCondLst>
+                <p:cond evt="onNext" delay="0">
+                  <p:tgtEl>
+                    <p:sldTgt/>
+                  </p:tgtEl>
+                </p:cond>
+              </p:nextCondLst>
+            </p:seq>
+          </p:childTnLst>
+        </p:cTn>
+      </p:par>
+    </p:tnLst>
+  </p:timing>
+</p:sld>
+</file>
+
+<file path=ppt/slides/slide4.xml><?xml version="1.0" encoding="utf-8"?>
+<p:sld xmlns:a="http://schemas.openxmlformats.org/drawingml/2006/main" xmlns:r="http://schemas.openxmlformats.org/officeDocument/2006/relationships" xmlns:p="http://schemas.openxmlformats.org/presentationml/2006/main">
+  <p:cSld>
+    <p:spTree>
+      <p:nvGrpSpPr>
+        <p:cNvPr id="1" name=""/>
+        <p:cNvGrpSpPr/>
+        <p:nvPr/>
+      </p:nvGrpSpPr>
+      <p:grpSpPr>
+        <a:xfrm>
+          <a:off x="0" y="0"/>
+          <a:ext cx="0" cy="0"/>
+          <a:chOff x="0" y="0"/>
+          <a:chExt cx="0" cy="0"/>
+        </a:xfrm>
+      </p:grpSpPr>
+      <p:sp>
+        <p:nvSpPr>
+          <p:cNvPr id="26" name="Retângulo 29">
+            <a:extLst>
+              <a:ext uri="{FF2B5EF4-FFF2-40B4-BE49-F238E27FC236}">
+                <a16:creationId xmlns:a16="http://schemas.microsoft.com/office/drawing/2014/main" id="{53D4BAC7-9AF6-4296-9C51-A1E1E3FC0E7D}"/>
+              </a:ext>
+            </a:extLst>
+          </p:cNvPr>
+          <p:cNvSpPr/>
+          <p:nvPr/>
+        </p:nvSpPr>
+        <p:spPr>
+          <a:xfrm>
+            <a:off x="1772529" y="2692982"/>
+            <a:ext cx="8398412" cy="4099592"/>
+          </a:xfrm>
+          <a:prstGeom prst="rect">
+            <a:avLst/>
+          </a:prstGeom>
+          <a:solidFill>
+            <a:schemeClr val="bg1"/>
+          </a:solidFill>
+          <a:ln>
+            <a:solidFill>
+              <a:schemeClr val="tx1"/>
+            </a:solidFill>
+            <a:prstDash val="dash"/>
+          </a:ln>
+        </p:spPr>
+        <p:style>
+          <a:lnRef idx="2">
+            <a:schemeClr val="accent1">
+              <a:shade val="50000"/>
+            </a:schemeClr>
+          </a:lnRef>
+          <a:fillRef idx="1">
+            <a:schemeClr val="accent1"/>
+          </a:fillRef>
+          <a:effectRef idx="0">
+            <a:schemeClr val="accent1"/>
+          </a:effectRef>
+          <a:fontRef idx="minor">
+            <a:schemeClr val="lt1"/>
+          </a:fontRef>
+        </p:style>
+        <p:txBody>
+          <a:bodyPr rtlCol="0" anchor="ctr"/>
+          <a:lstStyle/>
+          <a:p>
+            <a:pPr lvl="0" algn="ctr">
+              <a:defRPr/>
+            </a:pPr>
+            <a:r>
+              <a:rPr lang="pt-BR" sz="4000" b="1" dirty="0">
+                <a:solidFill>
+                  <a:prstClr val="white"/>
+                </a:solidFill>
+              </a:rPr>
+              <a:t>Cadastro</a:t>
+            </a:r>
+          </a:p>
+          <a:p>
+            <a:pPr lvl="0" algn="ctr">
+              <a:defRPr/>
+            </a:pPr>
+            <a:r>
+              <a:rPr lang="pt-BR" sz="3200" dirty="0">
+                <a:solidFill>
+                  <a:prstClr val="white"/>
+                </a:solidFill>
+              </a:rPr>
+              <a:t>[ Component: Kotlin ]</a:t>
+            </a:r>
+          </a:p>
+          <a:p>
+            <a:pPr lvl="0" algn="ctr">
+              <a:defRPr/>
+            </a:pPr>
+            <a:endParaRPr lang="pt-BR" sz="2400" dirty="0">
+              <a:solidFill>
+                <a:prstClr val="white"/>
+              </a:solidFill>
+            </a:endParaRPr>
+          </a:p>
+          <a:p>
+            <a:pPr lvl="0" algn="ctr">
+              <a:defRPr/>
+            </a:pPr>
+            <a:r>
+              <a:rPr lang="pt-BR" sz="3200" dirty="0">
+                <a:solidFill>
+                  <a:prstClr val="white"/>
+                </a:solidFill>
+              </a:rPr>
+              <a:t>Tela de cadastro da aplicação</a:t>
+            </a:r>
+          </a:p>
+        </p:txBody>
+      </p:sp>
+      <p:cxnSp>
+        <p:nvCxnSpPr>
+          <p:cNvPr id="4" name="Conector de Seta Reta 99">
+            <a:extLst>
+              <a:ext uri="{FF2B5EF4-FFF2-40B4-BE49-F238E27FC236}">
+                <a16:creationId xmlns:a16="http://schemas.microsoft.com/office/drawing/2014/main" id="{5F5EC3B7-64A2-4E9F-9033-5B554351DB3A}"/>
+              </a:ext>
+            </a:extLst>
+          </p:cNvPr>
+          <p:cNvCxnSpPr>
+            <a:cxnSpLocks/>
+          </p:cNvCxnSpPr>
+          <p:nvPr/>
+        </p:nvCxnSpPr>
+        <p:spPr>
+          <a:xfrm flipV="1">
+            <a:off x="2455064" y="2101977"/>
+            <a:ext cx="2747721" cy="1323439"/>
+          </a:xfrm>
+          <a:prstGeom prst="straightConnector1">
+            <a:avLst/>
+          </a:prstGeom>
+          <a:ln w="19050">
+            <a:solidFill>
+              <a:schemeClr val="accent5">
+                <a:lumMod val="75000"/>
+              </a:schemeClr>
+            </a:solidFill>
+            <a:prstDash val="sysDash"/>
+            <a:headEnd type="none" w="lg" len="lg"/>
+            <a:tailEnd type="triangle" w="lg" len="lg"/>
+          </a:ln>
+          <a:effectLst>
+            <a:outerShdw blurRad="50800" dist="38100" dir="2700000" algn="tl" rotWithShape="0">
+              <a:prstClr val="black">
+                <a:alpha val="40000"/>
+              </a:prstClr>
+            </a:outerShdw>
+          </a:effectLst>
+        </p:spPr>
+        <p:style>
+          <a:lnRef idx="1">
+            <a:schemeClr val="accent1"/>
+          </a:lnRef>
+          <a:fillRef idx="0">
+            <a:schemeClr val="accent1"/>
+          </a:fillRef>
+          <a:effectRef idx="0">
+            <a:schemeClr val="accent1"/>
+          </a:effectRef>
+          <a:fontRef idx="minor">
+            <a:schemeClr val="tx1"/>
+          </a:fontRef>
+        </p:style>
+      </p:cxnSp>
+      <p:cxnSp>
+        <p:nvCxnSpPr>
+          <p:cNvPr id="5" name="Conector de Seta Reta 70">
+            <a:extLst>
+              <a:ext uri="{FF2B5EF4-FFF2-40B4-BE49-F238E27FC236}">
+                <a16:creationId xmlns:a16="http://schemas.microsoft.com/office/drawing/2014/main" id="{150C610D-E501-4796-AB48-97EAFA5BEB4A}"/>
+              </a:ext>
+            </a:extLst>
+          </p:cNvPr>
+          <p:cNvCxnSpPr>
+            <a:cxnSpLocks/>
+            <a:stCxn id="7" idx="1"/>
+            <a:endCxn id="17" idx="4"/>
+          </p:cNvCxnSpPr>
+          <p:nvPr/>
+        </p:nvCxnSpPr>
+        <p:spPr>
+          <a:xfrm flipH="1">
+            <a:off x="3088655" y="1279133"/>
+            <a:ext cx="2114130" cy="21109"/>
+          </a:xfrm>
+          <a:prstGeom prst="straightConnector1">
+            <a:avLst/>
+          </a:prstGeom>
+          <a:ln w="19050">
+            <a:solidFill>
+              <a:schemeClr val="accent5">
+                <a:lumMod val="75000"/>
+              </a:schemeClr>
+            </a:solidFill>
+            <a:prstDash val="sysDash"/>
+            <a:headEnd type="none" w="lg" len="lg"/>
+            <a:tailEnd type="triangle" w="lg" len="lg"/>
+          </a:ln>
+          <a:effectLst>
+            <a:outerShdw blurRad="50800" dist="38100" dir="2700000" algn="tl" rotWithShape="0">
+              <a:prstClr val="black">
+                <a:alpha val="40000"/>
+              </a:prstClr>
+            </a:outerShdw>
+          </a:effectLst>
+        </p:spPr>
+        <p:style>
+          <a:lnRef idx="1">
+            <a:schemeClr val="accent1"/>
+          </a:lnRef>
+          <a:fillRef idx="0">
+            <a:schemeClr val="accent1"/>
+          </a:fillRef>
+          <a:effectRef idx="0">
+            <a:schemeClr val="accent1"/>
+          </a:effectRef>
+          <a:fontRef idx="minor">
+            <a:schemeClr val="tx1"/>
+          </a:fontRef>
+        </p:style>
+      </p:cxnSp>
+      <p:grpSp>
+        <p:nvGrpSpPr>
+          <p:cNvPr id="6" name="Group 38">
+            <a:extLst>
+              <a:ext uri="{FF2B5EF4-FFF2-40B4-BE49-F238E27FC236}">
+                <a16:creationId xmlns:a16="http://schemas.microsoft.com/office/drawing/2014/main" id="{61E84B85-6CF5-4178-9251-01D7111300DA}"/>
+              </a:ext>
+            </a:extLst>
+          </p:cNvPr>
+          <p:cNvGrpSpPr/>
+          <p:nvPr/>
+        </p:nvGrpSpPr>
+        <p:grpSpPr>
+          <a:xfrm>
+            <a:off x="5114530" y="479687"/>
+            <a:ext cx="2270826" cy="1736334"/>
+            <a:chOff x="8743629" y="1501253"/>
+            <a:chExt cx="2566458" cy="2189540"/>
+          </a:xfrm>
+          <a:solidFill>
+            <a:srgbClr val="278CAD"/>
+          </a:solidFill>
+          <a:effectLst>
+            <a:outerShdw blurRad="50800" dist="38100" dir="2700000" algn="tl" rotWithShape="0">
+              <a:prstClr val="black">
+                <a:alpha val="40000"/>
+              </a:prstClr>
+            </a:outerShdw>
+          </a:effectLst>
+        </p:grpSpPr>
+        <p:sp>
+          <p:nvSpPr>
+            <p:cNvPr id="7" name="Retângulo 72">
+              <a:extLst>
+                <a:ext uri="{FF2B5EF4-FFF2-40B4-BE49-F238E27FC236}">
+                  <a16:creationId xmlns:a16="http://schemas.microsoft.com/office/drawing/2014/main" id="{9507D6B3-6D3B-4C1C-98F9-EF86778AC6F6}"/>
+                </a:ext>
+              </a:extLst>
+            </p:cNvPr>
+            <p:cNvSpPr/>
+            <p:nvPr/>
+          </p:nvSpPr>
+          <p:spPr>
+            <a:xfrm>
+              <a:off x="8843374" y="1501253"/>
+              <a:ext cx="2376264" cy="2016224"/>
+            </a:xfrm>
+            <a:prstGeom prst="rect">
+              <a:avLst/>
+            </a:prstGeom>
+            <a:grpFill/>
+            <a:ln/>
+          </p:spPr>
+          <p:style>
+            <a:lnRef idx="2">
+              <a:schemeClr val="accent5">
+                <a:shade val="50000"/>
+              </a:schemeClr>
+            </a:lnRef>
+            <a:fillRef idx="1">
+              <a:schemeClr val="accent5"/>
+            </a:fillRef>
+            <a:effectRef idx="0">
+              <a:schemeClr val="accent5"/>
+            </a:effectRef>
+            <a:fontRef idx="minor">
+              <a:schemeClr val="lt1"/>
+            </a:fontRef>
+          </p:style>
+          <p:txBody>
+            <a:bodyPr rtlCol="0" anchor="ctr"/>
+            <a:lstStyle/>
+            <a:p>
+              <a:pPr algn="ctr"/>
+              <a:endParaRPr lang="pt-BR" sz="1800" dirty="0">
+                <a:solidFill>
+                  <a:prstClr val="white"/>
+                </a:solidFill>
+                <a:latin typeface="Calibri"/>
+              </a:endParaRPr>
+            </a:p>
+          </p:txBody>
+        </p:sp>
+        <p:sp>
+          <p:nvSpPr>
+            <p:cNvPr id="8" name="Retângulo 73">
+              <a:extLst>
+                <a:ext uri="{FF2B5EF4-FFF2-40B4-BE49-F238E27FC236}">
+                  <a16:creationId xmlns:a16="http://schemas.microsoft.com/office/drawing/2014/main" id="{F11EDC00-CFB4-4989-B286-7F8C885B83D2}"/>
+                </a:ext>
+              </a:extLst>
+            </p:cNvPr>
+            <p:cNvSpPr/>
+            <p:nvPr/>
+          </p:nvSpPr>
+          <p:spPr>
+            <a:xfrm>
+              <a:off x="8743629" y="1633808"/>
+              <a:ext cx="2566458" cy="2056985"/>
+            </a:xfrm>
+            <a:prstGeom prst="rect">
+              <a:avLst/>
+            </a:prstGeom>
+            <a:noFill/>
+          </p:spPr>
+          <p:txBody>
+            <a:bodyPr wrap="square">
+              <a:spAutoFit/>
+            </a:bodyPr>
+            <a:lstStyle/>
+            <a:p>
+              <a:pPr lvl="0" algn="ctr">
+                <a:defRPr/>
+              </a:pPr>
+              <a:r>
+                <a:rPr lang="pt-BR" sz="2000" b="1" dirty="0">
+                  <a:solidFill>
+                    <a:prstClr val="white"/>
+                  </a:solidFill>
+                </a:rPr>
+                <a:t>Microservice </a:t>
+              </a:r>
+            </a:p>
+            <a:p>
+              <a:pPr lvl="0" algn="ctr">
+                <a:defRPr/>
+              </a:pPr>
+              <a:r>
+                <a:rPr lang="pt-BR" sz="1600" dirty="0">
+                  <a:solidFill>
+                    <a:prstClr val="white"/>
+                  </a:solidFill>
+                </a:rPr>
+                <a:t>[Container: Spring Boot]</a:t>
+              </a:r>
+            </a:p>
+            <a:p>
+              <a:pPr lvl="0" algn="ctr">
+                <a:defRPr/>
+              </a:pPr>
+              <a:endParaRPr lang="pt-BR" sz="1600" dirty="0">
+                <a:solidFill>
+                  <a:prstClr val="white"/>
+                </a:solidFill>
+              </a:endParaRPr>
+            </a:p>
+            <a:p>
+              <a:pPr algn="ctr">
+                <a:defRPr/>
+              </a:pPr>
+              <a:r>
+                <a:rPr lang="pt-BR" sz="1600" dirty="0">
+                  <a:solidFill>
+                    <a:prstClr val="white"/>
+                  </a:solidFill>
+                </a:rPr>
+                <a:t>Backend da aplicação e tratamento  </a:t>
+              </a:r>
+              <a:endParaRPr lang="pt-BR" sz="1200" dirty="0">
+                <a:solidFill>
+                  <a:prstClr val="white"/>
+                </a:solidFill>
+              </a:endParaRPr>
+            </a:p>
+            <a:p>
+              <a:pPr lvl="0" algn="ctr">
+                <a:defRPr/>
+              </a:pPr>
+              <a:endParaRPr lang="pt-BR" sz="1600" dirty="0">
+                <a:solidFill>
+                  <a:prstClr val="white"/>
+                </a:solidFill>
+              </a:endParaRPr>
+            </a:p>
+          </p:txBody>
+        </p:sp>
+      </p:grpSp>
+      <p:grpSp>
+        <p:nvGrpSpPr>
+          <p:cNvPr id="16" name="Agrupar 82">
+            <a:extLst>
+              <a:ext uri="{FF2B5EF4-FFF2-40B4-BE49-F238E27FC236}">
+                <a16:creationId xmlns:a16="http://schemas.microsoft.com/office/drawing/2014/main" id="{3B44233F-8B44-47E0-A847-323A6B4AD70E}"/>
+              </a:ext>
+            </a:extLst>
+          </p:cNvPr>
+          <p:cNvGrpSpPr/>
+          <p:nvPr/>
+        </p:nvGrpSpPr>
+        <p:grpSpPr>
+          <a:xfrm>
+            <a:off x="640382" y="292130"/>
+            <a:ext cx="2566458" cy="2016224"/>
+            <a:chOff x="3167252" y="1908423"/>
+            <a:chExt cx="2566458" cy="2016224"/>
+          </a:xfrm>
+          <a:effectLst>
+            <a:outerShdw blurRad="50800" dist="38100" dir="2700000" algn="tl" rotWithShape="0">
+              <a:prstClr val="black">
+                <a:alpha val="40000"/>
+              </a:prstClr>
+            </a:outerShdw>
+          </a:effectLst>
+        </p:grpSpPr>
+        <p:sp>
+          <p:nvSpPr>
+            <p:cNvPr id="17" name="Fluxograma: Disco Magnético 83">
+              <a:extLst>
+                <a:ext uri="{FF2B5EF4-FFF2-40B4-BE49-F238E27FC236}">
+                  <a16:creationId xmlns:a16="http://schemas.microsoft.com/office/drawing/2014/main" id="{513C22AB-6994-4D4E-9876-A495340BB614}"/>
+                </a:ext>
+              </a:extLst>
+            </p:cNvPr>
+            <p:cNvSpPr/>
+            <p:nvPr/>
+          </p:nvSpPr>
+          <p:spPr>
+            <a:xfrm>
+              <a:off x="3265091" y="1908423"/>
+              <a:ext cx="2350434" cy="2016224"/>
+            </a:xfrm>
+            <a:prstGeom prst="flowChartMagneticDisk">
+              <a:avLst/>
+            </a:prstGeom>
+            <a:solidFill>
+              <a:schemeClr val="bg1">
+                <a:lumMod val="50000"/>
+              </a:schemeClr>
+            </a:solidFill>
+            <a:ln>
+              <a:solidFill>
+                <a:srgbClr val="253746"/>
+              </a:solidFill>
+            </a:ln>
+          </p:spPr>
+          <p:style>
+            <a:lnRef idx="2">
+              <a:schemeClr val="accent1">
+                <a:shade val="50000"/>
+              </a:schemeClr>
+            </a:lnRef>
+            <a:fillRef idx="1">
+              <a:schemeClr val="accent1"/>
+            </a:fillRef>
+            <a:effectRef idx="0">
+              <a:schemeClr val="accent1"/>
+            </a:effectRef>
+            <a:fontRef idx="minor">
+              <a:schemeClr val="lt1"/>
+            </a:fontRef>
+          </p:style>
+          <p:txBody>
+            <a:bodyPr rtlCol="0" anchor="ctr"/>
+            <a:lstStyle/>
+            <a:p>
+              <a:pPr algn="ctr"/>
+              <a:endParaRPr lang="pt-BR" sz="1800" dirty="0">
+                <a:solidFill>
+                  <a:prstClr val="white"/>
+                </a:solidFill>
+                <a:latin typeface="Calibri"/>
+              </a:endParaRPr>
+            </a:p>
+          </p:txBody>
+        </p:sp>
+        <p:sp>
+          <p:nvSpPr>
+            <p:cNvPr id="19" name="Retângulo 20">
+              <a:extLst>
+                <a:ext uri="{FF2B5EF4-FFF2-40B4-BE49-F238E27FC236}">
+                  <a16:creationId xmlns:a16="http://schemas.microsoft.com/office/drawing/2014/main" id="{421CB654-39DC-4775-9D89-FD2DCC613085}"/>
+                </a:ext>
+              </a:extLst>
+            </p:cNvPr>
+            <p:cNvSpPr/>
+            <p:nvPr/>
+          </p:nvSpPr>
+          <p:spPr>
+            <a:xfrm>
+              <a:off x="3167252" y="3204567"/>
+              <a:ext cx="2566458" cy="584775"/>
+            </a:xfrm>
+            <a:prstGeom prst="rect">
+              <a:avLst/>
+            </a:prstGeom>
+          </p:spPr>
+          <p:txBody>
+            <a:bodyPr wrap="square">
+              <a:spAutoFit/>
+            </a:bodyPr>
+            <a:lstStyle/>
+            <a:p>
+              <a:pPr lvl="0" algn="ctr">
+                <a:defRPr/>
+              </a:pPr>
+              <a:r>
+                <a:rPr lang="pt-BR" sz="1600" dirty="0">
+                  <a:solidFill>
+                    <a:prstClr val="white"/>
+                  </a:solidFill>
+                </a:rPr>
+                <a:t>Armazena os dados dos projetos e usuários</a:t>
+              </a:r>
+              <a:endParaRPr lang="pt-BR" sz="1200" dirty="0">
+                <a:solidFill>
+                  <a:prstClr val="white"/>
+                </a:solidFill>
+              </a:endParaRPr>
+            </a:p>
+          </p:txBody>
+        </p:sp>
+      </p:grpSp>
+      <p:grpSp>
+        <p:nvGrpSpPr>
+          <p:cNvPr id="33" name="Group 36">
+            <a:extLst>
+              <a:ext uri="{FF2B5EF4-FFF2-40B4-BE49-F238E27FC236}">
+                <a16:creationId xmlns:a16="http://schemas.microsoft.com/office/drawing/2014/main" id="{4639FD4C-E367-46C6-90E9-127C919CEE49}"/>
+              </a:ext>
+            </a:extLst>
+          </p:cNvPr>
+          <p:cNvGrpSpPr/>
+          <p:nvPr/>
+        </p:nvGrpSpPr>
+        <p:grpSpPr>
+          <a:xfrm>
+            <a:off x="7234882" y="4239096"/>
+            <a:ext cx="2792885" cy="1324654"/>
+            <a:chOff x="7149335" y="4027210"/>
+            <a:chExt cx="2463282" cy="2384791"/>
+          </a:xfrm>
+          <a:effectLst>
+            <a:outerShdw blurRad="50800" dist="38100" dir="2700000" algn="tl" rotWithShape="0">
+              <a:prstClr val="black">
+                <a:alpha val="40000"/>
+              </a:prstClr>
+            </a:outerShdw>
+          </a:effectLst>
+        </p:grpSpPr>
+        <p:sp>
+          <p:nvSpPr>
+            <p:cNvPr id="34" name="Retângulo 6">
+              <a:extLst>
+                <a:ext uri="{FF2B5EF4-FFF2-40B4-BE49-F238E27FC236}">
+                  <a16:creationId xmlns:a16="http://schemas.microsoft.com/office/drawing/2014/main" id="{C0457910-03EA-4858-A754-1FA4C942FAB9}"/>
+                </a:ext>
+              </a:extLst>
+            </p:cNvPr>
+            <p:cNvSpPr/>
+            <p:nvPr/>
+          </p:nvSpPr>
+          <p:spPr>
+            <a:xfrm>
+              <a:off x="7149335" y="4027210"/>
+              <a:ext cx="2463282" cy="2016226"/>
+            </a:xfrm>
+            <a:prstGeom prst="rect">
+              <a:avLst/>
+            </a:prstGeom>
+            <a:solidFill>
+              <a:srgbClr val="32B9CD"/>
+            </a:solidFill>
+            <a:ln>
+              <a:solidFill>
+                <a:schemeClr val="bg1"/>
+              </a:solidFill>
+            </a:ln>
+          </p:spPr>
+          <p:style>
+            <a:lnRef idx="2">
+              <a:schemeClr val="accent1">
+                <a:shade val="50000"/>
+              </a:schemeClr>
+            </a:lnRef>
+            <a:fillRef idx="1">
+              <a:schemeClr val="accent1"/>
+            </a:fillRef>
+            <a:effectRef idx="0">
+              <a:schemeClr val="accent1"/>
+            </a:effectRef>
+            <a:fontRef idx="minor">
+              <a:schemeClr val="lt1"/>
+            </a:fontRef>
+          </p:style>
+          <p:txBody>
+            <a:bodyPr rtlCol="0" anchor="ctr"/>
+            <a:lstStyle/>
+            <a:p>
+              <a:pPr algn="ctr"/>
+              <a:endParaRPr lang="pt-BR" dirty="0">
+                <a:solidFill>
+                  <a:prstClr val="white"/>
+                </a:solidFill>
+                <a:highlight>
+                  <a:srgbClr val="08376B"/>
+                </a:highlight>
+                <a:latin typeface="Calibri"/>
+              </a:endParaRPr>
+            </a:p>
+          </p:txBody>
+        </p:sp>
+        <p:sp>
+          <p:nvSpPr>
+            <p:cNvPr id="35" name="Retângulo 20">
+              <a:extLst>
+                <a:ext uri="{FF2B5EF4-FFF2-40B4-BE49-F238E27FC236}">
+                  <a16:creationId xmlns:a16="http://schemas.microsoft.com/office/drawing/2014/main" id="{F4A72FD2-4ABA-4A1F-A52F-1F0D8EC92D5F}"/>
+                </a:ext>
+              </a:extLst>
+            </p:cNvPr>
+            <p:cNvSpPr/>
+            <p:nvPr/>
+          </p:nvSpPr>
+          <p:spPr>
+            <a:xfrm>
+              <a:off x="7172550" y="4029397"/>
+              <a:ext cx="2427775" cy="2382604"/>
+            </a:xfrm>
+            <a:prstGeom prst="rect">
+              <a:avLst/>
+            </a:prstGeom>
+          </p:spPr>
+          <p:txBody>
+            <a:bodyPr wrap="square">
+              <a:spAutoFit/>
+            </a:bodyPr>
+            <a:lstStyle/>
+            <a:p>
+              <a:pPr lvl="0" algn="ctr">
+                <a:defRPr/>
+              </a:pPr>
+              <a:r>
+                <a:rPr lang="pt-BR" sz="2000" b="1" dirty="0">
+                  <a:solidFill>
+                    <a:prstClr val="white"/>
+                  </a:solidFill>
+                </a:rPr>
+                <a:t>Cadastro</a:t>
+              </a:r>
+            </a:p>
+            <a:p>
+              <a:pPr lvl="0" algn="ctr">
+                <a:defRPr/>
+              </a:pPr>
+              <a:r>
+                <a:rPr lang="pt-BR" sz="1600" dirty="0">
+                  <a:solidFill>
+                    <a:prstClr val="white"/>
+                  </a:solidFill>
+                </a:rPr>
+                <a:t>[ Component: Kotlin ]</a:t>
+              </a:r>
+            </a:p>
+            <a:p>
+              <a:pPr lvl="0" algn="ctr">
+                <a:defRPr/>
+              </a:pPr>
+              <a:endParaRPr lang="pt-BR" sz="1200" dirty="0">
+                <a:solidFill>
+                  <a:prstClr val="white"/>
+                </a:solidFill>
+              </a:endParaRPr>
+            </a:p>
+            <a:p>
+              <a:pPr lvl="0" algn="ctr">
+                <a:defRPr/>
+              </a:pPr>
+              <a:r>
+                <a:rPr lang="pt-BR" sz="1600" dirty="0">
+                  <a:solidFill>
+                    <a:prstClr val="white"/>
+                  </a:solidFill>
+                </a:rPr>
+                <a:t>Tela de cadastro da aplicação</a:t>
+              </a:r>
+            </a:p>
+            <a:p>
+              <a:pPr lvl="0" algn="ctr">
+                <a:defRPr/>
+              </a:pPr>
+              <a:endParaRPr lang="pt-BR" sz="1600" dirty="0">
+                <a:solidFill>
+                  <a:prstClr val="white"/>
+                </a:solidFill>
+              </a:endParaRPr>
+            </a:p>
+          </p:txBody>
+        </p:sp>
+      </p:grpSp>
+      <p:cxnSp>
+        <p:nvCxnSpPr>
+          <p:cNvPr id="36" name="Conector de Seta Reta 70">
+            <a:extLst>
+              <a:ext uri="{FF2B5EF4-FFF2-40B4-BE49-F238E27FC236}">
+                <a16:creationId xmlns:a16="http://schemas.microsoft.com/office/drawing/2014/main" id="{B564FFAE-11FE-4A1E-A1C5-88EBA4A63D68}"/>
+              </a:ext>
+            </a:extLst>
+          </p:cNvPr>
+          <p:cNvCxnSpPr>
+            <a:cxnSpLocks/>
+          </p:cNvCxnSpPr>
+          <p:nvPr/>
+        </p:nvCxnSpPr>
+        <p:spPr>
+          <a:xfrm flipH="1">
+            <a:off x="4664236" y="3342863"/>
+            <a:ext cx="2570647" cy="608233"/>
+          </a:xfrm>
+          <a:prstGeom prst="straightConnector1">
+            <a:avLst/>
+          </a:prstGeom>
+          <a:ln w="19050">
+            <a:solidFill>
+              <a:schemeClr val="accent5">
+                <a:lumMod val="75000"/>
+              </a:schemeClr>
+            </a:solidFill>
+            <a:prstDash val="sysDash"/>
+            <a:headEnd type="none" w="lg" len="lg"/>
+            <a:tailEnd type="triangle" w="lg" len="lg"/>
+          </a:ln>
+          <a:effectLst>
+            <a:outerShdw blurRad="50800" dist="38100" dir="2700000" algn="tl" rotWithShape="0">
+              <a:prstClr val="black">
+                <a:alpha val="40000"/>
+              </a:prstClr>
+            </a:outerShdw>
+          </a:effectLst>
+        </p:spPr>
+        <p:style>
+          <a:lnRef idx="1">
+            <a:schemeClr val="accent1"/>
+          </a:lnRef>
+          <a:fillRef idx="0">
+            <a:schemeClr val="accent1"/>
+          </a:fillRef>
+          <a:effectRef idx="0">
+            <a:schemeClr val="accent1"/>
+          </a:effectRef>
+          <a:fontRef idx="minor">
+            <a:schemeClr val="tx1"/>
+          </a:fontRef>
+        </p:style>
+      </p:cxnSp>
+      <p:cxnSp>
+        <p:nvCxnSpPr>
+          <p:cNvPr id="38" name="Conector de Seta Reta 70">
+            <a:extLst>
+              <a:ext uri="{FF2B5EF4-FFF2-40B4-BE49-F238E27FC236}">
+                <a16:creationId xmlns:a16="http://schemas.microsoft.com/office/drawing/2014/main" id="{CC59C84A-FEF2-456E-8305-8E17B6298CCC}"/>
+              </a:ext>
+            </a:extLst>
+          </p:cNvPr>
+          <p:cNvCxnSpPr>
+            <a:cxnSpLocks/>
+            <a:stCxn id="34" idx="1"/>
+          </p:cNvCxnSpPr>
+          <p:nvPr/>
+        </p:nvCxnSpPr>
+        <p:spPr>
+          <a:xfrm flipH="1" flipV="1">
+            <a:off x="4664236" y="4420066"/>
+            <a:ext cx="2570646" cy="378996"/>
+          </a:xfrm>
+          <a:prstGeom prst="straightConnector1">
+            <a:avLst/>
+          </a:prstGeom>
+          <a:ln w="19050">
+            <a:solidFill>
+              <a:schemeClr val="accent5">
+                <a:lumMod val="75000"/>
+              </a:schemeClr>
+            </a:solidFill>
+            <a:prstDash val="sysDash"/>
+            <a:headEnd type="none" w="lg" len="lg"/>
+            <a:tailEnd type="triangle" w="lg" len="lg"/>
+          </a:ln>
+          <a:effectLst>
+            <a:outerShdw blurRad="50800" dist="38100" dir="2700000" algn="tl" rotWithShape="0">
+              <a:prstClr val="black">
+                <a:alpha val="40000"/>
+              </a:prstClr>
+            </a:outerShdw>
+          </a:effectLst>
+        </p:spPr>
+        <p:style>
+          <a:lnRef idx="1">
+            <a:schemeClr val="accent1"/>
+          </a:lnRef>
+          <a:fillRef idx="0">
+            <a:schemeClr val="accent1"/>
+          </a:fillRef>
+          <a:effectRef idx="0">
+            <a:schemeClr val="accent1"/>
+          </a:effectRef>
+          <a:fontRef idx="minor">
+            <a:schemeClr val="tx1"/>
+          </a:fontRef>
+        </p:style>
+      </p:cxnSp>
+      <p:sp>
+        <p:nvSpPr>
+          <p:cNvPr id="41" name="TextBox 40">
+            <a:extLst>
+              <a:ext uri="{FF2B5EF4-FFF2-40B4-BE49-F238E27FC236}">
+                <a16:creationId xmlns:a16="http://schemas.microsoft.com/office/drawing/2014/main" id="{7B2C236A-5545-4508-B203-00A74F992FF4}"/>
+              </a:ext>
+            </a:extLst>
+          </p:cNvPr>
+          <p:cNvSpPr txBox="1"/>
+          <p:nvPr/>
+        </p:nvSpPr>
+        <p:spPr>
+          <a:xfrm rot="20764840">
+            <a:off x="4817070" y="2856724"/>
+            <a:ext cx="6096000" cy="307777"/>
+          </a:xfrm>
+          <a:prstGeom prst="rect">
+            <a:avLst/>
+          </a:prstGeom>
+          <a:noFill/>
+        </p:spPr>
+        <p:txBody>
+          <a:bodyPr wrap="square">
+            <a:spAutoFit/>
+          </a:bodyPr>
+          <a:lstStyle/>
+          <a:p>
+            <a:r>
+              <a:rPr lang="pt-BR" sz="1400" dirty="0"/>
+              <a:t>Valida login do usuário</a:t>
+            </a:r>
+          </a:p>
+        </p:txBody>
+      </p:sp>
+      <p:sp>
+        <p:nvSpPr>
+          <p:cNvPr id="42" name="TextBox 41">
+            <a:extLst>
+              <a:ext uri="{FF2B5EF4-FFF2-40B4-BE49-F238E27FC236}">
+                <a16:creationId xmlns:a16="http://schemas.microsoft.com/office/drawing/2014/main" id="{6C7654B8-F4E3-4740-BCFE-22F7AD7C4692}"/>
+              </a:ext>
+            </a:extLst>
+          </p:cNvPr>
+          <p:cNvSpPr txBox="1"/>
+          <p:nvPr/>
+        </p:nvSpPr>
+        <p:spPr>
+          <a:xfrm rot="459443">
+            <a:off x="4992939" y="4586303"/>
+            <a:ext cx="6137548" cy="312948"/>
+          </a:xfrm>
+          <a:prstGeom prst="rect">
+            <a:avLst/>
+          </a:prstGeom>
+          <a:noFill/>
+        </p:spPr>
+        <p:txBody>
+          <a:bodyPr wrap="square">
+            <a:spAutoFit/>
+          </a:bodyPr>
+          <a:lstStyle/>
+          <a:p>
+            <a:r>
+              <a:rPr lang="pt-BR" sz="1400" dirty="0"/>
+              <a:t>Valida cadastro do usuário</a:t>
+            </a:r>
+          </a:p>
+        </p:txBody>
+      </p:sp>
+      <p:cxnSp>
+        <p:nvCxnSpPr>
+          <p:cNvPr id="57" name="Conector de Seta Reta 70">
+            <a:extLst>
+              <a:ext uri="{FF2B5EF4-FFF2-40B4-BE49-F238E27FC236}">
+                <a16:creationId xmlns:a16="http://schemas.microsoft.com/office/drawing/2014/main" id="{A79A44EB-F8A2-4EC1-AF33-61459CC6F97B}"/>
+              </a:ext>
+            </a:extLst>
+          </p:cNvPr>
+          <p:cNvCxnSpPr>
+            <a:cxnSpLocks/>
+          </p:cNvCxnSpPr>
+          <p:nvPr/>
+        </p:nvCxnSpPr>
+        <p:spPr>
+          <a:xfrm flipH="1" flipV="1">
+            <a:off x="4664236" y="5126876"/>
+            <a:ext cx="2593965" cy="1011819"/>
+          </a:xfrm>
+          <a:prstGeom prst="straightConnector1">
+            <a:avLst/>
+          </a:prstGeom>
+          <a:ln w="19050">
+            <a:solidFill>
+              <a:schemeClr val="accent5">
+                <a:lumMod val="75000"/>
+              </a:schemeClr>
+            </a:solidFill>
+            <a:prstDash val="sysDash"/>
+            <a:headEnd type="none" w="lg" len="lg"/>
+            <a:tailEnd type="triangle" w="lg" len="lg"/>
+          </a:ln>
+          <a:effectLst>
+            <a:outerShdw blurRad="50800" dist="38100" dir="2700000" algn="tl" rotWithShape="0">
+              <a:prstClr val="black">
+                <a:alpha val="40000"/>
+              </a:prstClr>
+            </a:outerShdw>
+          </a:effectLst>
+        </p:spPr>
+        <p:style>
+          <a:lnRef idx="1">
+            <a:schemeClr val="accent1"/>
+          </a:lnRef>
+          <a:fillRef idx="0">
+            <a:schemeClr val="accent1"/>
+          </a:fillRef>
+          <a:effectRef idx="0">
+            <a:schemeClr val="accent1"/>
+          </a:effectRef>
+          <a:fontRef idx="minor">
+            <a:schemeClr val="tx1"/>
+          </a:fontRef>
+        </p:style>
+      </p:cxnSp>
+      <p:sp>
+        <p:nvSpPr>
+          <p:cNvPr id="59" name="TextBox 58">
+            <a:extLst>
+              <a:ext uri="{FF2B5EF4-FFF2-40B4-BE49-F238E27FC236}">
+                <a16:creationId xmlns:a16="http://schemas.microsoft.com/office/drawing/2014/main" id="{B64BB765-773A-4859-A8AE-AE60DCA4F550}"/>
+              </a:ext>
+            </a:extLst>
+          </p:cNvPr>
+          <p:cNvSpPr txBox="1"/>
+          <p:nvPr/>
+        </p:nvSpPr>
+        <p:spPr>
+          <a:xfrm rot="1348275">
+            <a:off x="4652454" y="6042390"/>
+            <a:ext cx="6096000" cy="307777"/>
+          </a:xfrm>
+          <a:prstGeom prst="rect">
+            <a:avLst/>
+          </a:prstGeom>
+          <a:noFill/>
+        </p:spPr>
+        <p:txBody>
+          <a:bodyPr wrap="square">
+            <a:spAutoFit/>
+          </a:bodyPr>
+          <a:lstStyle/>
+          <a:p>
+            <a:r>
+              <a:rPr lang="pt-BR" sz="1400" dirty="0"/>
+              <a:t>Valida as informações do projeto</a:t>
+            </a:r>
+          </a:p>
+        </p:txBody>
+      </p:sp>
+      <p:sp>
+        <p:nvSpPr>
+          <p:cNvPr id="37" name="Retângulo 20">
+            <a:extLst>
+              <a:ext uri="{FF2B5EF4-FFF2-40B4-BE49-F238E27FC236}">
+                <a16:creationId xmlns:a16="http://schemas.microsoft.com/office/drawing/2014/main" id="{919810D6-0230-4457-A7ED-9F162FCA52D7}"/>
+              </a:ext>
+            </a:extLst>
+          </p:cNvPr>
+          <p:cNvSpPr/>
+          <p:nvPr/>
+        </p:nvSpPr>
+        <p:spPr>
+          <a:xfrm>
+            <a:off x="663701" y="992981"/>
+            <a:ext cx="2566458" cy="646331"/>
+          </a:xfrm>
+          <a:prstGeom prst="rect">
+            <a:avLst/>
+          </a:prstGeom>
+        </p:spPr>
+        <p:txBody>
+          <a:bodyPr wrap="square">
+            <a:spAutoFit/>
+          </a:bodyPr>
+          <a:lstStyle/>
+          <a:p>
+            <a:pPr lvl="0" algn="ctr">
+              <a:defRPr/>
+            </a:pPr>
+            <a:r>
+              <a:rPr lang="pt-BR" sz="2000" b="1" dirty="0">
+                <a:solidFill>
+                  <a:prstClr val="white"/>
+                </a:solidFill>
+              </a:rPr>
+              <a:t>Database</a:t>
+            </a:r>
+          </a:p>
+          <a:p>
+            <a:pPr lvl="0" algn="ctr">
+              <a:defRPr/>
+            </a:pPr>
+            <a:r>
+              <a:rPr lang="pt-BR" sz="1600" dirty="0">
+                <a:solidFill>
+                  <a:prstClr val="white"/>
+                </a:solidFill>
+              </a:rPr>
+              <a:t>[Container: AWS]</a:t>
+            </a:r>
+          </a:p>
+        </p:txBody>
+      </p:sp>
+      <p:grpSp>
+        <p:nvGrpSpPr>
+          <p:cNvPr id="39" name="Group 36">
+            <a:extLst>
+              <a:ext uri="{FF2B5EF4-FFF2-40B4-BE49-F238E27FC236}">
+                <a16:creationId xmlns:a16="http://schemas.microsoft.com/office/drawing/2014/main" id="{0CF95824-9AF7-4C89-9573-817BB7E5047D}"/>
+              </a:ext>
+            </a:extLst>
+          </p:cNvPr>
+          <p:cNvGrpSpPr/>
+          <p:nvPr/>
+        </p:nvGrpSpPr>
+        <p:grpSpPr>
+          <a:xfrm>
+            <a:off x="9040445" y="320708"/>
+            <a:ext cx="2463284" cy="2050788"/>
+            <a:chOff x="7149336" y="4654462"/>
+            <a:chExt cx="2463284" cy="2050788"/>
+          </a:xfrm>
+          <a:effectLst>
+            <a:outerShdw blurRad="50800" dist="38100" dir="2700000" algn="tl" rotWithShape="0">
+              <a:prstClr val="black">
+                <a:alpha val="40000"/>
+              </a:prstClr>
+            </a:outerShdw>
+          </a:effectLst>
+        </p:grpSpPr>
+        <p:grpSp>
+          <p:nvGrpSpPr>
+            <p:cNvPr id="40" name="Group 22">
+              <a:extLst>
+                <a:ext uri="{FF2B5EF4-FFF2-40B4-BE49-F238E27FC236}">
+                  <a16:creationId xmlns:a16="http://schemas.microsoft.com/office/drawing/2014/main" id="{DFADC0B8-0E76-4532-9383-11F0A97ACCFC}"/>
+                </a:ext>
+              </a:extLst>
+            </p:cNvPr>
+            <p:cNvGrpSpPr/>
+            <p:nvPr/>
+          </p:nvGrpSpPr>
+          <p:grpSpPr>
+            <a:xfrm>
+              <a:off x="7149337" y="4654462"/>
+              <a:ext cx="2463283" cy="2016225"/>
+              <a:chOff x="8392958" y="3891083"/>
+              <a:chExt cx="3276202" cy="2212133"/>
+            </a:xfrm>
+          </p:grpSpPr>
+          <p:sp>
+            <p:nvSpPr>
+              <p:cNvPr id="49" name="Retângulo 6">
+                <a:extLst>
+                  <a:ext uri="{FF2B5EF4-FFF2-40B4-BE49-F238E27FC236}">
+                    <a16:creationId xmlns:a16="http://schemas.microsoft.com/office/drawing/2014/main" id="{09089A2D-E56D-41AC-84AB-D25E3D4E5907}"/>
+                  </a:ext>
+                </a:extLst>
+              </p:cNvPr>
+              <p:cNvSpPr/>
+              <p:nvPr/>
+            </p:nvSpPr>
+            <p:spPr>
+              <a:xfrm>
+                <a:off x="8392958" y="3891083"/>
+                <a:ext cx="3276202" cy="2212133"/>
+              </a:xfrm>
+              <a:prstGeom prst="rect">
+                <a:avLst/>
+              </a:prstGeom>
+              <a:solidFill>
+                <a:srgbClr val="08376B"/>
+              </a:solidFill>
+              <a:ln>
+                <a:solidFill>
+                  <a:schemeClr val="bg1"/>
+                </a:solidFill>
+              </a:ln>
+            </p:spPr>
+            <p:style>
+              <a:lnRef idx="2">
+                <a:schemeClr val="accent1">
+                  <a:shade val="50000"/>
+                </a:schemeClr>
+              </a:lnRef>
+              <a:fillRef idx="1">
+                <a:schemeClr val="accent1"/>
+              </a:fillRef>
+              <a:effectRef idx="0">
+                <a:schemeClr val="accent1"/>
+              </a:effectRef>
+              <a:fontRef idx="minor">
+                <a:schemeClr val="lt1"/>
+              </a:fontRef>
+            </p:style>
+            <p:txBody>
+              <a:bodyPr rtlCol="0" anchor="ctr"/>
+              <a:lstStyle/>
+              <a:p>
+                <a:pPr algn="ctr"/>
+                <a:endParaRPr lang="pt-BR" dirty="0">
+                  <a:solidFill>
+                    <a:prstClr val="white"/>
+                  </a:solidFill>
+                  <a:highlight>
+                    <a:srgbClr val="08376B"/>
+                  </a:highlight>
+                  <a:latin typeface="Calibri"/>
+                </a:endParaRPr>
+              </a:p>
+            </p:txBody>
+          </p:sp>
+          <p:sp>
+            <p:nvSpPr>
+              <p:cNvPr id="50" name="Retângulo 6">
+                <a:extLst>
+                  <a:ext uri="{FF2B5EF4-FFF2-40B4-BE49-F238E27FC236}">
+                    <a16:creationId xmlns:a16="http://schemas.microsoft.com/office/drawing/2014/main" id="{ACF53A7D-E0F8-4C5E-9A1D-D59E5D8FDB54}"/>
+                  </a:ext>
+                </a:extLst>
+              </p:cNvPr>
+              <p:cNvSpPr/>
+              <p:nvPr/>
+            </p:nvSpPr>
+            <p:spPr>
+              <a:xfrm>
+                <a:off x="8464949" y="3959113"/>
+                <a:ext cx="2577005" cy="226900"/>
+              </a:xfrm>
+              <a:prstGeom prst="rect">
+                <a:avLst/>
+              </a:prstGeom>
+              <a:noFill/>
+              <a:ln>
+                <a:solidFill>
+                  <a:schemeClr val="bg1"/>
+                </a:solidFill>
+              </a:ln>
+            </p:spPr>
+            <p:style>
+              <a:lnRef idx="2">
+                <a:schemeClr val="accent1">
+                  <a:shade val="50000"/>
+                </a:schemeClr>
+              </a:lnRef>
+              <a:fillRef idx="1">
+                <a:schemeClr val="accent1"/>
+              </a:fillRef>
+              <a:effectRef idx="0">
+                <a:schemeClr val="accent1"/>
+              </a:effectRef>
+              <a:fontRef idx="minor">
+                <a:schemeClr val="lt1"/>
+              </a:fontRef>
+            </p:style>
+            <p:txBody>
+              <a:bodyPr rtlCol="0" anchor="ctr"/>
+              <a:lstStyle/>
+              <a:p>
+                <a:pPr algn="ctr"/>
+                <a:endParaRPr lang="pt-BR" dirty="0">
+                  <a:solidFill>
+                    <a:prstClr val="white"/>
+                  </a:solidFill>
+                  <a:latin typeface="Calibri"/>
+                </a:endParaRPr>
+              </a:p>
+            </p:txBody>
+          </p:sp>
+          <p:sp>
+            <p:nvSpPr>
+              <p:cNvPr id="51" name="Multiply 18">
+                <a:extLst>
+                  <a:ext uri="{FF2B5EF4-FFF2-40B4-BE49-F238E27FC236}">
+                    <a16:creationId xmlns:a16="http://schemas.microsoft.com/office/drawing/2014/main" id="{E05C203A-C493-469C-ADFD-5E0F9A2153EE}"/>
+                  </a:ext>
+                </a:extLst>
+              </p:cNvPr>
+              <p:cNvSpPr/>
+              <p:nvPr/>
+            </p:nvSpPr>
+            <p:spPr>
+              <a:xfrm>
+                <a:off x="11309204" y="3924647"/>
+                <a:ext cx="288032" cy="295831"/>
+              </a:xfrm>
+              <a:prstGeom prst="mathMultiply">
+                <a:avLst/>
+              </a:prstGeom>
+              <a:noFill/>
+              <a:ln>
+                <a:solidFill>
+                  <a:schemeClr val="bg1"/>
+                </a:solidFill>
+              </a:ln>
+            </p:spPr>
+            <p:style>
+              <a:lnRef idx="2">
+                <a:schemeClr val="accent1">
+                  <a:shade val="50000"/>
+                </a:schemeClr>
+              </a:lnRef>
+              <a:fillRef idx="1">
+                <a:schemeClr val="accent1"/>
+              </a:fillRef>
+              <a:effectRef idx="0">
+                <a:schemeClr val="accent1"/>
+              </a:effectRef>
+              <a:fontRef idx="minor">
+                <a:schemeClr val="lt1"/>
+              </a:fontRef>
+            </p:style>
+            <p:txBody>
+              <a:bodyPr rtlCol="0" anchor="ctr"/>
+              <a:lstStyle/>
+              <a:p>
+                <a:pPr algn="ctr"/>
+                <a:endParaRPr lang="pt-BR"/>
+              </a:p>
+            </p:txBody>
+          </p:sp>
+          <p:sp>
+            <p:nvSpPr>
+              <p:cNvPr id="52" name="Circular Arrow 19">
+                <a:extLst>
+                  <a:ext uri="{FF2B5EF4-FFF2-40B4-BE49-F238E27FC236}">
+                    <a16:creationId xmlns:a16="http://schemas.microsoft.com/office/drawing/2014/main" id="{C52A437E-0371-460D-A094-5603339F0987}"/>
+                  </a:ext>
+                </a:extLst>
+              </p:cNvPr>
+              <p:cNvSpPr/>
+              <p:nvPr/>
+            </p:nvSpPr>
+            <p:spPr>
+              <a:xfrm rot="16500000">
+                <a:off x="11158829" y="3927941"/>
+                <a:ext cx="216000" cy="288000"/>
+              </a:xfrm>
+              <a:prstGeom prst="circularArrow">
+                <a:avLst/>
+              </a:prstGeom>
+              <a:noFill/>
+              <a:ln>
+                <a:solidFill>
+                  <a:schemeClr val="bg1"/>
+                </a:solidFill>
+              </a:ln>
+            </p:spPr>
+            <p:style>
+              <a:lnRef idx="2">
+                <a:schemeClr val="accent1">
+                  <a:shade val="50000"/>
+                </a:schemeClr>
+              </a:lnRef>
+              <a:fillRef idx="1">
+                <a:schemeClr val="accent1"/>
+              </a:fillRef>
+              <a:effectRef idx="0">
+                <a:schemeClr val="accent1"/>
+              </a:effectRef>
+              <a:fontRef idx="minor">
+                <a:schemeClr val="lt1"/>
+              </a:fontRef>
+            </p:style>
+            <p:txBody>
+              <a:bodyPr rtlCol="0" anchor="ctr"/>
+              <a:lstStyle/>
+              <a:p>
+                <a:pPr algn="ctr"/>
+                <a:endParaRPr lang="pt-BR">
+                  <a:solidFill>
+                    <a:schemeClr val="tx1"/>
+                  </a:solidFill>
+                </a:endParaRPr>
+              </a:p>
+            </p:txBody>
+          </p:sp>
+        </p:grpSp>
+        <p:sp>
+          <p:nvSpPr>
+            <p:cNvPr id="48" name="Retângulo 20">
+              <a:extLst>
+                <a:ext uri="{FF2B5EF4-FFF2-40B4-BE49-F238E27FC236}">
+                  <a16:creationId xmlns:a16="http://schemas.microsoft.com/office/drawing/2014/main" id="{11A1D26E-A802-449C-9554-86CEBE86889D}"/>
+                </a:ext>
+              </a:extLst>
+            </p:cNvPr>
+            <p:cNvSpPr/>
+            <p:nvPr/>
+          </p:nvSpPr>
+          <p:spPr>
+            <a:xfrm>
+              <a:off x="7149336" y="5012479"/>
+              <a:ext cx="2427775" cy="1692771"/>
+            </a:xfrm>
+            <a:prstGeom prst="rect">
+              <a:avLst/>
+            </a:prstGeom>
+          </p:spPr>
+          <p:txBody>
+            <a:bodyPr wrap="square">
+              <a:spAutoFit/>
+            </a:bodyPr>
+            <a:lstStyle/>
+            <a:p>
+              <a:pPr lvl="0" algn="ctr">
+                <a:defRPr/>
+              </a:pPr>
+              <a:r>
+                <a:rPr lang="pt-BR" sz="2000" b="1" dirty="0">
+                  <a:solidFill>
+                    <a:prstClr val="white"/>
+                  </a:solidFill>
+                </a:rPr>
+                <a:t>Client Side Web</a:t>
+              </a:r>
+            </a:p>
+            <a:p>
+              <a:pPr lvl="0" algn="ctr">
+                <a:defRPr/>
+              </a:pPr>
+              <a:r>
+                <a:rPr lang="pt-BR" sz="1600" dirty="0">
+                  <a:solidFill>
+                    <a:prstClr val="white"/>
+                  </a:solidFill>
+                </a:rPr>
+                <a:t>[ Container: Javascript + React + Bootstrap + HTML + Css ]</a:t>
+              </a:r>
+              <a:endParaRPr lang="pt-BR" sz="1200" dirty="0">
+                <a:solidFill>
+                  <a:prstClr val="white"/>
+                </a:solidFill>
+              </a:endParaRPr>
+            </a:p>
+            <a:p>
+              <a:pPr lvl="0" algn="ctr">
+                <a:defRPr/>
+              </a:pPr>
+              <a:r>
+                <a:rPr lang="pt-BR" sz="2000" dirty="0">
+                  <a:solidFill>
+                    <a:prstClr val="white"/>
+                  </a:solidFill>
+                </a:rPr>
+                <a:t>Web system </a:t>
+              </a:r>
+            </a:p>
+            <a:p>
+              <a:pPr lvl="0" algn="ctr">
+                <a:defRPr/>
+              </a:pPr>
+              <a:endParaRPr lang="pt-BR" sz="1600" dirty="0">
+                <a:solidFill>
+                  <a:prstClr val="white"/>
+                </a:solidFill>
+              </a:endParaRPr>
+            </a:p>
+          </p:txBody>
+        </p:sp>
+      </p:grpSp>
+      <p:cxnSp>
+        <p:nvCxnSpPr>
+          <p:cNvPr id="53" name="Conector de Seta Reta 70">
+            <a:extLst>
+              <a:ext uri="{FF2B5EF4-FFF2-40B4-BE49-F238E27FC236}">
+                <a16:creationId xmlns:a16="http://schemas.microsoft.com/office/drawing/2014/main" id="{D3E820B9-DEA8-4161-B2C6-3D93F04730D6}"/>
+              </a:ext>
+            </a:extLst>
+          </p:cNvPr>
+          <p:cNvCxnSpPr>
+            <a:cxnSpLocks/>
+          </p:cNvCxnSpPr>
+          <p:nvPr/>
+        </p:nvCxnSpPr>
+        <p:spPr>
+          <a:xfrm flipH="1">
+            <a:off x="7305326" y="1431889"/>
+            <a:ext cx="1735119" cy="0"/>
+          </a:xfrm>
+          <a:prstGeom prst="straightConnector1">
+            <a:avLst/>
+          </a:prstGeom>
+          <a:ln w="19050">
+            <a:solidFill>
+              <a:schemeClr val="accent5">
+                <a:lumMod val="75000"/>
+              </a:schemeClr>
+            </a:solidFill>
+            <a:prstDash val="sysDash"/>
+            <a:headEnd type="none" w="lg" len="lg"/>
+            <a:tailEnd type="triangle" w="lg" len="lg"/>
+          </a:ln>
+          <a:effectLst>
+            <a:outerShdw blurRad="50800" dist="38100" dir="2700000" algn="tl" rotWithShape="0">
+              <a:prstClr val="black">
+                <a:alpha val="40000"/>
+              </a:prstClr>
+            </a:outerShdw>
+          </a:effectLst>
+        </p:spPr>
+        <p:style>
+          <a:lnRef idx="1">
+            <a:schemeClr val="accent1"/>
+          </a:lnRef>
+          <a:fillRef idx="0">
+            <a:schemeClr val="accent1"/>
+          </a:fillRef>
+          <a:effectRef idx="0">
+            <a:schemeClr val="accent1"/>
+          </a:effectRef>
+          <a:fontRef idx="minor">
+            <a:schemeClr val="tx1"/>
+          </a:fontRef>
+        </p:style>
+      </p:cxnSp>
+      <p:grpSp>
+        <p:nvGrpSpPr>
+          <p:cNvPr id="68" name="Group 67">
+            <a:extLst>
+              <a:ext uri="{FF2B5EF4-FFF2-40B4-BE49-F238E27FC236}">
+                <a16:creationId xmlns:a16="http://schemas.microsoft.com/office/drawing/2014/main" id="{5B832F91-8178-4A90-B051-FB9A966392CD}"/>
+              </a:ext>
+            </a:extLst>
+          </p:cNvPr>
+          <p:cNvGrpSpPr/>
+          <p:nvPr/>
+        </p:nvGrpSpPr>
+        <p:grpSpPr>
+          <a:xfrm>
+            <a:off x="1972720" y="3090195"/>
+            <a:ext cx="2792883" cy="2367002"/>
+            <a:chOff x="9838118" y="4597385"/>
+            <a:chExt cx="2566458" cy="2089580"/>
+          </a:xfrm>
+        </p:grpSpPr>
+        <p:grpSp>
+          <p:nvGrpSpPr>
+            <p:cNvPr id="69" name="Group 68">
+              <a:extLst>
+                <a:ext uri="{FF2B5EF4-FFF2-40B4-BE49-F238E27FC236}">
+                  <a16:creationId xmlns:a16="http://schemas.microsoft.com/office/drawing/2014/main" id="{EDE5ADD4-FE95-4259-A908-6CE1A862677A}"/>
+                </a:ext>
+              </a:extLst>
+            </p:cNvPr>
+            <p:cNvGrpSpPr/>
+            <p:nvPr/>
+          </p:nvGrpSpPr>
+          <p:grpSpPr>
+            <a:xfrm>
+              <a:off x="9864979" y="4597385"/>
+              <a:ext cx="2466985" cy="2089580"/>
+              <a:chOff x="7087290" y="3571513"/>
+              <a:chExt cx="2540994" cy="2178569"/>
+            </a:xfrm>
+          </p:grpSpPr>
+          <p:sp>
+            <p:nvSpPr>
+              <p:cNvPr id="72" name="Retângulo 48">
+                <a:extLst>
+                  <a:ext uri="{FF2B5EF4-FFF2-40B4-BE49-F238E27FC236}">
+                    <a16:creationId xmlns:a16="http://schemas.microsoft.com/office/drawing/2014/main" id="{A1C62D18-75EC-4829-8375-3AD0CCF3D9FF}"/>
+                  </a:ext>
+                </a:extLst>
+              </p:cNvPr>
+              <p:cNvSpPr/>
+              <p:nvPr/>
+            </p:nvSpPr>
+            <p:spPr>
+              <a:xfrm>
+                <a:off x="7683409" y="4788743"/>
+                <a:ext cx="1198306" cy="338554"/>
+              </a:xfrm>
+              <a:prstGeom prst="rect">
+                <a:avLst/>
+              </a:prstGeom>
+            </p:spPr>
+            <p:txBody>
+              <a:bodyPr wrap="square">
+                <a:spAutoFit/>
+              </a:bodyPr>
+              <a:lstStyle>
+                <a:defPPr>
+                  <a:defRPr lang="pt-BR"/>
+                </a:defPPr>
+                <a:lvl1pPr marL="0" algn="l" defTabSz="1043056" rtl="0" eaLnBrk="1" latinLnBrk="0" hangingPunct="1">
+                  <a:defRPr sz="2100" kern="1200">
+                    <a:solidFill>
+                      <a:schemeClr val="tx1"/>
+                    </a:solidFill>
+                    <a:latin typeface="+mn-lt"/>
+                    <a:ea typeface="+mn-ea"/>
+                    <a:cs typeface="+mn-cs"/>
+                  </a:defRPr>
+                </a:lvl1pPr>
+                <a:lvl2pPr marL="521528" algn="l" defTabSz="1043056" rtl="0" eaLnBrk="1" latinLnBrk="0" hangingPunct="1">
+                  <a:defRPr sz="2100" kern="1200">
+                    <a:solidFill>
+                      <a:schemeClr val="tx1"/>
+                    </a:solidFill>
+                    <a:latin typeface="+mn-lt"/>
+                    <a:ea typeface="+mn-ea"/>
+                    <a:cs typeface="+mn-cs"/>
+                  </a:defRPr>
+                </a:lvl2pPr>
+                <a:lvl3pPr marL="1043056" algn="l" defTabSz="1043056" rtl="0" eaLnBrk="1" latinLnBrk="0" hangingPunct="1">
+                  <a:defRPr sz="2100" kern="1200">
+                    <a:solidFill>
+                      <a:schemeClr val="tx1"/>
+                    </a:solidFill>
+                    <a:latin typeface="+mn-lt"/>
+                    <a:ea typeface="+mn-ea"/>
+                    <a:cs typeface="+mn-cs"/>
+                  </a:defRPr>
+                </a:lvl3pPr>
+                <a:lvl4pPr marL="1564584" algn="l" defTabSz="1043056" rtl="0" eaLnBrk="1" latinLnBrk="0" hangingPunct="1">
+                  <a:defRPr sz="2100" kern="1200">
+                    <a:solidFill>
+                      <a:schemeClr val="tx1"/>
+                    </a:solidFill>
+                    <a:latin typeface="+mn-lt"/>
+                    <a:ea typeface="+mn-ea"/>
+                    <a:cs typeface="+mn-cs"/>
+                  </a:defRPr>
+                </a:lvl4pPr>
+                <a:lvl5pPr marL="2086112" algn="l" defTabSz="1043056" rtl="0" eaLnBrk="1" latinLnBrk="0" hangingPunct="1">
+                  <a:defRPr sz="2100" kern="1200">
+                    <a:solidFill>
+                      <a:schemeClr val="tx1"/>
+                    </a:solidFill>
+                    <a:latin typeface="+mn-lt"/>
+                    <a:ea typeface="+mn-ea"/>
+                    <a:cs typeface="+mn-cs"/>
+                  </a:defRPr>
+                </a:lvl5pPr>
+                <a:lvl6pPr marL="2607640" algn="l" defTabSz="1043056" rtl="0" eaLnBrk="1" latinLnBrk="0" hangingPunct="1">
+                  <a:defRPr sz="2100" kern="1200">
+                    <a:solidFill>
+                      <a:schemeClr val="tx1"/>
+                    </a:solidFill>
+                    <a:latin typeface="+mn-lt"/>
+                    <a:ea typeface="+mn-ea"/>
+                    <a:cs typeface="+mn-cs"/>
+                  </a:defRPr>
+                </a:lvl6pPr>
+                <a:lvl7pPr marL="3129168" algn="l" defTabSz="1043056" rtl="0" eaLnBrk="1" latinLnBrk="0" hangingPunct="1">
+                  <a:defRPr sz="2100" kern="1200">
+                    <a:solidFill>
+                      <a:schemeClr val="tx1"/>
+                    </a:solidFill>
+                    <a:latin typeface="+mn-lt"/>
+                    <a:ea typeface="+mn-ea"/>
+                    <a:cs typeface="+mn-cs"/>
+                  </a:defRPr>
+                </a:lvl7pPr>
+                <a:lvl8pPr marL="3650696" algn="l" defTabSz="1043056" rtl="0" eaLnBrk="1" latinLnBrk="0" hangingPunct="1">
+                  <a:defRPr sz="2100" kern="1200">
+                    <a:solidFill>
+                      <a:schemeClr val="tx1"/>
+                    </a:solidFill>
+                    <a:latin typeface="+mn-lt"/>
+                    <a:ea typeface="+mn-ea"/>
+                    <a:cs typeface="+mn-cs"/>
+                  </a:defRPr>
+                </a:lvl8pPr>
+                <a:lvl9pPr marL="4172224" algn="l" defTabSz="1043056" rtl="0" eaLnBrk="1" latinLnBrk="0" hangingPunct="1">
+                  <a:defRPr sz="2100" kern="1200">
+                    <a:solidFill>
+                      <a:schemeClr val="tx1"/>
+                    </a:solidFill>
+                    <a:latin typeface="+mn-lt"/>
+                    <a:ea typeface="+mn-ea"/>
+                    <a:cs typeface="+mn-cs"/>
+                  </a:defRPr>
+                </a:lvl9pPr>
+              </a:lstStyle>
+              <a:p>
+                <a:pPr lvl="0">
+                  <a:defRPr/>
+                </a:pPr>
+                <a:r>
+                  <a:rPr lang="pt-BR" sz="1600" dirty="0">
+                    <a:solidFill>
+                      <a:prstClr val="white"/>
+                    </a:solidFill>
+                  </a:rPr>
+                  <a:t>Dashboard</a:t>
+                </a:r>
+              </a:p>
+            </p:txBody>
+          </p:sp>
+          <p:sp>
+            <p:nvSpPr>
+              <p:cNvPr id="73" name="Rounded Rectangle 30">
+                <a:extLst>
+                  <a:ext uri="{FF2B5EF4-FFF2-40B4-BE49-F238E27FC236}">
+                    <a16:creationId xmlns:a16="http://schemas.microsoft.com/office/drawing/2014/main" id="{A7A33422-3B69-42DC-8D82-B0FA74688993}"/>
+                  </a:ext>
+                </a:extLst>
+              </p:cNvPr>
+              <p:cNvSpPr/>
+              <p:nvPr/>
+            </p:nvSpPr>
+            <p:spPr>
+              <a:xfrm>
+                <a:off x="7087290" y="3571513"/>
+                <a:ext cx="2540994" cy="2178569"/>
+              </a:xfrm>
+              <a:prstGeom prst="roundRect">
+                <a:avLst/>
+              </a:prstGeom>
+              <a:solidFill>
+                <a:srgbClr val="32B9CD"/>
+              </a:solidFill>
+              <a:ln>
+                <a:solidFill>
+                  <a:schemeClr val="accent5">
+                    <a:lumMod val="75000"/>
+                  </a:schemeClr>
+                </a:solidFill>
+              </a:ln>
+            </p:spPr>
+            <p:style>
+              <a:lnRef idx="2">
+                <a:schemeClr val="accent1">
+                  <a:shade val="50000"/>
+                </a:schemeClr>
+              </a:lnRef>
+              <a:fillRef idx="1">
+                <a:schemeClr val="accent1"/>
+              </a:fillRef>
+              <a:effectRef idx="0">
+                <a:schemeClr val="accent1"/>
+              </a:effectRef>
+              <a:fontRef idx="minor">
+                <a:schemeClr val="lt1"/>
+              </a:fontRef>
+            </p:style>
+            <p:txBody>
+              <a:bodyPr rtlCol="0" anchor="ctr"/>
+              <a:lstStyle>
+                <a:defPPr>
+                  <a:defRPr lang="pt-BR"/>
+                </a:defPPr>
+                <a:lvl1pPr marL="0" algn="l" defTabSz="1043056" rtl="0" eaLnBrk="1" latinLnBrk="0" hangingPunct="1">
+                  <a:defRPr sz="2100" kern="1200">
+                    <a:solidFill>
+                      <a:schemeClr val="lt1"/>
+                    </a:solidFill>
+                    <a:latin typeface="+mn-lt"/>
+                    <a:ea typeface="+mn-ea"/>
+                    <a:cs typeface="+mn-cs"/>
+                  </a:defRPr>
+                </a:lvl1pPr>
+                <a:lvl2pPr marL="521528" algn="l" defTabSz="1043056" rtl="0" eaLnBrk="1" latinLnBrk="0" hangingPunct="1">
+                  <a:defRPr sz="2100" kern="1200">
+                    <a:solidFill>
+                      <a:schemeClr val="lt1"/>
+                    </a:solidFill>
+                    <a:latin typeface="+mn-lt"/>
+                    <a:ea typeface="+mn-ea"/>
+                    <a:cs typeface="+mn-cs"/>
+                  </a:defRPr>
+                </a:lvl2pPr>
+                <a:lvl3pPr marL="1043056" algn="l" defTabSz="1043056" rtl="0" eaLnBrk="1" latinLnBrk="0" hangingPunct="1">
+                  <a:defRPr sz="2100" kern="1200">
+                    <a:solidFill>
+                      <a:schemeClr val="lt1"/>
+                    </a:solidFill>
+                    <a:latin typeface="+mn-lt"/>
+                    <a:ea typeface="+mn-ea"/>
+                    <a:cs typeface="+mn-cs"/>
+                  </a:defRPr>
+                </a:lvl3pPr>
+                <a:lvl4pPr marL="1564584" algn="l" defTabSz="1043056" rtl="0" eaLnBrk="1" latinLnBrk="0" hangingPunct="1">
+                  <a:defRPr sz="2100" kern="1200">
+                    <a:solidFill>
+                      <a:schemeClr val="lt1"/>
+                    </a:solidFill>
+                    <a:latin typeface="+mn-lt"/>
+                    <a:ea typeface="+mn-ea"/>
+                    <a:cs typeface="+mn-cs"/>
+                  </a:defRPr>
+                </a:lvl4pPr>
+                <a:lvl5pPr marL="2086112" algn="l" defTabSz="1043056" rtl="0" eaLnBrk="1" latinLnBrk="0" hangingPunct="1">
+                  <a:defRPr sz="2100" kern="1200">
+                    <a:solidFill>
+                      <a:schemeClr val="lt1"/>
+                    </a:solidFill>
+                    <a:latin typeface="+mn-lt"/>
+                    <a:ea typeface="+mn-ea"/>
+                    <a:cs typeface="+mn-cs"/>
+                  </a:defRPr>
+                </a:lvl5pPr>
+                <a:lvl6pPr marL="2607640" algn="l" defTabSz="1043056" rtl="0" eaLnBrk="1" latinLnBrk="0" hangingPunct="1">
+                  <a:defRPr sz="2100" kern="1200">
+                    <a:solidFill>
+                      <a:schemeClr val="lt1"/>
+                    </a:solidFill>
+                    <a:latin typeface="+mn-lt"/>
+                    <a:ea typeface="+mn-ea"/>
+                    <a:cs typeface="+mn-cs"/>
+                  </a:defRPr>
+                </a:lvl6pPr>
+                <a:lvl7pPr marL="3129168" algn="l" defTabSz="1043056" rtl="0" eaLnBrk="1" latinLnBrk="0" hangingPunct="1">
+                  <a:defRPr sz="2100" kern="1200">
+                    <a:solidFill>
+                      <a:schemeClr val="lt1"/>
+                    </a:solidFill>
+                    <a:latin typeface="+mn-lt"/>
+                    <a:ea typeface="+mn-ea"/>
+                    <a:cs typeface="+mn-cs"/>
+                  </a:defRPr>
+                </a:lvl7pPr>
+                <a:lvl8pPr marL="3650696" algn="l" defTabSz="1043056" rtl="0" eaLnBrk="1" latinLnBrk="0" hangingPunct="1">
+                  <a:defRPr sz="2100" kern="1200">
+                    <a:solidFill>
+                      <a:schemeClr val="lt1"/>
+                    </a:solidFill>
+                    <a:latin typeface="+mn-lt"/>
+                    <a:ea typeface="+mn-ea"/>
+                    <a:cs typeface="+mn-cs"/>
+                  </a:defRPr>
+                </a:lvl8pPr>
+                <a:lvl9pPr marL="4172224" algn="l" defTabSz="1043056" rtl="0" eaLnBrk="1" latinLnBrk="0" hangingPunct="1">
+                  <a:defRPr sz="2100" kern="1200">
+                    <a:solidFill>
+                      <a:schemeClr val="lt1"/>
+                    </a:solidFill>
+                    <a:latin typeface="+mn-lt"/>
+                    <a:ea typeface="+mn-ea"/>
+                    <a:cs typeface="+mn-cs"/>
+                  </a:defRPr>
+                </a:lvl9pPr>
+              </a:lstStyle>
+              <a:p>
+                <a:pPr algn="ctr"/>
+                <a:endParaRPr lang="pt-BR" dirty="0">
+                  <a:solidFill>
+                    <a:prstClr val="white"/>
+                  </a:solidFill>
+                  <a:latin typeface="Calibri"/>
+                </a:endParaRPr>
+              </a:p>
+            </p:txBody>
+          </p:sp>
+          <p:cxnSp>
+            <p:nvCxnSpPr>
+              <p:cNvPr id="74" name="Straight Connector 73">
+                <a:extLst>
+                  <a:ext uri="{FF2B5EF4-FFF2-40B4-BE49-F238E27FC236}">
+                    <a16:creationId xmlns:a16="http://schemas.microsoft.com/office/drawing/2014/main" id="{4F84B652-C790-4303-B2F3-F61AE5062C5C}"/>
+                  </a:ext>
+                </a:extLst>
+              </p:cNvPr>
+              <p:cNvCxnSpPr/>
+              <p:nvPr/>
+            </p:nvCxnSpPr>
+            <p:spPr>
+              <a:xfrm>
+                <a:off x="9097739" y="3708623"/>
+                <a:ext cx="275406" cy="0"/>
+              </a:xfrm>
+              <a:prstGeom prst="line">
+                <a:avLst/>
+              </a:prstGeom>
+              <a:noFill/>
+              <a:ln>
+                <a:solidFill>
+                  <a:schemeClr val="accent5">
+                    <a:lumMod val="75000"/>
+                  </a:schemeClr>
+                </a:solidFill>
+              </a:ln>
+            </p:spPr>
+            <p:style>
+              <a:lnRef idx="2">
+                <a:schemeClr val="accent1">
+                  <a:shade val="50000"/>
+                </a:schemeClr>
+              </a:lnRef>
+              <a:fillRef idx="1">
+                <a:schemeClr val="accent1"/>
+              </a:fillRef>
+              <a:effectRef idx="0">
+                <a:schemeClr val="accent1"/>
+              </a:effectRef>
+              <a:fontRef idx="minor">
+                <a:schemeClr val="lt1"/>
+              </a:fontRef>
+            </p:style>
+          </p:cxnSp>
+          <p:cxnSp>
+            <p:nvCxnSpPr>
+              <p:cNvPr id="75" name="Straight Connector 74">
+                <a:extLst>
+                  <a:ext uri="{FF2B5EF4-FFF2-40B4-BE49-F238E27FC236}">
+                    <a16:creationId xmlns:a16="http://schemas.microsoft.com/office/drawing/2014/main" id="{6B0301D9-0A15-4F4D-8550-B2941F4C08A4}"/>
+                  </a:ext>
+                </a:extLst>
+              </p:cNvPr>
+              <p:cNvCxnSpPr/>
+              <p:nvPr/>
+            </p:nvCxnSpPr>
+            <p:spPr>
+              <a:xfrm>
+                <a:off x="9097739" y="3792372"/>
+                <a:ext cx="275406" cy="0"/>
+              </a:xfrm>
+              <a:prstGeom prst="line">
+                <a:avLst/>
+              </a:prstGeom>
+              <a:noFill/>
+              <a:ln>
+                <a:solidFill>
+                  <a:schemeClr val="accent5">
+                    <a:lumMod val="75000"/>
+                  </a:schemeClr>
+                </a:solidFill>
+              </a:ln>
+            </p:spPr>
+            <p:style>
+              <a:lnRef idx="2">
+                <a:schemeClr val="accent1">
+                  <a:shade val="50000"/>
+                </a:schemeClr>
+              </a:lnRef>
+              <a:fillRef idx="1">
+                <a:schemeClr val="accent1"/>
+              </a:fillRef>
+              <a:effectRef idx="0">
+                <a:schemeClr val="accent1"/>
+              </a:effectRef>
+              <a:fontRef idx="minor">
+                <a:schemeClr val="lt1"/>
+              </a:fontRef>
+            </p:style>
+          </p:cxnSp>
+          <p:cxnSp>
+            <p:nvCxnSpPr>
+              <p:cNvPr id="76" name="Straight Connector 75">
+                <a:extLst>
+                  <a:ext uri="{FF2B5EF4-FFF2-40B4-BE49-F238E27FC236}">
+                    <a16:creationId xmlns:a16="http://schemas.microsoft.com/office/drawing/2014/main" id="{F9E71675-F6AC-44F3-9152-C32EA19564D3}"/>
+                  </a:ext>
+                </a:extLst>
+              </p:cNvPr>
+              <p:cNvCxnSpPr/>
+              <p:nvPr/>
+            </p:nvCxnSpPr>
+            <p:spPr>
+              <a:xfrm>
+                <a:off x="9097739" y="3879370"/>
+                <a:ext cx="275406" cy="0"/>
+              </a:xfrm>
+              <a:prstGeom prst="line">
+                <a:avLst/>
+              </a:prstGeom>
+              <a:noFill/>
+              <a:ln>
+                <a:solidFill>
+                  <a:schemeClr val="accent5">
+                    <a:lumMod val="75000"/>
+                  </a:schemeClr>
+                </a:solidFill>
+              </a:ln>
+            </p:spPr>
+            <p:style>
+              <a:lnRef idx="2">
+                <a:schemeClr val="accent1">
+                  <a:shade val="50000"/>
+                </a:schemeClr>
+              </a:lnRef>
+              <a:fillRef idx="1">
+                <a:schemeClr val="accent1"/>
+              </a:fillRef>
+              <a:effectRef idx="0">
+                <a:schemeClr val="accent1"/>
+              </a:effectRef>
+              <a:fontRef idx="minor">
+                <a:schemeClr val="lt1"/>
+              </a:fontRef>
+            </p:style>
+          </p:cxnSp>
+        </p:grpSp>
+        <p:sp>
+          <p:nvSpPr>
+            <p:cNvPr id="70" name="Retângulo 20">
+              <a:extLst>
+                <a:ext uri="{FF2B5EF4-FFF2-40B4-BE49-F238E27FC236}">
+                  <a16:creationId xmlns:a16="http://schemas.microsoft.com/office/drawing/2014/main" id="{2020F773-2E61-4682-85FB-2030FD2C3F42}"/>
+                </a:ext>
+              </a:extLst>
+            </p:cNvPr>
+            <p:cNvSpPr/>
+            <p:nvPr/>
+          </p:nvSpPr>
+          <p:spPr>
+            <a:xfrm>
+              <a:off x="9838118" y="4967599"/>
+              <a:ext cx="2566458" cy="892552"/>
+            </a:xfrm>
+            <a:prstGeom prst="rect">
+              <a:avLst/>
+            </a:prstGeom>
+          </p:spPr>
+          <p:txBody>
+            <a:bodyPr wrap="square">
+              <a:spAutoFit/>
+            </a:bodyPr>
+            <a:lstStyle>
+              <a:defPPr>
+                <a:defRPr lang="pt-BR"/>
+              </a:defPPr>
+              <a:lvl1pPr marL="0" algn="l" defTabSz="1043056" rtl="0" eaLnBrk="1" latinLnBrk="0" hangingPunct="1">
+                <a:defRPr sz="2100" kern="1200">
+                  <a:solidFill>
+                    <a:schemeClr val="tx1"/>
+                  </a:solidFill>
+                  <a:latin typeface="+mn-lt"/>
+                  <a:ea typeface="+mn-ea"/>
+                  <a:cs typeface="+mn-cs"/>
+                </a:defRPr>
+              </a:lvl1pPr>
+              <a:lvl2pPr marL="521528" algn="l" defTabSz="1043056" rtl="0" eaLnBrk="1" latinLnBrk="0" hangingPunct="1">
+                <a:defRPr sz="2100" kern="1200">
+                  <a:solidFill>
+                    <a:schemeClr val="tx1"/>
+                  </a:solidFill>
+                  <a:latin typeface="+mn-lt"/>
+                  <a:ea typeface="+mn-ea"/>
+                  <a:cs typeface="+mn-cs"/>
+                </a:defRPr>
+              </a:lvl2pPr>
+              <a:lvl3pPr marL="1043056" algn="l" defTabSz="1043056" rtl="0" eaLnBrk="1" latinLnBrk="0" hangingPunct="1">
+                <a:defRPr sz="2100" kern="1200">
+                  <a:solidFill>
+                    <a:schemeClr val="tx1"/>
+                  </a:solidFill>
+                  <a:latin typeface="+mn-lt"/>
+                  <a:ea typeface="+mn-ea"/>
+                  <a:cs typeface="+mn-cs"/>
+                </a:defRPr>
+              </a:lvl3pPr>
+              <a:lvl4pPr marL="1564584" algn="l" defTabSz="1043056" rtl="0" eaLnBrk="1" latinLnBrk="0" hangingPunct="1">
+                <a:defRPr sz="2100" kern="1200">
+                  <a:solidFill>
+                    <a:schemeClr val="tx1"/>
+                  </a:solidFill>
+                  <a:latin typeface="+mn-lt"/>
+                  <a:ea typeface="+mn-ea"/>
+                  <a:cs typeface="+mn-cs"/>
+                </a:defRPr>
+              </a:lvl4pPr>
+              <a:lvl5pPr marL="2086112" algn="l" defTabSz="1043056" rtl="0" eaLnBrk="1" latinLnBrk="0" hangingPunct="1">
+                <a:defRPr sz="2100" kern="1200">
+                  <a:solidFill>
+                    <a:schemeClr val="tx1"/>
+                  </a:solidFill>
+                  <a:latin typeface="+mn-lt"/>
+                  <a:ea typeface="+mn-ea"/>
+                  <a:cs typeface="+mn-cs"/>
+                </a:defRPr>
+              </a:lvl5pPr>
+              <a:lvl6pPr marL="2607640" algn="l" defTabSz="1043056" rtl="0" eaLnBrk="1" latinLnBrk="0" hangingPunct="1">
+                <a:defRPr sz="2100" kern="1200">
+                  <a:solidFill>
+                    <a:schemeClr val="tx1"/>
+                  </a:solidFill>
+                  <a:latin typeface="+mn-lt"/>
+                  <a:ea typeface="+mn-ea"/>
+                  <a:cs typeface="+mn-cs"/>
+                </a:defRPr>
+              </a:lvl6pPr>
+              <a:lvl7pPr marL="3129168" algn="l" defTabSz="1043056" rtl="0" eaLnBrk="1" latinLnBrk="0" hangingPunct="1">
+                <a:defRPr sz="2100" kern="1200">
+                  <a:solidFill>
+                    <a:schemeClr val="tx1"/>
+                  </a:solidFill>
+                  <a:latin typeface="+mn-lt"/>
+                  <a:ea typeface="+mn-ea"/>
+                  <a:cs typeface="+mn-cs"/>
+                </a:defRPr>
+              </a:lvl7pPr>
+              <a:lvl8pPr marL="3650696" algn="l" defTabSz="1043056" rtl="0" eaLnBrk="1" latinLnBrk="0" hangingPunct="1">
+                <a:defRPr sz="2100" kern="1200">
+                  <a:solidFill>
+                    <a:schemeClr val="tx1"/>
+                  </a:solidFill>
+                  <a:latin typeface="+mn-lt"/>
+                  <a:ea typeface="+mn-ea"/>
+                  <a:cs typeface="+mn-cs"/>
+                </a:defRPr>
+              </a:lvl8pPr>
+              <a:lvl9pPr marL="4172224" algn="l" defTabSz="1043056" rtl="0" eaLnBrk="1" latinLnBrk="0" hangingPunct="1">
+                <a:defRPr sz="2100" kern="1200">
+                  <a:solidFill>
+                    <a:schemeClr val="tx1"/>
+                  </a:solidFill>
+                  <a:latin typeface="+mn-lt"/>
+                  <a:ea typeface="+mn-ea"/>
+                  <a:cs typeface="+mn-cs"/>
+                </a:defRPr>
+              </a:lvl9pPr>
+            </a:lstStyle>
+            <a:p>
+              <a:pPr lvl="0" algn="ctr">
+                <a:defRPr/>
+              </a:pPr>
+              <a:r>
+                <a:rPr lang="pt-BR" sz="2000" b="1" dirty="0">
+                  <a:solidFill>
+                    <a:prstClr val="white"/>
+                  </a:solidFill>
+                </a:rPr>
+                <a:t>Conexão com API</a:t>
+              </a:r>
+            </a:p>
+            <a:p>
+              <a:pPr lvl="0" algn="ctr">
+                <a:defRPr/>
+              </a:pPr>
+              <a:r>
+                <a:rPr lang="pt-BR" sz="1600" dirty="0">
+                  <a:solidFill>
+                    <a:prstClr val="white"/>
+                  </a:solidFill>
+                </a:rPr>
+                <a:t>[Component: Android Studio]</a:t>
+              </a:r>
+            </a:p>
+          </p:txBody>
+        </p:sp>
+        <p:sp>
+          <p:nvSpPr>
+            <p:cNvPr id="71" name="Retângulo 20">
+              <a:extLst>
+                <a:ext uri="{FF2B5EF4-FFF2-40B4-BE49-F238E27FC236}">
+                  <a16:creationId xmlns:a16="http://schemas.microsoft.com/office/drawing/2014/main" id="{F76F21DB-7A3C-4AAA-A1BC-E985B1C79C85}"/>
+                </a:ext>
+              </a:extLst>
+            </p:cNvPr>
+            <p:cNvSpPr/>
+            <p:nvPr/>
+          </p:nvSpPr>
+          <p:spPr>
+            <a:xfrm>
+              <a:off x="9920775" y="5661758"/>
+              <a:ext cx="2307052" cy="733601"/>
+            </a:xfrm>
+            <a:prstGeom prst="rect">
+              <a:avLst/>
+            </a:prstGeom>
+          </p:spPr>
+          <p:txBody>
+            <a:bodyPr wrap="square">
+              <a:spAutoFit/>
+            </a:bodyPr>
+            <a:lstStyle>
+              <a:defPPr>
+                <a:defRPr lang="pt-BR"/>
+              </a:defPPr>
+              <a:lvl1pPr marL="0" algn="l" defTabSz="1043056" rtl="0" eaLnBrk="1" latinLnBrk="0" hangingPunct="1">
+                <a:defRPr sz="2100" kern="1200">
+                  <a:solidFill>
+                    <a:schemeClr val="tx1"/>
+                  </a:solidFill>
+                  <a:latin typeface="+mn-lt"/>
+                  <a:ea typeface="+mn-ea"/>
+                  <a:cs typeface="+mn-cs"/>
+                </a:defRPr>
+              </a:lvl1pPr>
+              <a:lvl2pPr marL="521528" algn="l" defTabSz="1043056" rtl="0" eaLnBrk="1" latinLnBrk="0" hangingPunct="1">
+                <a:defRPr sz="2100" kern="1200">
+                  <a:solidFill>
+                    <a:schemeClr val="tx1"/>
+                  </a:solidFill>
+                  <a:latin typeface="+mn-lt"/>
+                  <a:ea typeface="+mn-ea"/>
+                  <a:cs typeface="+mn-cs"/>
+                </a:defRPr>
+              </a:lvl2pPr>
+              <a:lvl3pPr marL="1043056" algn="l" defTabSz="1043056" rtl="0" eaLnBrk="1" latinLnBrk="0" hangingPunct="1">
+                <a:defRPr sz="2100" kern="1200">
+                  <a:solidFill>
+                    <a:schemeClr val="tx1"/>
+                  </a:solidFill>
+                  <a:latin typeface="+mn-lt"/>
+                  <a:ea typeface="+mn-ea"/>
+                  <a:cs typeface="+mn-cs"/>
+                </a:defRPr>
+              </a:lvl3pPr>
+              <a:lvl4pPr marL="1564584" algn="l" defTabSz="1043056" rtl="0" eaLnBrk="1" latinLnBrk="0" hangingPunct="1">
+                <a:defRPr sz="2100" kern="1200">
+                  <a:solidFill>
+                    <a:schemeClr val="tx1"/>
+                  </a:solidFill>
+                  <a:latin typeface="+mn-lt"/>
+                  <a:ea typeface="+mn-ea"/>
+                  <a:cs typeface="+mn-cs"/>
+                </a:defRPr>
+              </a:lvl4pPr>
+              <a:lvl5pPr marL="2086112" algn="l" defTabSz="1043056" rtl="0" eaLnBrk="1" latinLnBrk="0" hangingPunct="1">
+                <a:defRPr sz="2100" kern="1200">
+                  <a:solidFill>
+                    <a:schemeClr val="tx1"/>
+                  </a:solidFill>
+                  <a:latin typeface="+mn-lt"/>
+                  <a:ea typeface="+mn-ea"/>
+                  <a:cs typeface="+mn-cs"/>
+                </a:defRPr>
+              </a:lvl5pPr>
+              <a:lvl6pPr marL="2607640" algn="l" defTabSz="1043056" rtl="0" eaLnBrk="1" latinLnBrk="0" hangingPunct="1">
+                <a:defRPr sz="2100" kern="1200">
+                  <a:solidFill>
+                    <a:schemeClr val="tx1"/>
+                  </a:solidFill>
+                  <a:latin typeface="+mn-lt"/>
+                  <a:ea typeface="+mn-ea"/>
+                  <a:cs typeface="+mn-cs"/>
+                </a:defRPr>
+              </a:lvl6pPr>
+              <a:lvl7pPr marL="3129168" algn="l" defTabSz="1043056" rtl="0" eaLnBrk="1" latinLnBrk="0" hangingPunct="1">
+                <a:defRPr sz="2100" kern="1200">
+                  <a:solidFill>
+                    <a:schemeClr val="tx1"/>
+                  </a:solidFill>
+                  <a:latin typeface="+mn-lt"/>
+                  <a:ea typeface="+mn-ea"/>
+                  <a:cs typeface="+mn-cs"/>
+                </a:defRPr>
+              </a:lvl7pPr>
+              <a:lvl8pPr marL="3650696" algn="l" defTabSz="1043056" rtl="0" eaLnBrk="1" latinLnBrk="0" hangingPunct="1">
+                <a:defRPr sz="2100" kern="1200">
+                  <a:solidFill>
+                    <a:schemeClr val="tx1"/>
+                  </a:solidFill>
+                  <a:latin typeface="+mn-lt"/>
+                  <a:ea typeface="+mn-ea"/>
+                  <a:cs typeface="+mn-cs"/>
+                </a:defRPr>
+              </a:lvl8pPr>
+              <a:lvl9pPr marL="4172224" algn="l" defTabSz="1043056" rtl="0" eaLnBrk="1" latinLnBrk="0" hangingPunct="1">
+                <a:defRPr sz="2100" kern="1200">
+                  <a:solidFill>
+                    <a:schemeClr val="tx1"/>
+                  </a:solidFill>
+                  <a:latin typeface="+mn-lt"/>
+                  <a:ea typeface="+mn-ea"/>
+                  <a:cs typeface="+mn-cs"/>
+                </a:defRPr>
+              </a:lvl9pPr>
+            </a:lstStyle>
+            <a:p>
+              <a:pPr lvl="0" algn="ctr">
+                <a:defRPr/>
+              </a:pPr>
+              <a:r>
+                <a:rPr lang="pt-BR" sz="1600" dirty="0">
+                  <a:solidFill>
+                    <a:prstClr val="white"/>
+                  </a:solidFill>
+                </a:rPr>
+                <a:t>Componente que controla as conexões e transações com a API</a:t>
+              </a:r>
+            </a:p>
+          </p:txBody>
+        </p:sp>
+      </p:grpSp>
+      <p:grpSp>
+        <p:nvGrpSpPr>
+          <p:cNvPr id="80" name="Group 36">
+            <a:extLst>
+              <a:ext uri="{FF2B5EF4-FFF2-40B4-BE49-F238E27FC236}">
+                <a16:creationId xmlns:a16="http://schemas.microsoft.com/office/drawing/2014/main" id="{DBCB171D-4273-4978-B440-78A94490FDB7}"/>
+              </a:ext>
+            </a:extLst>
+          </p:cNvPr>
+          <p:cNvGrpSpPr/>
+          <p:nvPr/>
+        </p:nvGrpSpPr>
+        <p:grpSpPr>
+          <a:xfrm>
+            <a:off x="7247266" y="5516948"/>
+            <a:ext cx="2792885" cy="1324654"/>
+            <a:chOff x="7149335" y="4027210"/>
+            <a:chExt cx="2463282" cy="2384791"/>
+          </a:xfrm>
+          <a:effectLst>
+            <a:outerShdw blurRad="50800" dist="38100" dir="2700000" algn="tl" rotWithShape="0">
+              <a:prstClr val="black">
+                <a:alpha val="40000"/>
+              </a:prstClr>
+            </a:outerShdw>
+          </a:effectLst>
+        </p:grpSpPr>
+        <p:sp>
+          <p:nvSpPr>
+            <p:cNvPr id="81" name="Retângulo 6">
+              <a:extLst>
+                <a:ext uri="{FF2B5EF4-FFF2-40B4-BE49-F238E27FC236}">
+                  <a16:creationId xmlns:a16="http://schemas.microsoft.com/office/drawing/2014/main" id="{B03B78DA-0A3B-44FC-B04F-439677F5C749}"/>
+                </a:ext>
+              </a:extLst>
+            </p:cNvPr>
+            <p:cNvSpPr/>
+            <p:nvPr/>
+          </p:nvSpPr>
+          <p:spPr>
+            <a:xfrm>
+              <a:off x="7149335" y="4027210"/>
+              <a:ext cx="2463282" cy="2016226"/>
+            </a:xfrm>
+            <a:prstGeom prst="rect">
+              <a:avLst/>
+            </a:prstGeom>
+            <a:solidFill>
+              <a:srgbClr val="32B9CD"/>
+            </a:solidFill>
+            <a:ln>
+              <a:solidFill>
+                <a:schemeClr val="bg1"/>
+              </a:solidFill>
+            </a:ln>
+          </p:spPr>
+          <p:style>
+            <a:lnRef idx="2">
+              <a:schemeClr val="accent1">
+                <a:shade val="50000"/>
+              </a:schemeClr>
+            </a:lnRef>
+            <a:fillRef idx="1">
+              <a:schemeClr val="accent1"/>
+            </a:fillRef>
+            <a:effectRef idx="0">
+              <a:schemeClr val="accent1"/>
+            </a:effectRef>
+            <a:fontRef idx="minor">
+              <a:schemeClr val="lt1"/>
+            </a:fontRef>
+          </p:style>
+          <p:txBody>
+            <a:bodyPr rtlCol="0" anchor="ctr"/>
+            <a:lstStyle/>
+            <a:p>
+              <a:pPr algn="ctr"/>
+              <a:endParaRPr lang="pt-BR" dirty="0">
+                <a:solidFill>
+                  <a:prstClr val="white"/>
+                </a:solidFill>
+                <a:highlight>
+                  <a:srgbClr val="08376B"/>
+                </a:highlight>
+                <a:latin typeface="Calibri"/>
+              </a:endParaRPr>
+            </a:p>
+          </p:txBody>
+        </p:sp>
+        <p:sp>
+          <p:nvSpPr>
+            <p:cNvPr id="82" name="Retângulo 20">
+              <a:extLst>
+                <a:ext uri="{FF2B5EF4-FFF2-40B4-BE49-F238E27FC236}">
+                  <a16:creationId xmlns:a16="http://schemas.microsoft.com/office/drawing/2014/main" id="{2C4141B4-DBE0-4A2D-BB17-6132BF79931D}"/>
+                </a:ext>
+              </a:extLst>
+            </p:cNvPr>
+            <p:cNvSpPr/>
+            <p:nvPr/>
+          </p:nvSpPr>
+          <p:spPr>
+            <a:xfrm>
+              <a:off x="7172550" y="4029397"/>
+              <a:ext cx="2427775" cy="2382604"/>
+            </a:xfrm>
+            <a:prstGeom prst="rect">
+              <a:avLst/>
+            </a:prstGeom>
+          </p:spPr>
+          <p:txBody>
+            <a:bodyPr wrap="square">
+              <a:spAutoFit/>
+            </a:bodyPr>
+            <a:lstStyle/>
+            <a:p>
+              <a:pPr lvl="0" algn="ctr">
+                <a:defRPr/>
+              </a:pPr>
+              <a:r>
+                <a:rPr lang="pt-BR" sz="2000" b="1" dirty="0">
+                  <a:solidFill>
+                    <a:prstClr val="white"/>
+                  </a:solidFill>
+                </a:rPr>
+                <a:t>Upload</a:t>
+              </a:r>
+            </a:p>
+            <a:p>
+              <a:pPr lvl="0" algn="ctr">
+                <a:defRPr/>
+              </a:pPr>
+              <a:r>
+                <a:rPr lang="pt-BR" sz="1600" dirty="0">
+                  <a:solidFill>
+                    <a:prstClr val="white"/>
+                  </a:solidFill>
+                </a:rPr>
+                <a:t>[ Component: Kotlin ]</a:t>
+              </a:r>
+            </a:p>
+            <a:p>
+              <a:pPr lvl="0" algn="ctr">
+                <a:defRPr/>
+              </a:pPr>
+              <a:endParaRPr lang="pt-BR" sz="1200" dirty="0">
+                <a:solidFill>
+                  <a:prstClr val="white"/>
+                </a:solidFill>
+              </a:endParaRPr>
+            </a:p>
+            <a:p>
+              <a:pPr lvl="0" algn="ctr">
+                <a:defRPr/>
+              </a:pPr>
+              <a:r>
+                <a:rPr lang="pt-BR" sz="1600" dirty="0">
+                  <a:solidFill>
+                    <a:prstClr val="white"/>
+                  </a:solidFill>
+                </a:rPr>
+                <a:t>Tela de upload de projetos</a:t>
+              </a:r>
+            </a:p>
+            <a:p>
+              <a:pPr lvl="0" algn="ctr">
+                <a:defRPr/>
+              </a:pPr>
+              <a:endParaRPr lang="pt-BR" sz="1600" dirty="0">
+                <a:solidFill>
+                  <a:prstClr val="white"/>
+                </a:solidFill>
+              </a:endParaRPr>
+            </a:p>
+          </p:txBody>
+        </p:sp>
+      </p:grpSp>
+      <p:grpSp>
+        <p:nvGrpSpPr>
+          <p:cNvPr id="83" name="Group 36">
+            <a:extLst>
+              <a:ext uri="{FF2B5EF4-FFF2-40B4-BE49-F238E27FC236}">
+                <a16:creationId xmlns:a16="http://schemas.microsoft.com/office/drawing/2014/main" id="{F4C1D77E-12E0-4DBD-81AF-9F31264A2E8C}"/>
+              </a:ext>
+            </a:extLst>
+          </p:cNvPr>
+          <p:cNvGrpSpPr/>
+          <p:nvPr/>
+        </p:nvGrpSpPr>
+        <p:grpSpPr>
+          <a:xfrm>
+            <a:off x="7230322" y="2957101"/>
+            <a:ext cx="2792885" cy="1324654"/>
+            <a:chOff x="7149335" y="4027210"/>
+            <a:chExt cx="2463282" cy="2384791"/>
+          </a:xfrm>
+          <a:effectLst>
+            <a:outerShdw blurRad="50800" dist="38100" dir="2700000" algn="tl" rotWithShape="0">
+              <a:prstClr val="black">
+                <a:alpha val="40000"/>
+              </a:prstClr>
+            </a:outerShdw>
+          </a:effectLst>
+        </p:grpSpPr>
+        <p:sp>
+          <p:nvSpPr>
+            <p:cNvPr id="84" name="Retângulo 6">
+              <a:extLst>
+                <a:ext uri="{FF2B5EF4-FFF2-40B4-BE49-F238E27FC236}">
+                  <a16:creationId xmlns:a16="http://schemas.microsoft.com/office/drawing/2014/main" id="{C38BB317-291D-458F-BAF2-42FE6406A39E}"/>
+                </a:ext>
+              </a:extLst>
+            </p:cNvPr>
+            <p:cNvSpPr/>
+            <p:nvPr/>
+          </p:nvSpPr>
+          <p:spPr>
+            <a:xfrm>
+              <a:off x="7149335" y="4027210"/>
+              <a:ext cx="2463282" cy="2016226"/>
+            </a:xfrm>
+            <a:prstGeom prst="rect">
+              <a:avLst/>
+            </a:prstGeom>
+            <a:solidFill>
+              <a:srgbClr val="32B9CD"/>
+            </a:solidFill>
+            <a:ln>
+              <a:solidFill>
+                <a:schemeClr val="bg1"/>
+              </a:solidFill>
+            </a:ln>
+          </p:spPr>
+          <p:style>
+            <a:lnRef idx="2">
+              <a:schemeClr val="accent1">
+                <a:shade val="50000"/>
+              </a:schemeClr>
+            </a:lnRef>
+            <a:fillRef idx="1">
+              <a:schemeClr val="accent1"/>
+            </a:fillRef>
+            <a:effectRef idx="0">
+              <a:schemeClr val="accent1"/>
+            </a:effectRef>
+            <a:fontRef idx="minor">
+              <a:schemeClr val="lt1"/>
+            </a:fontRef>
+          </p:style>
+          <p:txBody>
+            <a:bodyPr rtlCol="0" anchor="ctr"/>
+            <a:lstStyle/>
+            <a:p>
+              <a:pPr algn="ctr"/>
+              <a:endParaRPr lang="pt-BR" dirty="0">
+                <a:solidFill>
+                  <a:prstClr val="white"/>
+                </a:solidFill>
+                <a:highlight>
+                  <a:srgbClr val="08376B"/>
+                </a:highlight>
+                <a:latin typeface="Calibri"/>
+              </a:endParaRPr>
+            </a:p>
+          </p:txBody>
+        </p:sp>
+        <p:sp>
+          <p:nvSpPr>
+            <p:cNvPr id="85" name="Retângulo 20">
+              <a:extLst>
+                <a:ext uri="{FF2B5EF4-FFF2-40B4-BE49-F238E27FC236}">
+                  <a16:creationId xmlns:a16="http://schemas.microsoft.com/office/drawing/2014/main" id="{B4FD1C1E-C65F-438E-A0BF-A08667282F26}"/>
+                </a:ext>
+              </a:extLst>
+            </p:cNvPr>
+            <p:cNvSpPr/>
+            <p:nvPr/>
+          </p:nvSpPr>
+          <p:spPr>
+            <a:xfrm>
+              <a:off x="7172550" y="4029397"/>
+              <a:ext cx="2427775" cy="2382604"/>
+            </a:xfrm>
+            <a:prstGeom prst="rect">
+              <a:avLst/>
+            </a:prstGeom>
+          </p:spPr>
+          <p:txBody>
+            <a:bodyPr wrap="square">
+              <a:spAutoFit/>
+            </a:bodyPr>
+            <a:lstStyle/>
+            <a:p>
+              <a:pPr lvl="0" algn="ctr">
+                <a:defRPr/>
+              </a:pPr>
+              <a:r>
+                <a:rPr lang="pt-BR" sz="2000" b="1" dirty="0">
+                  <a:solidFill>
+                    <a:prstClr val="white"/>
+                  </a:solidFill>
+                </a:rPr>
+                <a:t>Login</a:t>
+              </a:r>
+            </a:p>
+            <a:p>
+              <a:pPr lvl="0" algn="ctr">
+                <a:defRPr/>
+              </a:pPr>
+              <a:r>
+                <a:rPr lang="pt-BR" sz="1600" dirty="0">
+                  <a:solidFill>
+                    <a:prstClr val="white"/>
+                  </a:solidFill>
+                </a:rPr>
+                <a:t>[ Component: Kotlin ]</a:t>
+              </a:r>
+            </a:p>
+            <a:p>
+              <a:pPr lvl="0" algn="ctr">
+                <a:defRPr/>
+              </a:pPr>
+              <a:endParaRPr lang="pt-BR" sz="1200" dirty="0">
+                <a:solidFill>
+                  <a:prstClr val="white"/>
+                </a:solidFill>
+              </a:endParaRPr>
+            </a:p>
+            <a:p>
+              <a:pPr lvl="0" algn="ctr">
+                <a:defRPr/>
+              </a:pPr>
+              <a:r>
+                <a:rPr lang="pt-BR" sz="1600" dirty="0">
+                  <a:solidFill>
+                    <a:prstClr val="white"/>
+                  </a:solidFill>
+                </a:rPr>
+                <a:t>Tela de login da aplicação</a:t>
+              </a:r>
+            </a:p>
+            <a:p>
+              <a:pPr lvl="0" algn="ctr">
+                <a:defRPr/>
+              </a:pPr>
+              <a:endParaRPr lang="pt-BR" sz="1600" dirty="0">
+                <a:solidFill>
+                  <a:prstClr val="white"/>
+                </a:solidFill>
+              </a:endParaRPr>
+            </a:p>
+          </p:txBody>
+        </p:sp>
+      </p:grpSp>
+    </p:spTree>
+    <p:extLst>
+      <p:ext uri="{BB962C8B-B14F-4D97-AF65-F5344CB8AC3E}">
+        <p14:creationId xmlns:p14="http://schemas.microsoft.com/office/powerpoint/2010/main" val="4109780595"/>
+      </p:ext>
+    </p:extLst>
+  </p:cSld>
+  <p:clrMapOvr>
+    <a:masterClrMapping/>
+  </p:clrMapOvr>
+  <p:timing>
+    <p:tnLst>
+      <p:par>
+        <p:cTn id="1" dur="indefinite" restart="never" nodeType="tmRoot">
+          <p:childTnLst>
+            <p:seq concurrent="1" nextAc="seek">
+              <p:cTn id="2" dur="indefinite" nodeType="mainSeq">
+                <p:childTnLst>
+                  <p:par>
+                    <p:cTn id="3" fill="hold">
+                      <p:stCondLst>
+                        <p:cond delay="indefinite"/>
+                      </p:stCondLst>
+                      <p:childTnLst>
+                        <p:par>
+                          <p:cTn id="4" fill="hold">
+                            <p:stCondLst>
+                              <p:cond delay="0"/>
+                            </p:stCondLst>
+                            <p:childTnLst>
+                              <p:par>
+                                <p:cTn id="5" presetID="1" presetClass="entr" presetSubtype="0" fill="hold" nodeType="clickEffect">
+                                  <p:stCondLst>
+                                    <p:cond delay="0"/>
+                                  </p:stCondLst>
+                                  <p:childTnLst>
+                                    <p:set>
+                                      <p:cBhvr>
+                                        <p:cTn id="6" dur="1" fill="hold">
+                                          <p:stCondLst>
+                                            <p:cond delay="0"/>
+                                          </p:stCondLst>
+                                        </p:cTn>
+                                        <p:tgtEl>
+                                          <p:spTgt spid="6"/>
+                                        </p:tgtEl>
+                                        <p:attrNameLst>
+                                          <p:attrName>style.visibility</p:attrName>
+                                        </p:attrNameLst>
+                                      </p:cBhvr>
+                                      <p:to>
+                                        <p:strVal val="visible"/>
+                                      </p:to>
+                                    </p:set>
+                                  </p:childTnLst>
+                                </p:cTn>
+                              </p:par>
+                            </p:childTnLst>
+                          </p:cTn>
+                        </p:par>
+                      </p:childTnLst>
+                    </p:cTn>
+                  </p:par>
+                  <p:par>
+                    <p:cTn id="7" fill="hold">
+                      <p:stCondLst>
+                        <p:cond delay="indefinite"/>
+                      </p:stCondLst>
+                      <p:childTnLst>
+                        <p:par>
+                          <p:cTn id="8" fill="hold">
+                            <p:stCondLst>
+                              <p:cond delay="0"/>
+                            </p:stCondLst>
+                            <p:childTnLst>
+                              <p:par>
+                                <p:cTn id="9" presetID="1" presetClass="entr" presetSubtype="0" fill="hold" nodeType="clickEffect">
+                                  <p:stCondLst>
+                                    <p:cond delay="0"/>
+                                  </p:stCondLst>
+                                  <p:childTnLst>
+                                    <p:set>
+                                      <p:cBhvr>
+                                        <p:cTn id="10" dur="1" fill="hold">
+                                          <p:stCondLst>
+                                            <p:cond delay="0"/>
+                                          </p:stCondLst>
+                                        </p:cTn>
+                                        <p:tgtEl>
+                                          <p:spTgt spid="5"/>
+                                        </p:tgtEl>
+                                        <p:attrNameLst>
+                                          <p:attrName>style.visibility</p:attrName>
+                                        </p:attrNameLst>
+                                      </p:cBhvr>
+                                      <p:to>
+                                        <p:strVal val="visible"/>
+                                      </p:to>
+                                    </p:set>
+                                  </p:childTnLst>
+                                </p:cTn>
+                              </p:par>
+                            </p:childTnLst>
+                          </p:cTn>
+                        </p:par>
+                      </p:childTnLst>
+                    </p:cTn>
+                  </p:par>
+                  <p:par>
+                    <p:cTn id="11" fill="hold">
+                      <p:stCondLst>
+                        <p:cond delay="indefinite"/>
+                      </p:stCondLst>
+                      <p:childTnLst>
+                        <p:par>
+                          <p:cTn id="12" fill="hold">
+                            <p:stCondLst>
+                              <p:cond delay="0"/>
+                            </p:stCondLst>
+                            <p:childTnLst>
+                              <p:par>
+                                <p:cTn id="13" presetID="1" presetClass="entr" presetSubtype="0" fill="hold" nodeType="clickEffect">
+                                  <p:stCondLst>
+                                    <p:cond delay="0"/>
+                                  </p:stCondLst>
+                                  <p:childTnLst>
+                                    <p:set>
+                                      <p:cBhvr>
+                                        <p:cTn id="14" dur="1" fill="hold">
+                                          <p:stCondLst>
+                                            <p:cond delay="0"/>
+                                          </p:stCondLst>
+                                        </p:cTn>
+                                        <p:tgtEl>
+                                          <p:spTgt spid="4"/>
+                                        </p:tgtEl>
+                                        <p:attrNameLst>
+                                          <p:attrName>style.visibility</p:attrName>
+                                        </p:attrNameLst>
+                                      </p:cBhvr>
+                                      <p:to>
+                                        <p:strVal val="visible"/>
+                                      </p:to>
+                                    </p:set>
+                                  </p:childTnLst>
+                                </p:cTn>
+                              </p:par>
+                              <p:par>
+                                <p:cTn id="15" presetID="1" presetClass="entr" presetSubtype="0" fill="hold" nodeType="withEffect">
+                                  <p:stCondLst>
+                                    <p:cond delay="0"/>
+                                  </p:stCondLst>
+                                  <p:childTnLst>
+                                    <p:set>
+                                      <p:cBhvr>
+                                        <p:cTn id="16" dur="1" fill="hold">
+                                          <p:stCondLst>
+                                            <p:cond delay="0"/>
+                                          </p:stCondLst>
+                                        </p:cTn>
+                                        <p:tgtEl>
+                                          <p:spTgt spid="33"/>
+                                        </p:tgtEl>
+                                        <p:attrNameLst>
+                                          <p:attrName>style.visibility</p:attrName>
+                                        </p:attrNameLst>
+                                      </p:cBhvr>
+                                      <p:to>
+                                        <p:strVal val="visible"/>
+                                      </p:to>
+                                    </p:set>
+                                  </p:childTnLst>
+                                </p:cTn>
+                              </p:par>
+                            </p:childTnLst>
+                          </p:cTn>
+                        </p:par>
+                      </p:childTnLst>
+                    </p:cTn>
+                  </p:par>
+                  <p:par>
+                    <p:cTn id="17" fill="hold">
+                      <p:stCondLst>
+                        <p:cond delay="indefinite"/>
+                      </p:stCondLst>
+                      <p:childTnLst>
+                        <p:par>
+                          <p:cTn id="18" fill="hold">
+                            <p:stCondLst>
+                              <p:cond delay="0"/>
+                            </p:stCondLst>
+                            <p:childTnLst>
+                              <p:par>
+                                <p:cTn id="19" presetID="1" presetClass="entr" presetSubtype="0" fill="hold" nodeType="clickEffect">
+                                  <p:stCondLst>
+                                    <p:cond delay="0"/>
+                                  </p:stCondLst>
+                                  <p:childTnLst>
+                                    <p:set>
+                                      <p:cBhvr>
+                                        <p:cTn id="20" dur="1" fill="hold">
+                                          <p:stCondLst>
+                                            <p:cond delay="0"/>
+                                          </p:stCondLst>
+                                        </p:cTn>
+                                        <p:tgtEl>
+                                          <p:spTgt spid="36"/>
+                                        </p:tgtEl>
+                                        <p:attrNameLst>
+                                          <p:attrName>style.visibility</p:attrName>
+                                        </p:attrNameLst>
+                                      </p:cBhvr>
+                                      <p:to>
+                                        <p:strVal val="visible"/>
+                                      </p:to>
+                                    </p:set>
+                                  </p:childTnLst>
+                                </p:cTn>
+                              </p:par>
+                            </p:childTnLst>
+                          </p:cTn>
+                        </p:par>
+                      </p:childTnLst>
+                    </p:cTn>
+                  </p:par>
+                  <p:par>
+                    <p:cTn id="21" fill="hold">
+                      <p:stCondLst>
+                        <p:cond delay="indefinite"/>
+                      </p:stCondLst>
+                      <p:childTnLst>
+                        <p:par>
+                          <p:cTn id="22" fill="hold">
+                            <p:stCondLst>
+                              <p:cond delay="0"/>
+                            </p:stCondLst>
+                            <p:childTnLst>
+                              <p:par>
+                                <p:cTn id="23" presetID="1" presetClass="entr" presetSubtype="0" fill="hold" nodeType="clickEffect">
+                                  <p:stCondLst>
+                                    <p:cond delay="0"/>
+                                  </p:stCondLst>
+                                  <p:childTnLst>
+                                    <p:set>
+                                      <p:cBhvr>
+                                        <p:cTn id="24" dur="1" fill="hold">
+                                          <p:stCondLst>
+                                            <p:cond delay="0"/>
+                                          </p:stCondLst>
+                                        </p:cTn>
+                                        <p:tgtEl>
+                                          <p:spTgt spid="38"/>
+                                        </p:tgtEl>
+                                        <p:attrNameLst>
+                                          <p:attrName>style.visibility</p:attrName>
+                                        </p:attrNameLst>
+                                      </p:cBhvr>
+                                      <p:to>
+                                        <p:strVal val="visible"/>
+                                      </p:to>
+                                    </p:set>
+                                  </p:childTnLst>
+                                </p:cTn>
+                              </p:par>
+                            </p:childTnLst>
+                          </p:cTn>
+                        </p:par>
+                      </p:childTnLst>
+                    </p:cTn>
+                  </p:par>
+                  <p:par>
+                    <p:cTn id="25" fill="hold">
+                      <p:stCondLst>
+                        <p:cond delay="indefinite"/>
+                      </p:stCondLst>
+                      <p:childTnLst>
+                        <p:par>
+                          <p:cTn id="26" fill="hold">
+                            <p:stCondLst>
+                              <p:cond delay="0"/>
+                            </p:stCondLst>
+                            <p:childTnLst>
+                              <p:par>
+                                <p:cTn id="27" presetID="1" presetClass="entr" presetSubtype="0" fill="hold" nodeType="clickEffect">
+                                  <p:stCondLst>
+                                    <p:cond delay="0"/>
+                                  </p:stCondLst>
+                                  <p:childTnLst>
+                                    <p:set>
+                                      <p:cBhvr>
+                                        <p:cTn id="28" dur="1" fill="hold">
+                                          <p:stCondLst>
+                                            <p:cond delay="0"/>
+                                          </p:stCondLst>
+                                        </p:cTn>
+                                        <p:tgtEl>
+                                          <p:spTgt spid="57"/>
+                                        </p:tgtEl>
+                                        <p:attrNameLst>
+                                          <p:attrName>style.visibility</p:attrName>
+                                        </p:attrNameLst>
+                                      </p:cBhvr>
+                                      <p:to>
+                                        <p:strVal val="visible"/>
+                                      </p:to>
+                                    </p:set>
+                                  </p:childTnLst>
+                                </p:cTn>
+                              </p:par>
+                              <p:par>
+                                <p:cTn id="29" presetID="1" presetClass="entr" presetSubtype="0" fill="hold" nodeType="withEffect">
+                                  <p:stCondLst>
+                                    <p:cond delay="0"/>
+                                  </p:stCondLst>
+                                  <p:childTnLst>
+                                    <p:set>
+                                      <p:cBhvr>
+                                        <p:cTn id="30" dur="1" fill="hold">
                                           <p:stCondLst>
                                             <p:cond delay="0"/>
                                           </p:stCondLst>
@@ -10227,32 +14408,32 @@
                     </p:cTn>
                   </p:par>
                   <p:par>
-                    <p:cTn id="19" fill="hold">
+                    <p:cTn id="31" fill="hold">
                       <p:stCondLst>
                         <p:cond delay="indefinite"/>
                       </p:stCondLst>
                       <p:childTnLst>
                         <p:par>
-                          <p:cTn id="20" fill="hold">
+                          <p:cTn id="32" fill="hold">
                             <p:stCondLst>
                               <p:cond delay="0"/>
                             </p:stCondLst>
                             <p:childTnLst>
                               <p:par>
-                                <p:cTn id="21" presetID="1" presetClass="entr" presetSubtype="0" fill="hold" nodeType="clickEffect">
+                                <p:cTn id="33" presetID="1" presetClass="entr" presetSubtype="0" fill="hold" nodeType="clickEffect">
                                   <p:stCondLst>
                                     <p:cond delay="0"/>
                                   </p:stCondLst>
                                   <p:childTnLst>
                                     <p:set>
                                       <p:cBhvr>
-                                        <p:cTn id="22" dur="1" fill="hold">
+                                        <p:cTn id="34" dur="1" fill="hold">
                                           <p:stCondLst>
                                             <p:cond delay="0"/>
                                           </p:stCondLst>
                                         </p:cTn>
                                         <p:tgtEl>
-                                          <p:spTgt spid="43"/>
+                                          <p:spTgt spid="53"/>
                                         </p:tgtEl>
                                         <p:attrNameLst>
                                           <p:attrName>style.visibility</p:attrName>
@@ -10265,39 +14446,48 @@
                                   </p:childTnLst>
                                 </p:cTn>
                               </p:par>
-                            </p:childTnLst>
-                          </p:cTn>
-                        </p:par>
-                      </p:childTnLst>
-                    </p:cTn>
-                  </p:par>
-                  <p:par>
-                    <p:cTn id="23" fill="hold">
-                      <p:stCondLst>
-                        <p:cond delay="indefinite"/>
-                      </p:stCondLst>
-                      <p:childTnLst>
-                        <p:par>
-                          <p:cTn id="24" fill="hold">
-                            <p:stCondLst>
-                              <p:cond delay="0"/>
-                            </p:stCondLst>
-                            <p:childTnLst>
                               <p:par>
-                                <p:cTn id="25" presetID="1" presetClass="entr" presetSubtype="0" fill="hold" nodeType="clickEffect">
+                                <p:cTn id="35" presetID="1" presetClass="entr" presetSubtype="0" fill="hold" nodeType="withEffect">
                                   <p:stCondLst>
                                     <p:cond delay="0"/>
                                   </p:stCondLst>
                                   <p:childTnLst>
                                     <p:set>
                                       <p:cBhvr>
-                                        <p:cTn id="26" dur="1" fill="hold">
+                                        <p:cTn id="36" dur="1" fill="hold">
                                           <p:stCondLst>
                                             <p:cond delay="0"/>
                                           </p:stCondLst>
                                         </p:cTn>
                                         <p:tgtEl>
-                                          <p:spTgt spid="32"/>
+                                          <p:spTgt spid="80"/>
+                                        </p:tgtEl>
+                                        <p:attrNameLst>
+                                          <p:attrName>style.visibility</p:attrName>
+                                        </p:attrNameLst>
+                                      </p:cBhvr>
+                                      <p:to>
+                                        <p:strVal val="visible"/>
+                                      </p:to>
+                                    </p:set>
+                                  </p:childTnLst>
+                                </p:cTn>
+                              </p:par>
+                              <p:par>
+                                <p:cTn id="37" presetID="1" presetClass="entr" presetSubtype="0" fill="hold" nodeType="withEffect">
+                                  <p:stCondLst>
+                                    <p:cond delay="0"/>
+                                  </p:stCondLst>
+                                  <p:childTnLst>
+                                    <p:set>
+                                      <p:cBhvr>
+                                        <p:cTn id="38" dur="1" fill="hold">
+                                          <p:stCondLst>
+                                            <p:cond delay="0"/>
+                                          </p:stCondLst>
+                                        </p:cTn>
+                                        <p:tgtEl>
+                                          <p:spTgt spid="83"/>
                                         </p:tgtEl>
                                         <p:attrNameLst>
                                           <p:attrName>style.visibility</p:attrName>

--- a/Documentos/Arquitetura/Arquitetura.pptx
+++ b/Documentos/Arquitetura/Arquitetura.pptx
@@ -121,7 +121,7 @@
 <file path=ppt/revisionInfo.xml><?xml version="1.0" encoding="utf-8"?>
 <p1510:revInfo xmlns:a="http://schemas.openxmlformats.org/drawingml/2006/main" xmlns:r="http://schemas.openxmlformats.org/officeDocument/2006/relationships" xmlns:p1510="http://schemas.microsoft.com/office/powerpoint/2015/10/main">
   <p1510:revLst>
-    <p1510:client id="{1B51FF1B-CCB7-4CA7-8C16-6C5B1943B6E4}" v="12" dt="2022-03-03T23:53:08.270"/>
+    <p1510:client id="{C703BE55-F222-4277-8059-1969CEBA5954}" v="2" dt="2022-03-15T12:19:58.062"/>
   </p1510:revLst>
 </p1510:revInfo>
 </file>
@@ -883,6 +883,307 @@
         </pc:spChg>
         <pc:spChg chg="mod">
           <ac:chgData name="Ferreira, Vinicius Novais" userId="cbb4d67d-f9b3-40c7-a629-1bdeb4d5c819" providerId="ADAL" clId="{1B51FF1B-CCB7-4CA7-8C16-6C5B1943B6E4}" dt="2022-03-03T23:33:53.423" v="216" actId="20577"/>
+          <ac:spMkLst>
+            <pc:docMk/>
+            <pc:sldMk cId="2381937807" sldId="261"/>
+            <ac:spMk id="37" creationId="{919810D6-0230-4457-A7ED-9F162FCA52D7}"/>
+          </ac:spMkLst>
+        </pc:spChg>
+      </pc:sldChg>
+    </pc:docChg>
+  </pc:docChgLst>
+  <pc:docChgLst>
+    <pc:chgData name="Ferreira, Vinicius Novais" userId="cbb4d67d-f9b3-40c7-a629-1bdeb4d5c819" providerId="ADAL" clId="{C703BE55-F222-4277-8059-1969CEBA5954}"/>
+    <pc:docChg chg="undo custSel modSld">
+      <pc:chgData name="Ferreira, Vinicius Novais" userId="cbb4d67d-f9b3-40c7-a629-1bdeb4d5c819" providerId="ADAL" clId="{C703BE55-F222-4277-8059-1969CEBA5954}" dt="2022-03-15T12:31:01.537" v="44" actId="20577"/>
+      <pc:docMkLst>
+        <pc:docMk/>
+      </pc:docMkLst>
+      <pc:sldChg chg="addSp modSp mod modAnim">
+        <pc:chgData name="Ferreira, Vinicius Novais" userId="cbb4d67d-f9b3-40c7-a629-1bdeb4d5c819" providerId="ADAL" clId="{C703BE55-F222-4277-8059-1969CEBA5954}" dt="2022-03-15T12:20:32.615" v="24" actId="14100"/>
+        <pc:sldMkLst>
+          <pc:docMk/>
+          <pc:sldMk cId="4109780595" sldId="258"/>
+        </pc:sldMkLst>
+        <pc:spChg chg="mod">
+          <ac:chgData name="Ferreira, Vinicius Novais" userId="cbb4d67d-f9b3-40c7-a629-1bdeb4d5c819" providerId="ADAL" clId="{C703BE55-F222-4277-8059-1969CEBA5954}" dt="2022-03-15T12:19:18.077" v="8" actId="1076"/>
+          <ac:spMkLst>
+            <pc:docMk/>
+            <pc:sldMk cId="4109780595" sldId="258"/>
+            <ac:spMk id="26" creationId="{53D4BAC7-9AF6-4296-9C51-A1E1E3FC0E7D}"/>
+          </ac:spMkLst>
+        </pc:spChg>
+        <pc:spChg chg="mod">
+          <ac:chgData name="Ferreira, Vinicius Novais" userId="cbb4d67d-f9b3-40c7-a629-1bdeb4d5c819" providerId="ADAL" clId="{C703BE55-F222-4277-8059-1969CEBA5954}" dt="2022-03-15T12:19:24.856" v="9" actId="1076"/>
+          <ac:spMkLst>
+            <pc:docMk/>
+            <pc:sldMk cId="4109780595" sldId="258"/>
+            <ac:spMk id="41" creationId="{7B2C236A-5545-4508-B203-00A74F992FF4}"/>
+          </ac:spMkLst>
+        </pc:spChg>
+        <pc:spChg chg="mod">
+          <ac:chgData name="Ferreira, Vinicius Novais" userId="cbb4d67d-f9b3-40c7-a629-1bdeb4d5c819" providerId="ADAL" clId="{C703BE55-F222-4277-8059-1969CEBA5954}" dt="2022-03-15T12:19:18.077" v="8" actId="1076"/>
+          <ac:spMkLst>
+            <pc:docMk/>
+            <pc:sldMk cId="4109780595" sldId="258"/>
+            <ac:spMk id="42" creationId="{6C7654B8-F4E3-4740-BCFE-22F7AD7C4692}"/>
+          </ac:spMkLst>
+        </pc:spChg>
+        <pc:spChg chg="mod">
+          <ac:chgData name="Ferreira, Vinicius Novais" userId="cbb4d67d-f9b3-40c7-a629-1bdeb4d5c819" providerId="ADAL" clId="{C703BE55-F222-4277-8059-1969CEBA5954}" dt="2022-03-15T12:19:58.062" v="17"/>
+          <ac:spMkLst>
+            <pc:docMk/>
+            <pc:sldMk cId="4109780595" sldId="258"/>
+            <ac:spMk id="46" creationId="{2BABE87C-194E-413A-8D4C-73CB1009326B}"/>
+          </ac:spMkLst>
+        </pc:spChg>
+        <pc:spChg chg="mod">
+          <ac:chgData name="Ferreira, Vinicius Novais" userId="cbb4d67d-f9b3-40c7-a629-1bdeb4d5c819" providerId="ADAL" clId="{C703BE55-F222-4277-8059-1969CEBA5954}" dt="2022-03-15T12:19:58.062" v="17"/>
+          <ac:spMkLst>
+            <pc:docMk/>
+            <pc:sldMk cId="4109780595" sldId="258"/>
+            <ac:spMk id="47" creationId="{2488044C-3CEA-4EB3-ABE9-F8D043C0C619}"/>
+          </ac:spMkLst>
+        </pc:spChg>
+        <pc:spChg chg="mod">
+          <ac:chgData name="Ferreira, Vinicius Novais" userId="cbb4d67d-f9b3-40c7-a629-1bdeb4d5c819" providerId="ADAL" clId="{C703BE55-F222-4277-8059-1969CEBA5954}" dt="2022-03-15T12:19:58.062" v="17"/>
+          <ac:spMkLst>
+            <pc:docMk/>
+            <pc:sldMk cId="4109780595" sldId="258"/>
+            <ac:spMk id="54" creationId="{0017F560-2347-4A9E-BAB5-FB7B170601A4}"/>
+          </ac:spMkLst>
+        </pc:spChg>
+        <pc:spChg chg="mod">
+          <ac:chgData name="Ferreira, Vinicius Novais" userId="cbb4d67d-f9b3-40c7-a629-1bdeb4d5c819" providerId="ADAL" clId="{C703BE55-F222-4277-8059-1969CEBA5954}" dt="2022-03-15T12:19:28.882" v="10" actId="1076"/>
+          <ac:spMkLst>
+            <pc:docMk/>
+            <pc:sldMk cId="4109780595" sldId="258"/>
+            <ac:spMk id="59" creationId="{B64BB765-773A-4859-A8AE-AE60DCA4F550}"/>
+          </ac:spMkLst>
+        </pc:spChg>
+        <pc:grpChg chg="mod">
+          <ac:chgData name="Ferreira, Vinicius Novais" userId="cbb4d67d-f9b3-40c7-a629-1bdeb4d5c819" providerId="ADAL" clId="{C703BE55-F222-4277-8059-1969CEBA5954}" dt="2022-03-15T12:19:18.077" v="8" actId="1076"/>
+          <ac:grpSpMkLst>
+            <pc:docMk/>
+            <pc:sldMk cId="4109780595" sldId="258"/>
+            <ac:grpSpMk id="33" creationId="{4639FD4C-E367-46C6-90E9-127C919CEE49}"/>
+          </ac:grpSpMkLst>
+        </pc:grpChg>
+        <pc:grpChg chg="add mod">
+          <ac:chgData name="Ferreira, Vinicius Novais" userId="cbb4d67d-f9b3-40c7-a629-1bdeb4d5c819" providerId="ADAL" clId="{C703BE55-F222-4277-8059-1969CEBA5954}" dt="2022-03-15T12:20:28.336" v="23" actId="688"/>
+          <ac:grpSpMkLst>
+            <pc:docMk/>
+            <pc:sldMk cId="4109780595" sldId="258"/>
+            <ac:grpSpMk id="45" creationId="{EE4C9D11-4466-4FD5-835C-9B0DE55313FA}"/>
+          </ac:grpSpMkLst>
+        </pc:grpChg>
+        <pc:grpChg chg="mod ord">
+          <ac:chgData name="Ferreira, Vinicius Novais" userId="cbb4d67d-f9b3-40c7-a629-1bdeb4d5c819" providerId="ADAL" clId="{C703BE55-F222-4277-8059-1969CEBA5954}" dt="2022-03-15T12:19:50.936" v="15" actId="166"/>
+          <ac:grpSpMkLst>
+            <pc:docMk/>
+            <pc:sldMk cId="4109780595" sldId="258"/>
+            <ac:grpSpMk id="68" creationId="{5B832F91-8178-4A90-B051-FB9A966392CD}"/>
+          </ac:grpSpMkLst>
+        </pc:grpChg>
+        <pc:grpChg chg="mod">
+          <ac:chgData name="Ferreira, Vinicius Novais" userId="cbb4d67d-f9b3-40c7-a629-1bdeb4d5c819" providerId="ADAL" clId="{C703BE55-F222-4277-8059-1969CEBA5954}" dt="2022-03-15T12:19:35.816" v="11" actId="1076"/>
+          <ac:grpSpMkLst>
+            <pc:docMk/>
+            <pc:sldMk cId="4109780595" sldId="258"/>
+            <ac:grpSpMk id="80" creationId="{DBCB171D-4273-4978-B440-78A94490FDB7}"/>
+          </ac:grpSpMkLst>
+        </pc:grpChg>
+        <pc:grpChg chg="mod">
+          <ac:chgData name="Ferreira, Vinicius Novais" userId="cbb4d67d-f9b3-40c7-a629-1bdeb4d5c819" providerId="ADAL" clId="{C703BE55-F222-4277-8059-1969CEBA5954}" dt="2022-03-15T12:19:18.077" v="8" actId="1076"/>
+          <ac:grpSpMkLst>
+            <pc:docMk/>
+            <pc:sldMk cId="4109780595" sldId="258"/>
+            <ac:grpSpMk id="83" creationId="{F4C1D77E-12E0-4DBD-81AF-9F31264A2E8C}"/>
+          </ac:grpSpMkLst>
+        </pc:grpChg>
+        <pc:cxnChg chg="mod ord">
+          <ac:chgData name="Ferreira, Vinicius Novais" userId="cbb4d67d-f9b3-40c7-a629-1bdeb4d5c819" providerId="ADAL" clId="{C703BE55-F222-4277-8059-1969CEBA5954}" dt="2022-03-15T12:19:55.301" v="16" actId="14100"/>
+          <ac:cxnSpMkLst>
+            <pc:docMk/>
+            <pc:sldMk cId="4109780595" sldId="258"/>
+            <ac:cxnSpMk id="4" creationId="{5F5EC3B7-64A2-4E9F-9033-5B554351DB3A}"/>
+          </ac:cxnSpMkLst>
+        </pc:cxnChg>
+        <pc:cxnChg chg="mod">
+          <ac:chgData name="Ferreira, Vinicius Novais" userId="cbb4d67d-f9b3-40c7-a629-1bdeb4d5c819" providerId="ADAL" clId="{C703BE55-F222-4277-8059-1969CEBA5954}" dt="2022-03-15T12:19:18.077" v="8" actId="1076"/>
+          <ac:cxnSpMkLst>
+            <pc:docMk/>
+            <pc:sldMk cId="4109780595" sldId="258"/>
+            <ac:cxnSpMk id="36" creationId="{B564FFAE-11FE-4A1E-A1C5-88EBA4A63D68}"/>
+          </ac:cxnSpMkLst>
+        </pc:cxnChg>
+        <pc:cxnChg chg="mod">
+          <ac:chgData name="Ferreira, Vinicius Novais" userId="cbb4d67d-f9b3-40c7-a629-1bdeb4d5c819" providerId="ADAL" clId="{C703BE55-F222-4277-8059-1969CEBA5954}" dt="2022-03-15T12:19:18.077" v="8" actId="1076"/>
+          <ac:cxnSpMkLst>
+            <pc:docMk/>
+            <pc:sldMk cId="4109780595" sldId="258"/>
+            <ac:cxnSpMk id="38" creationId="{CC59C84A-FEF2-456E-8305-8E17B6298CCC}"/>
+          </ac:cxnSpMkLst>
+        </pc:cxnChg>
+        <pc:cxnChg chg="add mod">
+          <ac:chgData name="Ferreira, Vinicius Novais" userId="cbb4d67d-f9b3-40c7-a629-1bdeb4d5c819" providerId="ADAL" clId="{C703BE55-F222-4277-8059-1969CEBA5954}" dt="2022-03-15T12:20:32.615" v="24" actId="14100"/>
+          <ac:cxnSpMkLst>
+            <pc:docMk/>
+            <pc:sldMk cId="4109780595" sldId="258"/>
+            <ac:cxnSpMk id="55" creationId="{06790F19-7E1B-4CC3-B7F1-1ED955242E2C}"/>
+          </ac:cxnSpMkLst>
+        </pc:cxnChg>
+        <pc:cxnChg chg="mod">
+          <ac:chgData name="Ferreira, Vinicius Novais" userId="cbb4d67d-f9b3-40c7-a629-1bdeb4d5c819" providerId="ADAL" clId="{C703BE55-F222-4277-8059-1969CEBA5954}" dt="2022-03-15T12:19:18.077" v="8" actId="1076"/>
+          <ac:cxnSpMkLst>
+            <pc:docMk/>
+            <pc:sldMk cId="4109780595" sldId="258"/>
+            <ac:cxnSpMk id="57" creationId="{A79A44EB-F8A2-4EC1-AF33-61459CC6F97B}"/>
+          </ac:cxnSpMkLst>
+        </pc:cxnChg>
+      </pc:sldChg>
+      <pc:sldChg chg="delSp modSp mod delAnim">
+        <pc:chgData name="Ferreira, Vinicius Novais" userId="cbb4d67d-f9b3-40c7-a629-1bdeb4d5c819" providerId="ADAL" clId="{C703BE55-F222-4277-8059-1969CEBA5954}" dt="2022-03-15T12:21:30.890" v="34" actId="20577"/>
+        <pc:sldMkLst>
+          <pc:docMk/>
+          <pc:sldMk cId="1813872147" sldId="259"/>
+        </pc:sldMkLst>
+        <pc:spChg chg="mod">
+          <ac:chgData name="Ferreira, Vinicius Novais" userId="cbb4d67d-f9b3-40c7-a629-1bdeb4d5c819" providerId="ADAL" clId="{C703BE55-F222-4277-8059-1969CEBA5954}" dt="2022-03-15T12:21:30.890" v="34" actId="20577"/>
+          <ac:spMkLst>
+            <pc:docMk/>
+            <pc:sldMk cId="1813872147" sldId="259"/>
+            <ac:spMk id="85" creationId="{2EDEA5D3-7A3C-485A-A22C-0BA59B14CF74}"/>
+          </ac:spMkLst>
+        </pc:spChg>
+        <pc:grpChg chg="del">
+          <ac:chgData name="Ferreira, Vinicius Novais" userId="cbb4d67d-f9b3-40c7-a629-1bdeb4d5c819" providerId="ADAL" clId="{C703BE55-F222-4277-8059-1969CEBA5954}" dt="2022-03-15T12:18:16.545" v="0" actId="478"/>
+          <ac:grpSpMkLst>
+            <pc:docMk/>
+            <pc:sldMk cId="1813872147" sldId="259"/>
+            <ac:grpSpMk id="23" creationId="{C11E98B6-FD4F-A340-AE37-2AB983DDB323}"/>
+          </ac:grpSpMkLst>
+        </pc:grpChg>
+        <pc:cxnChg chg="del">
+          <ac:chgData name="Ferreira, Vinicius Novais" userId="cbb4d67d-f9b3-40c7-a629-1bdeb4d5c819" providerId="ADAL" clId="{C703BE55-F222-4277-8059-1969CEBA5954}" dt="2022-03-15T12:18:17.656" v="1" actId="478"/>
+          <ac:cxnSpMkLst>
+            <pc:docMk/>
+            <pc:sldMk cId="1813872147" sldId="259"/>
+            <ac:cxnSpMk id="32" creationId="{98D01577-A800-41EB-9C6A-0CBDD91312B1}"/>
+          </ac:cxnSpMkLst>
+        </pc:cxnChg>
+      </pc:sldChg>
+      <pc:sldChg chg="addSp modSp mod modAnim">
+        <pc:chgData name="Ferreira, Vinicius Novais" userId="cbb4d67d-f9b3-40c7-a629-1bdeb4d5c819" providerId="ADAL" clId="{C703BE55-F222-4277-8059-1969CEBA5954}" dt="2022-03-15T12:18:45.800" v="3"/>
+        <pc:sldMkLst>
+          <pc:docMk/>
+          <pc:sldMk cId="2802622514" sldId="260"/>
+        </pc:sldMkLst>
+        <pc:spChg chg="mod">
+          <ac:chgData name="Ferreira, Vinicius Novais" userId="cbb4d67d-f9b3-40c7-a629-1bdeb4d5c819" providerId="ADAL" clId="{C703BE55-F222-4277-8059-1969CEBA5954}" dt="2022-03-15T12:18:45.800" v="3"/>
+          <ac:spMkLst>
+            <pc:docMk/>
+            <pc:sldMk cId="2802622514" sldId="260"/>
+            <ac:spMk id="34" creationId="{7E23FE95-2407-4E5E-B2C1-62412229B561}"/>
+          </ac:spMkLst>
+        </pc:spChg>
+        <pc:spChg chg="mod">
+          <ac:chgData name="Ferreira, Vinicius Novais" userId="cbb4d67d-f9b3-40c7-a629-1bdeb4d5c819" providerId="ADAL" clId="{C703BE55-F222-4277-8059-1969CEBA5954}" dt="2022-03-15T12:18:45.800" v="3"/>
+          <ac:spMkLst>
+            <pc:docMk/>
+            <pc:sldMk cId="2802622514" sldId="260"/>
+            <ac:spMk id="35" creationId="{89794972-33A7-455A-9780-A082FD25717A}"/>
+          </ac:spMkLst>
+        </pc:spChg>
+        <pc:spChg chg="mod">
+          <ac:chgData name="Ferreira, Vinicius Novais" userId="cbb4d67d-f9b3-40c7-a629-1bdeb4d5c819" providerId="ADAL" clId="{C703BE55-F222-4277-8059-1969CEBA5954}" dt="2022-03-15T12:18:45.800" v="3"/>
+          <ac:spMkLst>
+            <pc:docMk/>
+            <pc:sldMk cId="2802622514" sldId="260"/>
+            <ac:spMk id="36" creationId="{F0DD42B8-8709-4964-91D6-BA84779934D6}"/>
+          </ac:spMkLst>
+        </pc:spChg>
+        <pc:grpChg chg="mod">
+          <ac:chgData name="Ferreira, Vinicius Novais" userId="cbb4d67d-f9b3-40c7-a629-1bdeb4d5c819" providerId="ADAL" clId="{C703BE55-F222-4277-8059-1969CEBA5954}" dt="2022-03-15T12:18:44.667" v="2" actId="1076"/>
+          <ac:grpSpMkLst>
+            <pc:docMk/>
+            <pc:sldMk cId="2802622514" sldId="260"/>
+            <ac:grpSpMk id="23" creationId="{C11E98B6-FD4F-A340-AE37-2AB983DDB323}"/>
+          </ac:grpSpMkLst>
+        </pc:grpChg>
+        <pc:grpChg chg="add mod">
+          <ac:chgData name="Ferreira, Vinicius Novais" userId="cbb4d67d-f9b3-40c7-a629-1bdeb4d5c819" providerId="ADAL" clId="{C703BE55-F222-4277-8059-1969CEBA5954}" dt="2022-03-15T12:18:45.800" v="3"/>
+          <ac:grpSpMkLst>
+            <pc:docMk/>
+            <pc:sldMk cId="2802622514" sldId="260"/>
+            <ac:grpSpMk id="33" creationId="{A13EA1BC-1767-4742-A9D3-3315DC12D8EB}"/>
+          </ac:grpSpMkLst>
+        </pc:grpChg>
+        <pc:grpChg chg="mod">
+          <ac:chgData name="Ferreira, Vinicius Novais" userId="cbb4d67d-f9b3-40c7-a629-1bdeb4d5c819" providerId="ADAL" clId="{C703BE55-F222-4277-8059-1969CEBA5954}" dt="2022-03-15T12:18:44.667" v="2" actId="1076"/>
+          <ac:grpSpMkLst>
+            <pc:docMk/>
+            <pc:sldMk cId="2802622514" sldId="260"/>
+            <ac:grpSpMk id="72" creationId="{F0E83028-318A-4D2F-83A3-D3200DE7BBFE}"/>
+          </ac:grpSpMkLst>
+        </pc:grpChg>
+        <pc:grpChg chg="mod">
+          <ac:chgData name="Ferreira, Vinicius Novais" userId="cbb4d67d-f9b3-40c7-a629-1bdeb4d5c819" providerId="ADAL" clId="{C703BE55-F222-4277-8059-1969CEBA5954}" dt="2022-03-15T12:18:44.667" v="2" actId="1076"/>
+          <ac:grpSpMkLst>
+            <pc:docMk/>
+            <pc:sldMk cId="2802622514" sldId="260"/>
+            <ac:grpSpMk id="76" creationId="{17D170F2-3B62-4E27-9016-45C81F757066}"/>
+          </ac:grpSpMkLst>
+        </pc:grpChg>
+        <pc:grpChg chg="mod">
+          <ac:chgData name="Ferreira, Vinicius Novais" userId="cbb4d67d-f9b3-40c7-a629-1bdeb4d5c819" providerId="ADAL" clId="{C703BE55-F222-4277-8059-1969CEBA5954}" dt="2022-03-15T12:18:44.667" v="2" actId="1076"/>
+          <ac:grpSpMkLst>
+            <pc:docMk/>
+            <pc:sldMk cId="2802622514" sldId="260"/>
+            <ac:grpSpMk id="83" creationId="{087D0A49-D608-4F85-A875-6C897D3E0FA6}"/>
+          </ac:grpSpMkLst>
+        </pc:grpChg>
+        <pc:cxnChg chg="mod">
+          <ac:chgData name="Ferreira, Vinicius Novais" userId="cbb4d67d-f9b3-40c7-a629-1bdeb4d5c819" providerId="ADAL" clId="{C703BE55-F222-4277-8059-1969CEBA5954}" dt="2022-03-15T12:18:44.667" v="2" actId="1076"/>
+          <ac:cxnSpMkLst>
+            <pc:docMk/>
+            <pc:sldMk cId="2802622514" sldId="260"/>
+            <ac:cxnSpMk id="32" creationId="{98D01577-A800-41EB-9C6A-0CBDD91312B1}"/>
+          </ac:cxnSpMkLst>
+        </pc:cxnChg>
+        <pc:cxnChg chg="add mod">
+          <ac:chgData name="Ferreira, Vinicius Novais" userId="cbb4d67d-f9b3-40c7-a629-1bdeb4d5c819" providerId="ADAL" clId="{C703BE55-F222-4277-8059-1969CEBA5954}" dt="2022-03-15T12:18:45.800" v="3"/>
+          <ac:cxnSpMkLst>
+            <pc:docMk/>
+            <pc:sldMk cId="2802622514" sldId="260"/>
+            <ac:cxnSpMk id="37" creationId="{03AFED5C-8B91-48E1-A0EA-B5CBCED10A03}"/>
+          </ac:cxnSpMkLst>
+        </pc:cxnChg>
+        <pc:cxnChg chg="mod">
+          <ac:chgData name="Ferreira, Vinicius Novais" userId="cbb4d67d-f9b3-40c7-a629-1bdeb4d5c819" providerId="ADAL" clId="{C703BE55-F222-4277-8059-1969CEBA5954}" dt="2022-03-15T12:18:44.667" v="2" actId="1076"/>
+          <ac:cxnSpMkLst>
+            <pc:docMk/>
+            <pc:sldMk cId="2802622514" sldId="260"/>
+            <ac:cxnSpMk id="71" creationId="{75AF9792-45C5-4EDC-86F4-3BC4CBE4D8CE}"/>
+          </ac:cxnSpMkLst>
+        </pc:cxnChg>
+        <pc:cxnChg chg="mod">
+          <ac:chgData name="Ferreira, Vinicius Novais" userId="cbb4d67d-f9b3-40c7-a629-1bdeb4d5c819" providerId="ADAL" clId="{C703BE55-F222-4277-8059-1969CEBA5954}" dt="2022-03-15T12:18:44.667" v="2" actId="1076"/>
+          <ac:cxnSpMkLst>
+            <pc:docMk/>
+            <pc:sldMk cId="2802622514" sldId="260"/>
+            <ac:cxnSpMk id="100" creationId="{A3583B6E-902C-4674-89ED-44F61664A5FF}"/>
+          </ac:cxnSpMkLst>
+        </pc:cxnChg>
+      </pc:sldChg>
+      <pc:sldChg chg="modSp mod">
+        <pc:chgData name="Ferreira, Vinicius Novais" userId="cbb4d67d-f9b3-40c7-a629-1bdeb4d5c819" providerId="ADAL" clId="{C703BE55-F222-4277-8059-1969CEBA5954}" dt="2022-03-15T12:31:01.537" v="44" actId="20577"/>
+        <pc:sldMkLst>
+          <pc:docMk/>
+          <pc:sldMk cId="2381937807" sldId="261"/>
+        </pc:sldMkLst>
+        <pc:spChg chg="mod">
+          <ac:chgData name="Ferreira, Vinicius Novais" userId="cbb4d67d-f9b3-40c7-a629-1bdeb4d5c819" providerId="ADAL" clId="{C703BE55-F222-4277-8059-1969CEBA5954}" dt="2022-03-15T12:31:01.537" v="44" actId="20577"/>
           <ac:spMkLst>
             <pc:docMk/>
             <pc:sldMk cId="2381937807" sldId="261"/>
@@ -1472,7 +1773,7 @@
           <a:p>
             <a:fld id="{EB78BB11-6ED1-49B1-A157-D60A9F50C8F4}" type="datetimeFigureOut">
               <a:rPr lang="pt-BR" smtClean="0"/>
-              <a:t>03/03/2022</a:t>
+              <a:t>15/03/2022</a:t>
             </a:fld>
             <a:endParaRPr lang="pt-BR"/>
           </a:p>
@@ -2054,7 +2355,7 @@
           <a:p>
             <a:fld id="{FDFA6A10-170F-4F7E-8A19-AA410CAE3664}" type="datetimeFigureOut">
               <a:rPr lang="pt-BR" smtClean="0"/>
-              <a:t>03/03/2022</a:t>
+              <a:t>15/03/2022</a:t>
             </a:fld>
             <a:endParaRPr lang="pt-BR"/>
           </a:p>
@@ -2252,7 +2553,7 @@
           <a:p>
             <a:fld id="{FDFA6A10-170F-4F7E-8A19-AA410CAE3664}" type="datetimeFigureOut">
               <a:rPr lang="pt-BR" smtClean="0"/>
-              <a:t>03/03/2022</a:t>
+              <a:t>15/03/2022</a:t>
             </a:fld>
             <a:endParaRPr lang="pt-BR"/>
           </a:p>
@@ -2460,7 +2761,7 @@
           <a:p>
             <a:fld id="{FDFA6A10-170F-4F7E-8A19-AA410CAE3664}" type="datetimeFigureOut">
               <a:rPr lang="pt-BR" smtClean="0"/>
-              <a:t>03/03/2022</a:t>
+              <a:t>15/03/2022</a:t>
             </a:fld>
             <a:endParaRPr lang="pt-BR"/>
           </a:p>
@@ -2658,7 +2959,7 @@
           <a:p>
             <a:fld id="{FDFA6A10-170F-4F7E-8A19-AA410CAE3664}" type="datetimeFigureOut">
               <a:rPr lang="pt-BR" smtClean="0"/>
-              <a:t>03/03/2022</a:t>
+              <a:t>15/03/2022</a:t>
             </a:fld>
             <a:endParaRPr lang="pt-BR"/>
           </a:p>
@@ -2933,7 +3234,7 @@
           <a:p>
             <a:fld id="{FDFA6A10-170F-4F7E-8A19-AA410CAE3664}" type="datetimeFigureOut">
               <a:rPr lang="pt-BR" smtClean="0"/>
-              <a:t>03/03/2022</a:t>
+              <a:t>15/03/2022</a:t>
             </a:fld>
             <a:endParaRPr lang="pt-BR"/>
           </a:p>
@@ -3198,7 +3499,7 @@
           <a:p>
             <a:fld id="{FDFA6A10-170F-4F7E-8A19-AA410CAE3664}" type="datetimeFigureOut">
               <a:rPr lang="pt-BR" smtClean="0"/>
-              <a:t>03/03/2022</a:t>
+              <a:t>15/03/2022</a:t>
             </a:fld>
             <a:endParaRPr lang="pt-BR"/>
           </a:p>
@@ -3610,7 +3911,7 @@
           <a:p>
             <a:fld id="{FDFA6A10-170F-4F7E-8A19-AA410CAE3664}" type="datetimeFigureOut">
               <a:rPr lang="pt-BR" smtClean="0"/>
-              <a:t>03/03/2022</a:t>
+              <a:t>15/03/2022</a:t>
             </a:fld>
             <a:endParaRPr lang="pt-BR"/>
           </a:p>
@@ -3751,7 +4052,7 @@
           <a:p>
             <a:fld id="{FDFA6A10-170F-4F7E-8A19-AA410CAE3664}" type="datetimeFigureOut">
               <a:rPr lang="pt-BR" smtClean="0"/>
-              <a:t>03/03/2022</a:t>
+              <a:t>15/03/2022</a:t>
             </a:fld>
             <a:endParaRPr lang="pt-BR"/>
           </a:p>
@@ -3864,7 +4165,7 @@
           <a:p>
             <a:fld id="{FDFA6A10-170F-4F7E-8A19-AA410CAE3664}" type="datetimeFigureOut">
               <a:rPr lang="pt-BR" smtClean="0"/>
-              <a:t>03/03/2022</a:t>
+              <a:t>15/03/2022</a:t>
             </a:fld>
             <a:endParaRPr lang="pt-BR"/>
           </a:p>
@@ -4175,7 +4476,7 @@
           <a:p>
             <a:fld id="{FDFA6A10-170F-4F7E-8A19-AA410CAE3664}" type="datetimeFigureOut">
               <a:rPr lang="pt-BR" smtClean="0"/>
-              <a:t>03/03/2022</a:t>
+              <a:t>15/03/2022</a:t>
             </a:fld>
             <a:endParaRPr lang="pt-BR"/>
           </a:p>
@@ -4463,7 +4764,7 @@
           <a:p>
             <a:fld id="{FDFA6A10-170F-4F7E-8A19-AA410CAE3664}" type="datetimeFigureOut">
               <a:rPr lang="pt-BR" smtClean="0"/>
-              <a:t>03/03/2022</a:t>
+              <a:t>15/03/2022</a:t>
             </a:fld>
             <a:endParaRPr lang="pt-BR"/>
           </a:p>
@@ -4704,7 +5005,7 @@
           <a:p>
             <a:fld id="{FDFA6A10-170F-4F7E-8A19-AA410CAE3664}" type="datetimeFigureOut">
               <a:rPr lang="pt-BR" smtClean="0"/>
-              <a:t>03/03/2022</a:t>
+              <a:t>15/03/2022</a:t>
             </a:fld>
             <a:endParaRPr lang="pt-BR"/>
           </a:p>
@@ -5905,7 +6206,7 @@
                     <a:prstClr val="white"/>
                   </a:solidFill>
                 </a:rPr>
-                <a:t>[Container: AWS]</a:t>
+                <a:t>[Container: SQL Server]</a:t>
               </a:r>
             </a:p>
           </p:txBody>
@@ -6186,824 +6487,6 @@
           </a:fontRef>
         </p:style>
       </p:cxnSp>
-      <p:grpSp>
-        <p:nvGrpSpPr>
-          <p:cNvPr id="23" name="Group 22">
-            <a:extLst>
-              <a:ext uri="{FF2B5EF4-FFF2-40B4-BE49-F238E27FC236}">
-                <a16:creationId xmlns:a16="http://schemas.microsoft.com/office/drawing/2014/main" id="{C11E98B6-FD4F-A340-AE37-2AB983DDB323}"/>
-              </a:ext>
-            </a:extLst>
-          </p:cNvPr>
-          <p:cNvGrpSpPr/>
-          <p:nvPr/>
-        </p:nvGrpSpPr>
-        <p:grpSpPr>
-          <a:xfrm>
-            <a:off x="946611" y="4018233"/>
-            <a:ext cx="2566458" cy="2089580"/>
-            <a:chOff x="9889827" y="4597385"/>
-            <a:chExt cx="2566458" cy="2089580"/>
-          </a:xfrm>
-        </p:grpSpPr>
-        <p:grpSp>
-          <p:nvGrpSpPr>
-            <p:cNvPr id="24" name="Group 23">
-              <a:extLst>
-                <a:ext uri="{FF2B5EF4-FFF2-40B4-BE49-F238E27FC236}">
-                  <a16:creationId xmlns:a16="http://schemas.microsoft.com/office/drawing/2014/main" id="{2CC5B7AC-CD77-6F46-8EC2-55133D24A073}"/>
-                </a:ext>
-              </a:extLst>
-            </p:cNvPr>
-            <p:cNvGrpSpPr/>
-            <p:nvPr/>
-          </p:nvGrpSpPr>
-          <p:grpSpPr>
-            <a:xfrm>
-              <a:off x="10024911" y="4597385"/>
-              <a:ext cx="2307053" cy="2089580"/>
-              <a:chOff x="7252020" y="3571513"/>
-              <a:chExt cx="2376264" cy="2178569"/>
-            </a:xfrm>
-          </p:grpSpPr>
-          <p:sp>
-            <p:nvSpPr>
-              <p:cNvPr id="27" name="Retângulo 48">
-                <a:extLst>
-                  <a:ext uri="{FF2B5EF4-FFF2-40B4-BE49-F238E27FC236}">
-                    <a16:creationId xmlns:a16="http://schemas.microsoft.com/office/drawing/2014/main" id="{B354B805-38E0-48D8-A21E-F7B79225D816}"/>
-                  </a:ext>
-                </a:extLst>
-              </p:cNvPr>
-              <p:cNvSpPr/>
-              <p:nvPr/>
-            </p:nvSpPr>
-            <p:spPr>
-              <a:xfrm>
-                <a:off x="7683409" y="4788743"/>
-                <a:ext cx="1198306" cy="338554"/>
-              </a:xfrm>
-              <a:prstGeom prst="rect">
-                <a:avLst/>
-              </a:prstGeom>
-            </p:spPr>
-            <p:txBody>
-              <a:bodyPr wrap="square">
-                <a:spAutoFit/>
-              </a:bodyPr>
-              <a:lstStyle>
-                <a:defPPr>
-                  <a:defRPr lang="pt-BR"/>
-                </a:defPPr>
-                <a:lvl1pPr marL="0" algn="l" defTabSz="1043056" rtl="0" eaLnBrk="1" latinLnBrk="0" hangingPunct="1">
-                  <a:defRPr sz="2100" kern="1200">
-                    <a:solidFill>
-                      <a:schemeClr val="tx1"/>
-                    </a:solidFill>
-                    <a:latin typeface="+mn-lt"/>
-                    <a:ea typeface="+mn-ea"/>
-                    <a:cs typeface="+mn-cs"/>
-                  </a:defRPr>
-                </a:lvl1pPr>
-                <a:lvl2pPr marL="521528" algn="l" defTabSz="1043056" rtl="0" eaLnBrk="1" latinLnBrk="0" hangingPunct="1">
-                  <a:defRPr sz="2100" kern="1200">
-                    <a:solidFill>
-                      <a:schemeClr val="tx1"/>
-                    </a:solidFill>
-                    <a:latin typeface="+mn-lt"/>
-                    <a:ea typeface="+mn-ea"/>
-                    <a:cs typeface="+mn-cs"/>
-                  </a:defRPr>
-                </a:lvl2pPr>
-                <a:lvl3pPr marL="1043056" algn="l" defTabSz="1043056" rtl="0" eaLnBrk="1" latinLnBrk="0" hangingPunct="1">
-                  <a:defRPr sz="2100" kern="1200">
-                    <a:solidFill>
-                      <a:schemeClr val="tx1"/>
-                    </a:solidFill>
-                    <a:latin typeface="+mn-lt"/>
-                    <a:ea typeface="+mn-ea"/>
-                    <a:cs typeface="+mn-cs"/>
-                  </a:defRPr>
-                </a:lvl3pPr>
-                <a:lvl4pPr marL="1564584" algn="l" defTabSz="1043056" rtl="0" eaLnBrk="1" latinLnBrk="0" hangingPunct="1">
-                  <a:defRPr sz="2100" kern="1200">
-                    <a:solidFill>
-                      <a:schemeClr val="tx1"/>
-                    </a:solidFill>
-                    <a:latin typeface="+mn-lt"/>
-                    <a:ea typeface="+mn-ea"/>
-                    <a:cs typeface="+mn-cs"/>
-                  </a:defRPr>
-                </a:lvl4pPr>
-                <a:lvl5pPr marL="2086112" algn="l" defTabSz="1043056" rtl="0" eaLnBrk="1" latinLnBrk="0" hangingPunct="1">
-                  <a:defRPr sz="2100" kern="1200">
-                    <a:solidFill>
-                      <a:schemeClr val="tx1"/>
-                    </a:solidFill>
-                    <a:latin typeface="+mn-lt"/>
-                    <a:ea typeface="+mn-ea"/>
-                    <a:cs typeface="+mn-cs"/>
-                  </a:defRPr>
-                </a:lvl5pPr>
-                <a:lvl6pPr marL="2607640" algn="l" defTabSz="1043056" rtl="0" eaLnBrk="1" latinLnBrk="0" hangingPunct="1">
-                  <a:defRPr sz="2100" kern="1200">
-                    <a:solidFill>
-                      <a:schemeClr val="tx1"/>
-                    </a:solidFill>
-                    <a:latin typeface="+mn-lt"/>
-                    <a:ea typeface="+mn-ea"/>
-                    <a:cs typeface="+mn-cs"/>
-                  </a:defRPr>
-                </a:lvl6pPr>
-                <a:lvl7pPr marL="3129168" algn="l" defTabSz="1043056" rtl="0" eaLnBrk="1" latinLnBrk="0" hangingPunct="1">
-                  <a:defRPr sz="2100" kern="1200">
-                    <a:solidFill>
-                      <a:schemeClr val="tx1"/>
-                    </a:solidFill>
-                    <a:latin typeface="+mn-lt"/>
-                    <a:ea typeface="+mn-ea"/>
-                    <a:cs typeface="+mn-cs"/>
-                  </a:defRPr>
-                </a:lvl7pPr>
-                <a:lvl8pPr marL="3650696" algn="l" defTabSz="1043056" rtl="0" eaLnBrk="1" latinLnBrk="0" hangingPunct="1">
-                  <a:defRPr sz="2100" kern="1200">
-                    <a:solidFill>
-                      <a:schemeClr val="tx1"/>
-                    </a:solidFill>
-                    <a:latin typeface="+mn-lt"/>
-                    <a:ea typeface="+mn-ea"/>
-                    <a:cs typeface="+mn-cs"/>
-                  </a:defRPr>
-                </a:lvl8pPr>
-                <a:lvl9pPr marL="4172224" algn="l" defTabSz="1043056" rtl="0" eaLnBrk="1" latinLnBrk="0" hangingPunct="1">
-                  <a:defRPr sz="2100" kern="1200">
-                    <a:solidFill>
-                      <a:schemeClr val="tx1"/>
-                    </a:solidFill>
-                    <a:latin typeface="+mn-lt"/>
-                    <a:ea typeface="+mn-ea"/>
-                    <a:cs typeface="+mn-cs"/>
-                  </a:defRPr>
-                </a:lvl9pPr>
-              </a:lstStyle>
-              <a:p>
-                <a:pPr lvl="0">
-                  <a:defRPr/>
-                </a:pPr>
-                <a:r>
-                  <a:rPr lang="pt-BR" sz="1600" dirty="0">
-                    <a:solidFill>
-                      <a:prstClr val="white"/>
-                    </a:solidFill>
-                  </a:rPr>
-                  <a:t>Dashboard</a:t>
-                </a:r>
-              </a:p>
-            </p:txBody>
-          </p:sp>
-          <p:sp>
-            <p:nvSpPr>
-              <p:cNvPr id="28" name="Rounded Rectangle 30">
-                <a:extLst>
-                  <a:ext uri="{FF2B5EF4-FFF2-40B4-BE49-F238E27FC236}">
-                    <a16:creationId xmlns:a16="http://schemas.microsoft.com/office/drawing/2014/main" id="{8DBD3C4E-8CC7-D64B-87EC-3B156ABEF290}"/>
-                  </a:ext>
-                </a:extLst>
-              </p:cNvPr>
-              <p:cNvSpPr/>
-              <p:nvPr/>
-            </p:nvSpPr>
-            <p:spPr>
-              <a:xfrm>
-                <a:off x="7252020" y="3571513"/>
-                <a:ext cx="2376264" cy="2178569"/>
-              </a:xfrm>
-              <a:prstGeom prst="roundRect">
-                <a:avLst/>
-              </a:prstGeom>
-              <a:solidFill>
-                <a:srgbClr val="32B9CD"/>
-              </a:solidFill>
-              <a:ln>
-                <a:solidFill>
-                  <a:schemeClr val="accent5">
-                    <a:lumMod val="75000"/>
-                  </a:schemeClr>
-                </a:solidFill>
-              </a:ln>
-            </p:spPr>
-            <p:style>
-              <a:lnRef idx="2">
-                <a:schemeClr val="accent1">
-                  <a:shade val="50000"/>
-                </a:schemeClr>
-              </a:lnRef>
-              <a:fillRef idx="1">
-                <a:schemeClr val="accent1"/>
-              </a:fillRef>
-              <a:effectRef idx="0">
-                <a:schemeClr val="accent1"/>
-              </a:effectRef>
-              <a:fontRef idx="minor">
-                <a:schemeClr val="lt1"/>
-              </a:fontRef>
-            </p:style>
-            <p:txBody>
-              <a:bodyPr rtlCol="0" anchor="ctr"/>
-              <a:lstStyle>
-                <a:defPPr>
-                  <a:defRPr lang="pt-BR"/>
-                </a:defPPr>
-                <a:lvl1pPr marL="0" algn="l" defTabSz="1043056" rtl="0" eaLnBrk="1" latinLnBrk="0" hangingPunct="1">
-                  <a:defRPr sz="2100" kern="1200">
-                    <a:solidFill>
-                      <a:schemeClr val="lt1"/>
-                    </a:solidFill>
-                    <a:latin typeface="+mn-lt"/>
-                    <a:ea typeface="+mn-ea"/>
-                    <a:cs typeface="+mn-cs"/>
-                  </a:defRPr>
-                </a:lvl1pPr>
-                <a:lvl2pPr marL="521528" algn="l" defTabSz="1043056" rtl="0" eaLnBrk="1" latinLnBrk="0" hangingPunct="1">
-                  <a:defRPr sz="2100" kern="1200">
-                    <a:solidFill>
-                      <a:schemeClr val="lt1"/>
-                    </a:solidFill>
-                    <a:latin typeface="+mn-lt"/>
-                    <a:ea typeface="+mn-ea"/>
-                    <a:cs typeface="+mn-cs"/>
-                  </a:defRPr>
-                </a:lvl2pPr>
-                <a:lvl3pPr marL="1043056" algn="l" defTabSz="1043056" rtl="0" eaLnBrk="1" latinLnBrk="0" hangingPunct="1">
-                  <a:defRPr sz="2100" kern="1200">
-                    <a:solidFill>
-                      <a:schemeClr val="lt1"/>
-                    </a:solidFill>
-                    <a:latin typeface="+mn-lt"/>
-                    <a:ea typeface="+mn-ea"/>
-                    <a:cs typeface="+mn-cs"/>
-                  </a:defRPr>
-                </a:lvl3pPr>
-                <a:lvl4pPr marL="1564584" algn="l" defTabSz="1043056" rtl="0" eaLnBrk="1" latinLnBrk="0" hangingPunct="1">
-                  <a:defRPr sz="2100" kern="1200">
-                    <a:solidFill>
-                      <a:schemeClr val="lt1"/>
-                    </a:solidFill>
-                    <a:latin typeface="+mn-lt"/>
-                    <a:ea typeface="+mn-ea"/>
-                    <a:cs typeface="+mn-cs"/>
-                  </a:defRPr>
-                </a:lvl4pPr>
-                <a:lvl5pPr marL="2086112" algn="l" defTabSz="1043056" rtl="0" eaLnBrk="1" latinLnBrk="0" hangingPunct="1">
-                  <a:defRPr sz="2100" kern="1200">
-                    <a:solidFill>
-                      <a:schemeClr val="lt1"/>
-                    </a:solidFill>
-                    <a:latin typeface="+mn-lt"/>
-                    <a:ea typeface="+mn-ea"/>
-                    <a:cs typeface="+mn-cs"/>
-                  </a:defRPr>
-                </a:lvl5pPr>
-                <a:lvl6pPr marL="2607640" algn="l" defTabSz="1043056" rtl="0" eaLnBrk="1" latinLnBrk="0" hangingPunct="1">
-                  <a:defRPr sz="2100" kern="1200">
-                    <a:solidFill>
-                      <a:schemeClr val="lt1"/>
-                    </a:solidFill>
-                    <a:latin typeface="+mn-lt"/>
-                    <a:ea typeface="+mn-ea"/>
-                    <a:cs typeface="+mn-cs"/>
-                  </a:defRPr>
-                </a:lvl6pPr>
-                <a:lvl7pPr marL="3129168" algn="l" defTabSz="1043056" rtl="0" eaLnBrk="1" latinLnBrk="0" hangingPunct="1">
-                  <a:defRPr sz="2100" kern="1200">
-                    <a:solidFill>
-                      <a:schemeClr val="lt1"/>
-                    </a:solidFill>
-                    <a:latin typeface="+mn-lt"/>
-                    <a:ea typeface="+mn-ea"/>
-                    <a:cs typeface="+mn-cs"/>
-                  </a:defRPr>
-                </a:lvl7pPr>
-                <a:lvl8pPr marL="3650696" algn="l" defTabSz="1043056" rtl="0" eaLnBrk="1" latinLnBrk="0" hangingPunct="1">
-                  <a:defRPr sz="2100" kern="1200">
-                    <a:solidFill>
-                      <a:schemeClr val="lt1"/>
-                    </a:solidFill>
-                    <a:latin typeface="+mn-lt"/>
-                    <a:ea typeface="+mn-ea"/>
-                    <a:cs typeface="+mn-cs"/>
-                  </a:defRPr>
-                </a:lvl8pPr>
-                <a:lvl9pPr marL="4172224" algn="l" defTabSz="1043056" rtl="0" eaLnBrk="1" latinLnBrk="0" hangingPunct="1">
-                  <a:defRPr sz="2100" kern="1200">
-                    <a:solidFill>
-                      <a:schemeClr val="lt1"/>
-                    </a:solidFill>
-                    <a:latin typeface="+mn-lt"/>
-                    <a:ea typeface="+mn-ea"/>
-                    <a:cs typeface="+mn-cs"/>
-                  </a:defRPr>
-                </a:lvl9pPr>
-              </a:lstStyle>
-              <a:p>
-                <a:pPr algn="ctr"/>
-                <a:endParaRPr lang="pt-BR" dirty="0">
-                  <a:solidFill>
-                    <a:prstClr val="white"/>
-                  </a:solidFill>
-                  <a:latin typeface="Calibri"/>
-                </a:endParaRPr>
-              </a:p>
-            </p:txBody>
-          </p:sp>
-          <p:cxnSp>
-            <p:nvCxnSpPr>
-              <p:cNvPr id="29" name="Straight Connector 28">
-                <a:extLst>
-                  <a:ext uri="{FF2B5EF4-FFF2-40B4-BE49-F238E27FC236}">
-                    <a16:creationId xmlns:a16="http://schemas.microsoft.com/office/drawing/2014/main" id="{31AE2028-FEEB-E24A-A160-6CC6C7291EB7}"/>
-                  </a:ext>
-                </a:extLst>
-              </p:cNvPr>
-              <p:cNvCxnSpPr/>
-              <p:nvPr/>
-            </p:nvCxnSpPr>
-            <p:spPr>
-              <a:xfrm>
-                <a:off x="9097739" y="3708623"/>
-                <a:ext cx="275406" cy="0"/>
-              </a:xfrm>
-              <a:prstGeom prst="line">
-                <a:avLst/>
-              </a:prstGeom>
-              <a:noFill/>
-              <a:ln>
-                <a:solidFill>
-                  <a:schemeClr val="accent5">
-                    <a:lumMod val="75000"/>
-                  </a:schemeClr>
-                </a:solidFill>
-              </a:ln>
-            </p:spPr>
-            <p:style>
-              <a:lnRef idx="2">
-                <a:schemeClr val="accent1">
-                  <a:shade val="50000"/>
-                </a:schemeClr>
-              </a:lnRef>
-              <a:fillRef idx="1">
-                <a:schemeClr val="accent1"/>
-              </a:fillRef>
-              <a:effectRef idx="0">
-                <a:schemeClr val="accent1"/>
-              </a:effectRef>
-              <a:fontRef idx="minor">
-                <a:schemeClr val="lt1"/>
-              </a:fontRef>
-            </p:style>
-          </p:cxnSp>
-          <p:cxnSp>
-            <p:nvCxnSpPr>
-              <p:cNvPr id="30" name="Straight Connector 29">
-                <a:extLst>
-                  <a:ext uri="{FF2B5EF4-FFF2-40B4-BE49-F238E27FC236}">
-                    <a16:creationId xmlns:a16="http://schemas.microsoft.com/office/drawing/2014/main" id="{7C268994-2FBA-3B41-B0BF-3CA95711E0BA}"/>
-                  </a:ext>
-                </a:extLst>
-              </p:cNvPr>
-              <p:cNvCxnSpPr/>
-              <p:nvPr/>
-            </p:nvCxnSpPr>
-            <p:spPr>
-              <a:xfrm>
-                <a:off x="9097739" y="3792372"/>
-                <a:ext cx="275406" cy="0"/>
-              </a:xfrm>
-              <a:prstGeom prst="line">
-                <a:avLst/>
-              </a:prstGeom>
-              <a:noFill/>
-              <a:ln>
-                <a:solidFill>
-                  <a:schemeClr val="accent5">
-                    <a:lumMod val="75000"/>
-                  </a:schemeClr>
-                </a:solidFill>
-              </a:ln>
-            </p:spPr>
-            <p:style>
-              <a:lnRef idx="2">
-                <a:schemeClr val="accent1">
-                  <a:shade val="50000"/>
-                </a:schemeClr>
-              </a:lnRef>
-              <a:fillRef idx="1">
-                <a:schemeClr val="accent1"/>
-              </a:fillRef>
-              <a:effectRef idx="0">
-                <a:schemeClr val="accent1"/>
-              </a:effectRef>
-              <a:fontRef idx="minor">
-                <a:schemeClr val="lt1"/>
-              </a:fontRef>
-            </p:style>
-          </p:cxnSp>
-          <p:cxnSp>
-            <p:nvCxnSpPr>
-              <p:cNvPr id="31" name="Straight Connector 30">
-                <a:extLst>
-                  <a:ext uri="{FF2B5EF4-FFF2-40B4-BE49-F238E27FC236}">
-                    <a16:creationId xmlns:a16="http://schemas.microsoft.com/office/drawing/2014/main" id="{5D671D1F-7DF1-F94F-8786-64632D2143D9}"/>
-                  </a:ext>
-                </a:extLst>
-              </p:cNvPr>
-              <p:cNvCxnSpPr/>
-              <p:nvPr/>
-            </p:nvCxnSpPr>
-            <p:spPr>
-              <a:xfrm>
-                <a:off x="9097739" y="3879370"/>
-                <a:ext cx="275406" cy="0"/>
-              </a:xfrm>
-              <a:prstGeom prst="line">
-                <a:avLst/>
-              </a:prstGeom>
-              <a:noFill/>
-              <a:ln>
-                <a:solidFill>
-                  <a:schemeClr val="accent5">
-                    <a:lumMod val="75000"/>
-                  </a:schemeClr>
-                </a:solidFill>
-              </a:ln>
-            </p:spPr>
-            <p:style>
-              <a:lnRef idx="2">
-                <a:schemeClr val="accent1">
-                  <a:shade val="50000"/>
-                </a:schemeClr>
-              </a:lnRef>
-              <a:fillRef idx="1">
-                <a:schemeClr val="accent1"/>
-              </a:fillRef>
-              <a:effectRef idx="0">
-                <a:schemeClr val="accent1"/>
-              </a:effectRef>
-              <a:fontRef idx="minor">
-                <a:schemeClr val="lt1"/>
-              </a:fontRef>
-            </p:style>
-          </p:cxnSp>
-        </p:grpSp>
-        <p:sp>
-          <p:nvSpPr>
-            <p:cNvPr id="25" name="Retângulo 20">
-              <a:extLst>
-                <a:ext uri="{FF2B5EF4-FFF2-40B4-BE49-F238E27FC236}">
-                  <a16:creationId xmlns:a16="http://schemas.microsoft.com/office/drawing/2014/main" id="{3F292C9C-808C-6F48-BF50-B6128A0E250B}"/>
-                </a:ext>
-              </a:extLst>
-            </p:cNvPr>
-            <p:cNvSpPr/>
-            <p:nvPr/>
-          </p:nvSpPr>
-          <p:spPr>
-            <a:xfrm>
-              <a:off x="9889827" y="4967599"/>
-              <a:ext cx="2566458" cy="646331"/>
-            </a:xfrm>
-            <a:prstGeom prst="rect">
-              <a:avLst/>
-            </a:prstGeom>
-          </p:spPr>
-          <p:txBody>
-            <a:bodyPr wrap="square">
-              <a:spAutoFit/>
-            </a:bodyPr>
-            <a:lstStyle>
-              <a:defPPr>
-                <a:defRPr lang="pt-BR"/>
-              </a:defPPr>
-              <a:lvl1pPr marL="0" algn="l" defTabSz="1043056" rtl="0" eaLnBrk="1" latinLnBrk="0" hangingPunct="1">
-                <a:defRPr sz="2100" kern="1200">
-                  <a:solidFill>
-                    <a:schemeClr val="tx1"/>
-                  </a:solidFill>
-                  <a:latin typeface="+mn-lt"/>
-                  <a:ea typeface="+mn-ea"/>
-                  <a:cs typeface="+mn-cs"/>
-                </a:defRPr>
-              </a:lvl1pPr>
-              <a:lvl2pPr marL="521528" algn="l" defTabSz="1043056" rtl="0" eaLnBrk="1" latinLnBrk="0" hangingPunct="1">
-                <a:defRPr sz="2100" kern="1200">
-                  <a:solidFill>
-                    <a:schemeClr val="tx1"/>
-                  </a:solidFill>
-                  <a:latin typeface="+mn-lt"/>
-                  <a:ea typeface="+mn-ea"/>
-                  <a:cs typeface="+mn-cs"/>
-                </a:defRPr>
-              </a:lvl2pPr>
-              <a:lvl3pPr marL="1043056" algn="l" defTabSz="1043056" rtl="0" eaLnBrk="1" latinLnBrk="0" hangingPunct="1">
-                <a:defRPr sz="2100" kern="1200">
-                  <a:solidFill>
-                    <a:schemeClr val="tx1"/>
-                  </a:solidFill>
-                  <a:latin typeface="+mn-lt"/>
-                  <a:ea typeface="+mn-ea"/>
-                  <a:cs typeface="+mn-cs"/>
-                </a:defRPr>
-              </a:lvl3pPr>
-              <a:lvl4pPr marL="1564584" algn="l" defTabSz="1043056" rtl="0" eaLnBrk="1" latinLnBrk="0" hangingPunct="1">
-                <a:defRPr sz="2100" kern="1200">
-                  <a:solidFill>
-                    <a:schemeClr val="tx1"/>
-                  </a:solidFill>
-                  <a:latin typeface="+mn-lt"/>
-                  <a:ea typeface="+mn-ea"/>
-                  <a:cs typeface="+mn-cs"/>
-                </a:defRPr>
-              </a:lvl4pPr>
-              <a:lvl5pPr marL="2086112" algn="l" defTabSz="1043056" rtl="0" eaLnBrk="1" latinLnBrk="0" hangingPunct="1">
-                <a:defRPr sz="2100" kern="1200">
-                  <a:solidFill>
-                    <a:schemeClr val="tx1"/>
-                  </a:solidFill>
-                  <a:latin typeface="+mn-lt"/>
-                  <a:ea typeface="+mn-ea"/>
-                  <a:cs typeface="+mn-cs"/>
-                </a:defRPr>
-              </a:lvl5pPr>
-              <a:lvl6pPr marL="2607640" algn="l" defTabSz="1043056" rtl="0" eaLnBrk="1" latinLnBrk="0" hangingPunct="1">
-                <a:defRPr sz="2100" kern="1200">
-                  <a:solidFill>
-                    <a:schemeClr val="tx1"/>
-                  </a:solidFill>
-                  <a:latin typeface="+mn-lt"/>
-                  <a:ea typeface="+mn-ea"/>
-                  <a:cs typeface="+mn-cs"/>
-                </a:defRPr>
-              </a:lvl6pPr>
-              <a:lvl7pPr marL="3129168" algn="l" defTabSz="1043056" rtl="0" eaLnBrk="1" latinLnBrk="0" hangingPunct="1">
-                <a:defRPr sz="2100" kern="1200">
-                  <a:solidFill>
-                    <a:schemeClr val="tx1"/>
-                  </a:solidFill>
-                  <a:latin typeface="+mn-lt"/>
-                  <a:ea typeface="+mn-ea"/>
-                  <a:cs typeface="+mn-cs"/>
-                </a:defRPr>
-              </a:lvl7pPr>
-              <a:lvl8pPr marL="3650696" algn="l" defTabSz="1043056" rtl="0" eaLnBrk="1" latinLnBrk="0" hangingPunct="1">
-                <a:defRPr sz="2100" kern="1200">
-                  <a:solidFill>
-                    <a:schemeClr val="tx1"/>
-                  </a:solidFill>
-                  <a:latin typeface="+mn-lt"/>
-                  <a:ea typeface="+mn-ea"/>
-                  <a:cs typeface="+mn-cs"/>
-                </a:defRPr>
-              </a:lvl8pPr>
-              <a:lvl9pPr marL="4172224" algn="l" defTabSz="1043056" rtl="0" eaLnBrk="1" latinLnBrk="0" hangingPunct="1">
-                <a:defRPr sz="2100" kern="1200">
-                  <a:solidFill>
-                    <a:schemeClr val="tx1"/>
-                  </a:solidFill>
-                  <a:latin typeface="+mn-lt"/>
-                  <a:ea typeface="+mn-ea"/>
-                  <a:cs typeface="+mn-cs"/>
-                </a:defRPr>
-              </a:lvl9pPr>
-            </a:lstStyle>
-            <a:p>
-              <a:pPr lvl="0" algn="ctr">
-                <a:defRPr/>
-              </a:pPr>
-              <a:r>
-                <a:rPr lang="pt-BR" sz="2000" b="1" dirty="0" err="1">
-                  <a:solidFill>
-                    <a:prstClr val="white"/>
-                  </a:solidFill>
-                </a:rPr>
-                <a:t>MobileApp</a:t>
-              </a:r>
-              <a:endParaRPr lang="pt-BR" sz="2000" b="1" dirty="0">
-                <a:solidFill>
-                  <a:prstClr val="white"/>
-                </a:solidFill>
-              </a:endParaRPr>
-            </a:p>
-            <a:p>
-              <a:pPr lvl="0" algn="ctr">
-                <a:defRPr/>
-              </a:pPr>
-              <a:r>
-                <a:rPr lang="pt-BR" sz="1600" dirty="0">
-                  <a:solidFill>
-                    <a:prstClr val="white"/>
-                  </a:solidFill>
-                </a:rPr>
-                <a:t>[Container: Kotlin]</a:t>
-              </a:r>
-            </a:p>
-          </p:txBody>
-        </p:sp>
-        <p:sp>
-          <p:nvSpPr>
-            <p:cNvPr id="26" name="Retângulo 20">
-              <a:extLst>
-                <a:ext uri="{FF2B5EF4-FFF2-40B4-BE49-F238E27FC236}">
-                  <a16:creationId xmlns:a16="http://schemas.microsoft.com/office/drawing/2014/main" id="{93F43B3C-AD9B-8B41-9E5E-1EB9FAF3EDC1}"/>
-                </a:ext>
-              </a:extLst>
-            </p:cNvPr>
-            <p:cNvSpPr/>
-            <p:nvPr/>
-          </p:nvSpPr>
-          <p:spPr>
-            <a:xfrm>
-              <a:off x="9998671" y="5868863"/>
-              <a:ext cx="2307052" cy="584775"/>
-            </a:xfrm>
-            <a:prstGeom prst="rect">
-              <a:avLst/>
-            </a:prstGeom>
-          </p:spPr>
-          <p:txBody>
-            <a:bodyPr wrap="square">
-              <a:spAutoFit/>
-            </a:bodyPr>
-            <a:lstStyle>
-              <a:defPPr>
-                <a:defRPr lang="pt-BR"/>
-              </a:defPPr>
-              <a:lvl1pPr marL="0" algn="l" defTabSz="1043056" rtl="0" eaLnBrk="1" latinLnBrk="0" hangingPunct="1">
-                <a:defRPr sz="2100" kern="1200">
-                  <a:solidFill>
-                    <a:schemeClr val="tx1"/>
-                  </a:solidFill>
-                  <a:latin typeface="+mn-lt"/>
-                  <a:ea typeface="+mn-ea"/>
-                  <a:cs typeface="+mn-cs"/>
-                </a:defRPr>
-              </a:lvl1pPr>
-              <a:lvl2pPr marL="521528" algn="l" defTabSz="1043056" rtl="0" eaLnBrk="1" latinLnBrk="0" hangingPunct="1">
-                <a:defRPr sz="2100" kern="1200">
-                  <a:solidFill>
-                    <a:schemeClr val="tx1"/>
-                  </a:solidFill>
-                  <a:latin typeface="+mn-lt"/>
-                  <a:ea typeface="+mn-ea"/>
-                  <a:cs typeface="+mn-cs"/>
-                </a:defRPr>
-              </a:lvl2pPr>
-              <a:lvl3pPr marL="1043056" algn="l" defTabSz="1043056" rtl="0" eaLnBrk="1" latinLnBrk="0" hangingPunct="1">
-                <a:defRPr sz="2100" kern="1200">
-                  <a:solidFill>
-                    <a:schemeClr val="tx1"/>
-                  </a:solidFill>
-                  <a:latin typeface="+mn-lt"/>
-                  <a:ea typeface="+mn-ea"/>
-                  <a:cs typeface="+mn-cs"/>
-                </a:defRPr>
-              </a:lvl3pPr>
-              <a:lvl4pPr marL="1564584" algn="l" defTabSz="1043056" rtl="0" eaLnBrk="1" latinLnBrk="0" hangingPunct="1">
-                <a:defRPr sz="2100" kern="1200">
-                  <a:solidFill>
-                    <a:schemeClr val="tx1"/>
-                  </a:solidFill>
-                  <a:latin typeface="+mn-lt"/>
-                  <a:ea typeface="+mn-ea"/>
-                  <a:cs typeface="+mn-cs"/>
-                </a:defRPr>
-              </a:lvl4pPr>
-              <a:lvl5pPr marL="2086112" algn="l" defTabSz="1043056" rtl="0" eaLnBrk="1" latinLnBrk="0" hangingPunct="1">
-                <a:defRPr sz="2100" kern="1200">
-                  <a:solidFill>
-                    <a:schemeClr val="tx1"/>
-                  </a:solidFill>
-                  <a:latin typeface="+mn-lt"/>
-                  <a:ea typeface="+mn-ea"/>
-                  <a:cs typeface="+mn-cs"/>
-                </a:defRPr>
-              </a:lvl5pPr>
-              <a:lvl6pPr marL="2607640" algn="l" defTabSz="1043056" rtl="0" eaLnBrk="1" latinLnBrk="0" hangingPunct="1">
-                <a:defRPr sz="2100" kern="1200">
-                  <a:solidFill>
-                    <a:schemeClr val="tx1"/>
-                  </a:solidFill>
-                  <a:latin typeface="+mn-lt"/>
-                  <a:ea typeface="+mn-ea"/>
-                  <a:cs typeface="+mn-cs"/>
-                </a:defRPr>
-              </a:lvl6pPr>
-              <a:lvl7pPr marL="3129168" algn="l" defTabSz="1043056" rtl="0" eaLnBrk="1" latinLnBrk="0" hangingPunct="1">
-                <a:defRPr sz="2100" kern="1200">
-                  <a:solidFill>
-                    <a:schemeClr val="tx1"/>
-                  </a:solidFill>
-                  <a:latin typeface="+mn-lt"/>
-                  <a:ea typeface="+mn-ea"/>
-                  <a:cs typeface="+mn-cs"/>
-                </a:defRPr>
-              </a:lvl7pPr>
-              <a:lvl8pPr marL="3650696" algn="l" defTabSz="1043056" rtl="0" eaLnBrk="1" latinLnBrk="0" hangingPunct="1">
-                <a:defRPr sz="2100" kern="1200">
-                  <a:solidFill>
-                    <a:schemeClr val="tx1"/>
-                  </a:solidFill>
-                  <a:latin typeface="+mn-lt"/>
-                  <a:ea typeface="+mn-ea"/>
-                  <a:cs typeface="+mn-cs"/>
-                </a:defRPr>
-              </a:lvl8pPr>
-              <a:lvl9pPr marL="4172224" algn="l" defTabSz="1043056" rtl="0" eaLnBrk="1" latinLnBrk="0" hangingPunct="1">
-                <a:defRPr sz="2100" kern="1200">
-                  <a:solidFill>
-                    <a:schemeClr val="tx1"/>
-                  </a:solidFill>
-                  <a:latin typeface="+mn-lt"/>
-                  <a:ea typeface="+mn-ea"/>
-                  <a:cs typeface="+mn-cs"/>
-                </a:defRPr>
-              </a:lvl9pPr>
-            </a:lstStyle>
-            <a:p>
-              <a:pPr lvl="0" algn="ctr">
-                <a:defRPr/>
-              </a:pPr>
-              <a:r>
-                <a:rPr lang="pt-BR" sz="1600" dirty="0">
-                  <a:solidFill>
-                    <a:prstClr val="white"/>
-                  </a:solidFill>
-                </a:rPr>
-                <a:t>Login, cadastro de usuários e projetos</a:t>
-              </a:r>
-              <a:endParaRPr lang="pt-BR" sz="1200" dirty="0">
-                <a:solidFill>
-                  <a:prstClr val="white"/>
-                </a:solidFill>
-              </a:endParaRPr>
-            </a:p>
-          </p:txBody>
-        </p:sp>
-      </p:grpSp>
-      <p:cxnSp>
-        <p:nvCxnSpPr>
-          <p:cNvPr id="32" name="Conector de Seta Reta 99">
-            <a:extLst>
-              <a:ext uri="{FF2B5EF4-FFF2-40B4-BE49-F238E27FC236}">
-                <a16:creationId xmlns:a16="http://schemas.microsoft.com/office/drawing/2014/main" id="{98D01577-A800-41EB-9C6A-0CBDD91312B1}"/>
-              </a:ext>
-            </a:extLst>
-          </p:cNvPr>
-          <p:cNvCxnSpPr>
-            <a:cxnSpLocks/>
-          </p:cNvCxnSpPr>
-          <p:nvPr/>
-        </p:nvCxnSpPr>
-        <p:spPr>
-          <a:xfrm flipV="1">
-            <a:off x="2254599" y="2075380"/>
-            <a:ext cx="2992316" cy="1942854"/>
-          </a:xfrm>
-          <a:prstGeom prst="straightConnector1">
-            <a:avLst/>
-          </a:prstGeom>
-          <a:ln w="19050">
-            <a:solidFill>
-              <a:schemeClr val="accent5">
-                <a:lumMod val="75000"/>
-              </a:schemeClr>
-            </a:solidFill>
-            <a:prstDash val="sysDash"/>
-            <a:headEnd type="none" w="lg" len="lg"/>
-            <a:tailEnd type="triangle" w="lg" len="lg"/>
-          </a:ln>
-          <a:effectLst>
-            <a:outerShdw blurRad="50800" dist="38100" dir="2700000" algn="tl" rotWithShape="0">
-              <a:prstClr val="black">
-                <a:alpha val="40000"/>
-              </a:prstClr>
-            </a:outerShdw>
-          </a:effectLst>
-        </p:spPr>
-        <p:style>
-          <a:lnRef idx="1">
-            <a:schemeClr val="accent1"/>
-          </a:lnRef>
-          <a:fillRef idx="0">
-            <a:schemeClr val="accent1"/>
-          </a:fillRef>
-          <a:effectRef idx="0">
-            <a:schemeClr val="accent1"/>
-          </a:effectRef>
-          <a:fontRef idx="minor">
-            <a:schemeClr val="tx1"/>
-          </a:fontRef>
-        </p:style>
-      </p:cxnSp>
     </p:spTree>
     <p:extLst>
       <p:ext uri="{BB962C8B-B14F-4D97-AF65-F5344CB8AC3E}">
@@ -7238,51 +6721,6 @@
                                         </p:cTn>
                                         <p:tgtEl>
                                           <p:spTgt spid="43"/>
-                                        </p:tgtEl>
-                                        <p:attrNameLst>
-                                          <p:attrName>style.visibility</p:attrName>
-                                        </p:attrNameLst>
-                                      </p:cBhvr>
-                                      <p:to>
-                                        <p:strVal val="visible"/>
-                                      </p:to>
-                                    </p:set>
-                                  </p:childTnLst>
-                                </p:cTn>
-                              </p:par>
-                            </p:childTnLst>
-                          </p:cTn>
-                        </p:par>
-                      </p:childTnLst>
-                    </p:cTn>
-                  </p:par>
-                  <p:par>
-                    <p:cTn id="23" fill="hold">
-                      <p:stCondLst>
-                        <p:cond delay="indefinite"/>
-                      </p:stCondLst>
-                      <p:childTnLst>
-                        <p:par>
-                          <p:cTn id="24" fill="hold">
-                            <p:stCondLst>
-                              <p:cond delay="0"/>
-                            </p:stCondLst>
-                            <p:childTnLst>
-                              <p:par>
-                                <p:cTn id="25" presetID="1" presetClass="entr" presetSubtype="0" fill="hold" nodeType="clickEffect">
-                                  <p:stCondLst>
-                                    <p:cond delay="0"/>
-                                  </p:stCondLst>
-                                  <p:childTnLst>
-                                    <p:set>
-                                      <p:cBhvr>
-                                        <p:cTn id="26" dur="1" fill="hold">
-                                          <p:stCondLst>
-                                            <p:cond delay="0"/>
-                                          </p:stCondLst>
-                                        </p:cTn>
-                                        <p:tgtEl>
-                                          <p:spTgt spid="32"/>
                                         </p:tgtEl>
                                         <p:attrNameLst>
                                           <p:attrName>style.visibility</p:attrName>
@@ -9083,7 +8521,7 @@
                   <a:prstClr val="white"/>
                 </a:solidFill>
               </a:rPr>
-              <a:t>[Container: AWS]</a:t>
+              <a:t>[Container: SQL Server]</a:t>
             </a:r>
           </a:p>
         </p:txBody>
@@ -9615,7 +9053,7 @@
         </p:nvCxnSpPr>
         <p:spPr>
           <a:xfrm flipV="1">
-            <a:off x="8129178" y="2923481"/>
+            <a:off x="6539528" y="2839075"/>
             <a:ext cx="0" cy="1179850"/>
           </a:xfrm>
           <a:prstGeom prst="straightConnector1">
@@ -9671,7 +9109,7 @@
         </p:nvCxnSpPr>
         <p:spPr>
           <a:xfrm flipH="1">
-            <a:off x="4942330" y="1726928"/>
+            <a:off x="3352680" y="1642522"/>
             <a:ext cx="1926998" cy="0"/>
           </a:xfrm>
           <a:prstGeom prst="straightConnector1">
@@ -9724,7 +9162,7 @@
         </p:nvGrpSpPr>
         <p:grpSpPr>
           <a:xfrm>
-            <a:off x="6794361" y="828685"/>
+            <a:off x="5204711" y="744279"/>
             <a:ext cx="2566458" cy="2016224"/>
             <a:chOff x="8768407" y="1501253"/>
             <a:chExt cx="2566458" cy="2016224"/>
@@ -9901,7 +9339,7 @@
         </p:nvGrpSpPr>
         <p:grpSpPr>
           <a:xfrm>
-            <a:off x="6897535" y="4103331"/>
+            <a:off x="5307885" y="4018925"/>
             <a:ext cx="2463284" cy="2050788"/>
             <a:chOff x="7149336" y="4654462"/>
             <a:chExt cx="2463284" cy="2050788"/>
@@ -10259,7 +9697,7 @@
         </p:nvGrpSpPr>
         <p:grpSpPr>
           <a:xfrm>
-            <a:off x="2464449" y="718816"/>
+            <a:off x="874799" y="634410"/>
             <a:ext cx="2596066" cy="2016224"/>
             <a:chOff x="3137644" y="1908423"/>
             <a:chExt cx="2596066" cy="2016224"/>
@@ -10448,7 +9886,7 @@
         </p:nvGrpSpPr>
         <p:grpSpPr>
           <a:xfrm>
-            <a:off x="2494057" y="4102639"/>
+            <a:off x="904407" y="4018233"/>
             <a:ext cx="2566458" cy="2089580"/>
             <a:chOff x="9889827" y="4597385"/>
             <a:chExt cx="2566458" cy="2089580"/>
@@ -11213,8 +10651,237 @@
         </p:nvCxnSpPr>
         <p:spPr>
           <a:xfrm flipV="1">
-            <a:off x="3802045" y="2159786"/>
+            <a:off x="2212395" y="2075380"/>
             <a:ext cx="2992316" cy="1942854"/>
+          </a:xfrm>
+          <a:prstGeom prst="straightConnector1">
+            <a:avLst/>
+          </a:prstGeom>
+          <a:ln w="19050">
+            <a:solidFill>
+              <a:schemeClr val="accent5">
+                <a:lumMod val="75000"/>
+              </a:schemeClr>
+            </a:solidFill>
+            <a:prstDash val="sysDash"/>
+            <a:headEnd type="none" w="lg" len="lg"/>
+            <a:tailEnd type="triangle" w="lg" len="lg"/>
+          </a:ln>
+          <a:effectLst>
+            <a:outerShdw blurRad="50800" dist="38100" dir="2700000" algn="tl" rotWithShape="0">
+              <a:prstClr val="black">
+                <a:alpha val="40000"/>
+              </a:prstClr>
+            </a:outerShdw>
+          </a:effectLst>
+        </p:spPr>
+        <p:style>
+          <a:lnRef idx="1">
+            <a:schemeClr val="accent1"/>
+          </a:lnRef>
+          <a:fillRef idx="0">
+            <a:schemeClr val="accent1"/>
+          </a:fillRef>
+          <a:effectRef idx="0">
+            <a:schemeClr val="accent1"/>
+          </a:effectRef>
+          <a:fontRef idx="minor">
+            <a:schemeClr val="tx1"/>
+          </a:fontRef>
+        </p:style>
+      </p:cxnSp>
+      <p:grpSp>
+        <p:nvGrpSpPr>
+          <p:cNvPr id="33" name="Agrupar 37">
+            <a:extLst>
+              <a:ext uri="{FF2B5EF4-FFF2-40B4-BE49-F238E27FC236}">
+                <a16:creationId xmlns:a16="http://schemas.microsoft.com/office/drawing/2014/main" id="{A13EA1BC-1767-4742-A9D3-3315DC12D8EB}"/>
+              </a:ext>
+            </a:extLst>
+          </p:cNvPr>
+          <p:cNvGrpSpPr/>
+          <p:nvPr/>
+        </p:nvGrpSpPr>
+        <p:grpSpPr>
+          <a:xfrm>
+            <a:off x="9052708" y="823221"/>
+            <a:ext cx="2192681" cy="1858339"/>
+            <a:chOff x="-1111754" y="4356832"/>
+            <a:chExt cx="2417659" cy="2049012"/>
+          </a:xfrm>
+        </p:grpSpPr>
+        <p:sp>
+          <p:nvSpPr>
+            <p:cNvPr id="34" name="Retângulo 29">
+              <a:extLst>
+                <a:ext uri="{FF2B5EF4-FFF2-40B4-BE49-F238E27FC236}">
+                  <a16:creationId xmlns:a16="http://schemas.microsoft.com/office/drawing/2014/main" id="{7E23FE95-2407-4E5E-B2C1-62412229B561}"/>
+                </a:ext>
+              </a:extLst>
+            </p:cNvPr>
+            <p:cNvSpPr/>
+            <p:nvPr/>
+          </p:nvSpPr>
+          <p:spPr>
+            <a:xfrm>
+              <a:off x="-1043424" y="4356832"/>
+              <a:ext cx="2239459" cy="2049012"/>
+            </a:xfrm>
+            <a:prstGeom prst="rect">
+              <a:avLst/>
+            </a:prstGeom>
+            <a:solidFill>
+              <a:schemeClr val="bg1"/>
+            </a:solidFill>
+            <a:ln>
+              <a:solidFill>
+                <a:schemeClr val="tx1"/>
+              </a:solidFill>
+              <a:prstDash val="dash"/>
+            </a:ln>
+          </p:spPr>
+          <p:style>
+            <a:lnRef idx="2">
+              <a:schemeClr val="accent1">
+                <a:shade val="50000"/>
+              </a:schemeClr>
+            </a:lnRef>
+            <a:fillRef idx="1">
+              <a:schemeClr val="accent1"/>
+            </a:fillRef>
+            <a:effectRef idx="0">
+              <a:schemeClr val="accent1"/>
+            </a:effectRef>
+            <a:fontRef idx="minor">
+              <a:schemeClr val="lt1"/>
+            </a:fontRef>
+          </p:style>
+          <p:txBody>
+            <a:bodyPr rtlCol="0" anchor="ctr"/>
+            <a:lstStyle/>
+            <a:p>
+              <a:pPr algn="ctr"/>
+              <a:endParaRPr lang="pt-BR" sz="1632" dirty="0">
+                <a:solidFill>
+                  <a:schemeClr val="bg1"/>
+                </a:solidFill>
+                <a:latin typeface="Calibri"/>
+              </a:endParaRPr>
+            </a:p>
+          </p:txBody>
+        </p:sp>
+        <p:sp>
+          <p:nvSpPr>
+            <p:cNvPr id="35" name="Retângulo 20">
+              <a:extLst>
+                <a:ext uri="{FF2B5EF4-FFF2-40B4-BE49-F238E27FC236}">
+                  <a16:creationId xmlns:a16="http://schemas.microsoft.com/office/drawing/2014/main" id="{89794972-33A7-455A-9780-A082FD25717A}"/>
+                </a:ext>
+              </a:extLst>
+            </p:cNvPr>
+            <p:cNvSpPr/>
+            <p:nvPr/>
+          </p:nvSpPr>
+          <p:spPr>
+            <a:xfrm>
+              <a:off x="-1111754" y="4477579"/>
+              <a:ext cx="2417659" cy="655805"/>
+            </a:xfrm>
+            <a:prstGeom prst="rect">
+              <a:avLst/>
+            </a:prstGeom>
+            <a:ln>
+              <a:noFill/>
+            </a:ln>
+          </p:spPr>
+          <p:txBody>
+            <a:bodyPr wrap="square">
+              <a:spAutoFit/>
+            </a:bodyPr>
+            <a:lstStyle/>
+            <a:p>
+              <a:pPr lvl="0" algn="ctr">
+                <a:defRPr/>
+              </a:pPr>
+              <a:r>
+                <a:rPr lang="pt-BR" sz="1814" b="1" dirty="0"/>
+                <a:t>Chatbot</a:t>
+              </a:r>
+            </a:p>
+            <a:p>
+              <a:pPr lvl="0" algn="ctr">
+                <a:defRPr/>
+              </a:pPr>
+              <a:r>
+                <a:rPr lang="pt-BR" sz="1451" dirty="0"/>
+                <a:t>[Container: QnaMaker]</a:t>
+              </a:r>
+            </a:p>
+          </p:txBody>
+        </p:sp>
+        <p:sp>
+          <p:nvSpPr>
+            <p:cNvPr id="36" name="Retângulo 20">
+              <a:extLst>
+                <a:ext uri="{FF2B5EF4-FFF2-40B4-BE49-F238E27FC236}">
+                  <a16:creationId xmlns:a16="http://schemas.microsoft.com/office/drawing/2014/main" id="{F0DD42B8-8709-4964-91D6-BA84779934D6}"/>
+                </a:ext>
+              </a:extLst>
+            </p:cNvPr>
+            <p:cNvSpPr/>
+            <p:nvPr/>
+          </p:nvSpPr>
+          <p:spPr>
+            <a:xfrm>
+              <a:off x="-1111754" y="5289253"/>
+              <a:ext cx="2417659" cy="594155"/>
+            </a:xfrm>
+            <a:prstGeom prst="rect">
+              <a:avLst/>
+            </a:prstGeom>
+            <a:ln>
+              <a:solidFill>
+                <a:schemeClr val="bg1"/>
+              </a:solidFill>
+            </a:ln>
+          </p:spPr>
+          <p:txBody>
+            <a:bodyPr wrap="square">
+              <a:spAutoFit/>
+            </a:bodyPr>
+            <a:lstStyle/>
+            <a:p>
+              <a:pPr lvl="0" algn="ctr">
+                <a:defRPr/>
+              </a:pPr>
+              <a:r>
+                <a:rPr lang="pt-BR" sz="1451" dirty="0"/>
+                <a:t>Chatbot para os usuários da plataforma</a:t>
+              </a:r>
+              <a:endParaRPr lang="pt-BR" sz="1088" dirty="0"/>
+            </a:p>
+          </p:txBody>
+        </p:sp>
+      </p:grpSp>
+      <p:cxnSp>
+        <p:nvCxnSpPr>
+          <p:cNvPr id="37" name="Conector de Seta Reta 70">
+            <a:extLst>
+              <a:ext uri="{FF2B5EF4-FFF2-40B4-BE49-F238E27FC236}">
+                <a16:creationId xmlns:a16="http://schemas.microsoft.com/office/drawing/2014/main" id="{03AFED5C-8B91-48E1-A0EA-B5CBCED10A03}"/>
+              </a:ext>
+            </a:extLst>
+          </p:cNvPr>
+          <p:cNvCxnSpPr>
+            <a:cxnSpLocks/>
+            <a:stCxn id="34" idx="1"/>
+          </p:cNvCxnSpPr>
+          <p:nvPr/>
+        </p:nvCxnSpPr>
+        <p:spPr>
+          <a:xfrm flipH="1" flipV="1">
+            <a:off x="7674387" y="1749389"/>
+            <a:ext cx="1440292" cy="3002"/>
           </a:xfrm>
           <a:prstGeom prst="straightConnector1">
             <a:avLst/>
@@ -11471,6 +11138,78 @@
                                   </p:childTnLst>
                                 </p:cTn>
                               </p:par>
+                              <p:par>
+                                <p:cTn id="21" presetID="1" presetClass="entr" presetSubtype="0" fill="hold" nodeType="withEffect">
+                                  <p:stCondLst>
+                                    <p:cond delay="0"/>
+                                  </p:stCondLst>
+                                  <p:childTnLst>
+                                    <p:set>
+                                      <p:cBhvr>
+                                        <p:cTn id="22" dur="1" fill="hold">
+                                          <p:stCondLst>
+                                            <p:cond delay="0"/>
+                                          </p:stCondLst>
+                                        </p:cTn>
+                                        <p:tgtEl>
+                                          <p:spTgt spid="33"/>
+                                        </p:tgtEl>
+                                        <p:attrNameLst>
+                                          <p:attrName>style.visibility</p:attrName>
+                                        </p:attrNameLst>
+                                      </p:cBhvr>
+                                      <p:to>
+                                        <p:strVal val="visible"/>
+                                      </p:to>
+                                    </p:set>
+                                  </p:childTnLst>
+                                </p:cTn>
+                              </p:par>
+                            </p:childTnLst>
+                          </p:cTn>
+                        </p:par>
+                      </p:childTnLst>
+                    </p:cTn>
+                  </p:par>
+                  <p:par>
+                    <p:cTn id="23" fill="hold">
+                      <p:stCondLst>
+                        <p:cond delay="indefinite"/>
+                      </p:stCondLst>
+                      <p:childTnLst>
+                        <p:par>
+                          <p:cTn id="24" fill="hold">
+                            <p:stCondLst>
+                              <p:cond delay="0"/>
+                            </p:stCondLst>
+                            <p:childTnLst>
+                              <p:par>
+                                <p:cTn id="25" presetID="1" presetClass="entr" presetSubtype="0" fill="hold" nodeType="clickEffect">
+                                  <p:stCondLst>
+                                    <p:cond delay="0"/>
+                                  </p:stCondLst>
+                                  <p:childTnLst>
+                                    <p:set>
+                                      <p:cBhvr>
+                                        <p:cTn id="26" dur="1" fill="hold">
+                                          <p:stCondLst>
+                                            <p:cond delay="0"/>
+                                          </p:stCondLst>
+                                        </p:cTn>
+                                        <p:tgtEl>
+                                          <p:spTgt spid="37"/>
+                                        </p:tgtEl>
+                                        <p:attrNameLst>
+                                          <p:attrName>style.visibility</p:attrName>
+                                        </p:attrNameLst>
+                                      </p:cBhvr>
+                                      <p:to>
+                                        <p:strVal val="visible"/>
+                                      </p:to>
+                                    </p:set>
+                                  </p:childTnLst>
+                                </p:cTn>
+                              </p:par>
                             </p:childTnLst>
                           </p:cTn>
                         </p:par>
@@ -11533,7 +11272,7 @@
         </p:nvSpPr>
         <p:spPr>
           <a:xfrm>
-            <a:off x="1772529" y="2692982"/>
+            <a:off x="385494" y="2637533"/>
             <a:ext cx="8398412" cy="4099592"/>
           </a:xfrm>
           <a:prstGeom prst="rect">
@@ -11619,61 +11358,6 @@
           </a:p>
         </p:txBody>
       </p:sp>
-      <p:cxnSp>
-        <p:nvCxnSpPr>
-          <p:cNvPr id="4" name="Conector de Seta Reta 99">
-            <a:extLst>
-              <a:ext uri="{FF2B5EF4-FFF2-40B4-BE49-F238E27FC236}">
-                <a16:creationId xmlns:a16="http://schemas.microsoft.com/office/drawing/2014/main" id="{5F5EC3B7-64A2-4E9F-9033-5B554351DB3A}"/>
-              </a:ext>
-            </a:extLst>
-          </p:cNvPr>
-          <p:cNvCxnSpPr>
-            <a:cxnSpLocks/>
-          </p:cNvCxnSpPr>
-          <p:nvPr/>
-        </p:nvCxnSpPr>
-        <p:spPr>
-          <a:xfrm flipV="1">
-            <a:off x="2455064" y="2101977"/>
-            <a:ext cx="2747721" cy="1323439"/>
-          </a:xfrm>
-          <a:prstGeom prst="straightConnector1">
-            <a:avLst/>
-          </a:prstGeom>
-          <a:ln w="19050">
-            <a:solidFill>
-              <a:schemeClr val="accent5">
-                <a:lumMod val="75000"/>
-              </a:schemeClr>
-            </a:solidFill>
-            <a:prstDash val="sysDash"/>
-            <a:headEnd type="none" w="lg" len="lg"/>
-            <a:tailEnd type="triangle" w="lg" len="lg"/>
-          </a:ln>
-          <a:effectLst>
-            <a:outerShdw blurRad="50800" dist="38100" dir="2700000" algn="tl" rotWithShape="0">
-              <a:prstClr val="black">
-                <a:alpha val="40000"/>
-              </a:prstClr>
-            </a:outerShdw>
-          </a:effectLst>
-        </p:spPr>
-        <p:style>
-          <a:lnRef idx="1">
-            <a:schemeClr val="accent1"/>
-          </a:lnRef>
-          <a:fillRef idx="0">
-            <a:schemeClr val="accent1"/>
-          </a:fillRef>
-          <a:effectRef idx="0">
-            <a:schemeClr val="accent1"/>
-          </a:effectRef>
-          <a:fontRef idx="minor">
-            <a:schemeClr val="tx1"/>
-          </a:fontRef>
-        </p:style>
-      </p:cxnSp>
       <p:cxnSp>
         <p:nvCxnSpPr>
           <p:cNvPr id="5" name="Conector de Seta Reta 70">
@@ -12057,7 +11741,7 @@
         </p:nvGrpSpPr>
         <p:grpSpPr>
           <a:xfrm>
-            <a:off x="7234882" y="4239096"/>
+            <a:off x="5847847" y="4183647"/>
             <a:ext cx="2792885" cy="1324654"/>
             <a:chOff x="7149335" y="4027210"/>
             <a:chExt cx="2463282" cy="2384791"/>
@@ -12236,7 +11920,7 @@
         </p:nvCxnSpPr>
         <p:spPr>
           <a:xfrm flipH="1">
-            <a:off x="4664236" y="3342863"/>
+            <a:off x="3277201" y="3287414"/>
             <a:ext cx="2570647" cy="608233"/>
           </a:xfrm>
           <a:prstGeom prst="straightConnector1">
@@ -12292,7 +11976,7 @@
         </p:nvCxnSpPr>
         <p:spPr>
           <a:xfrm flipH="1" flipV="1">
-            <a:off x="4664236" y="4420066"/>
+            <a:off x="3277201" y="4364617"/>
             <a:ext cx="2570646" cy="378996"/>
           </a:xfrm>
           <a:prstGeom prst="straightConnector1">
@@ -12345,7 +12029,7 @@
         </p:nvSpPr>
         <p:spPr>
           <a:xfrm rot="20764840">
-            <a:off x="4817070" y="2856724"/>
+            <a:off x="3461297" y="2771775"/>
             <a:ext cx="6096000" cy="307777"/>
           </a:xfrm>
           <a:prstGeom prst="rect">
@@ -12380,7 +12064,7 @@
         </p:nvSpPr>
         <p:spPr>
           <a:xfrm rot="459443">
-            <a:off x="4992939" y="4586303"/>
+            <a:off x="3605904" y="4530854"/>
             <a:ext cx="6137548" cy="312948"/>
           </a:xfrm>
           <a:prstGeom prst="rect">
@@ -12417,7 +12101,7 @@
         </p:nvCxnSpPr>
         <p:spPr>
           <a:xfrm flipH="1" flipV="1">
-            <a:off x="4664236" y="5126876"/>
+            <a:off x="3277201" y="5071427"/>
             <a:ext cx="2593965" cy="1011819"/>
           </a:xfrm>
           <a:prstGeom prst="straightConnector1">
@@ -12470,7 +12154,7 @@
         </p:nvSpPr>
         <p:spPr>
           <a:xfrm rot="1348275">
-            <a:off x="4652454" y="6042390"/>
+            <a:off x="3272836" y="5968825"/>
             <a:ext cx="6096000" cy="307777"/>
           </a:xfrm>
           <a:prstGeom prst="rect">
@@ -12960,6 +12644,415 @@
       </p:cxnSp>
       <p:grpSp>
         <p:nvGrpSpPr>
+          <p:cNvPr id="80" name="Group 36">
+            <a:extLst>
+              <a:ext uri="{FF2B5EF4-FFF2-40B4-BE49-F238E27FC236}">
+                <a16:creationId xmlns:a16="http://schemas.microsoft.com/office/drawing/2014/main" id="{DBCB171D-4273-4978-B440-78A94490FDB7}"/>
+              </a:ext>
+            </a:extLst>
+          </p:cNvPr>
+          <p:cNvGrpSpPr/>
+          <p:nvPr/>
+        </p:nvGrpSpPr>
+        <p:grpSpPr>
+          <a:xfrm>
+            <a:off x="5869608" y="5514833"/>
+            <a:ext cx="2792885" cy="1324654"/>
+            <a:chOff x="7149335" y="4027210"/>
+            <a:chExt cx="2463282" cy="2384791"/>
+          </a:xfrm>
+          <a:effectLst>
+            <a:outerShdw blurRad="50800" dist="38100" dir="2700000" algn="tl" rotWithShape="0">
+              <a:prstClr val="black">
+                <a:alpha val="40000"/>
+              </a:prstClr>
+            </a:outerShdw>
+          </a:effectLst>
+        </p:grpSpPr>
+        <p:sp>
+          <p:nvSpPr>
+            <p:cNvPr id="81" name="Retângulo 6">
+              <a:extLst>
+                <a:ext uri="{FF2B5EF4-FFF2-40B4-BE49-F238E27FC236}">
+                  <a16:creationId xmlns:a16="http://schemas.microsoft.com/office/drawing/2014/main" id="{B03B78DA-0A3B-44FC-B04F-439677F5C749}"/>
+                </a:ext>
+              </a:extLst>
+            </p:cNvPr>
+            <p:cNvSpPr/>
+            <p:nvPr/>
+          </p:nvSpPr>
+          <p:spPr>
+            <a:xfrm>
+              <a:off x="7149335" y="4027210"/>
+              <a:ext cx="2463282" cy="2016226"/>
+            </a:xfrm>
+            <a:prstGeom prst="rect">
+              <a:avLst/>
+            </a:prstGeom>
+            <a:solidFill>
+              <a:srgbClr val="32B9CD"/>
+            </a:solidFill>
+            <a:ln>
+              <a:solidFill>
+                <a:schemeClr val="bg1"/>
+              </a:solidFill>
+            </a:ln>
+          </p:spPr>
+          <p:style>
+            <a:lnRef idx="2">
+              <a:schemeClr val="accent1">
+                <a:shade val="50000"/>
+              </a:schemeClr>
+            </a:lnRef>
+            <a:fillRef idx="1">
+              <a:schemeClr val="accent1"/>
+            </a:fillRef>
+            <a:effectRef idx="0">
+              <a:schemeClr val="accent1"/>
+            </a:effectRef>
+            <a:fontRef idx="minor">
+              <a:schemeClr val="lt1"/>
+            </a:fontRef>
+          </p:style>
+          <p:txBody>
+            <a:bodyPr rtlCol="0" anchor="ctr"/>
+            <a:lstStyle/>
+            <a:p>
+              <a:pPr algn="ctr"/>
+              <a:endParaRPr lang="pt-BR" dirty="0">
+                <a:solidFill>
+                  <a:prstClr val="white"/>
+                </a:solidFill>
+                <a:highlight>
+                  <a:srgbClr val="08376B"/>
+                </a:highlight>
+                <a:latin typeface="Calibri"/>
+              </a:endParaRPr>
+            </a:p>
+          </p:txBody>
+        </p:sp>
+        <p:sp>
+          <p:nvSpPr>
+            <p:cNvPr id="82" name="Retângulo 20">
+              <a:extLst>
+                <a:ext uri="{FF2B5EF4-FFF2-40B4-BE49-F238E27FC236}">
+                  <a16:creationId xmlns:a16="http://schemas.microsoft.com/office/drawing/2014/main" id="{2C4141B4-DBE0-4A2D-BB17-6132BF79931D}"/>
+                </a:ext>
+              </a:extLst>
+            </p:cNvPr>
+            <p:cNvSpPr/>
+            <p:nvPr/>
+          </p:nvSpPr>
+          <p:spPr>
+            <a:xfrm>
+              <a:off x="7172550" y="4029397"/>
+              <a:ext cx="2427775" cy="2382604"/>
+            </a:xfrm>
+            <a:prstGeom prst="rect">
+              <a:avLst/>
+            </a:prstGeom>
+          </p:spPr>
+          <p:txBody>
+            <a:bodyPr wrap="square">
+              <a:spAutoFit/>
+            </a:bodyPr>
+            <a:lstStyle/>
+            <a:p>
+              <a:pPr lvl="0" algn="ctr">
+                <a:defRPr/>
+              </a:pPr>
+              <a:r>
+                <a:rPr lang="pt-BR" sz="2000" b="1" dirty="0">
+                  <a:solidFill>
+                    <a:prstClr val="white"/>
+                  </a:solidFill>
+                </a:rPr>
+                <a:t>Upload</a:t>
+              </a:r>
+            </a:p>
+            <a:p>
+              <a:pPr lvl="0" algn="ctr">
+                <a:defRPr/>
+              </a:pPr>
+              <a:r>
+                <a:rPr lang="pt-BR" sz="1600" dirty="0">
+                  <a:solidFill>
+                    <a:prstClr val="white"/>
+                  </a:solidFill>
+                </a:rPr>
+                <a:t>[ Component: Kotlin ]</a:t>
+              </a:r>
+            </a:p>
+            <a:p>
+              <a:pPr lvl="0" algn="ctr">
+                <a:defRPr/>
+              </a:pPr>
+              <a:endParaRPr lang="pt-BR" sz="1200" dirty="0">
+                <a:solidFill>
+                  <a:prstClr val="white"/>
+                </a:solidFill>
+              </a:endParaRPr>
+            </a:p>
+            <a:p>
+              <a:pPr lvl="0" algn="ctr">
+                <a:defRPr/>
+              </a:pPr>
+              <a:r>
+                <a:rPr lang="pt-BR" sz="1600" dirty="0">
+                  <a:solidFill>
+                    <a:prstClr val="white"/>
+                  </a:solidFill>
+                </a:rPr>
+                <a:t>Tela de upload de projetos</a:t>
+              </a:r>
+            </a:p>
+            <a:p>
+              <a:pPr lvl="0" algn="ctr">
+                <a:defRPr/>
+              </a:pPr>
+              <a:endParaRPr lang="pt-BR" sz="1600" dirty="0">
+                <a:solidFill>
+                  <a:prstClr val="white"/>
+                </a:solidFill>
+              </a:endParaRPr>
+            </a:p>
+          </p:txBody>
+        </p:sp>
+      </p:grpSp>
+      <p:grpSp>
+        <p:nvGrpSpPr>
+          <p:cNvPr id="83" name="Group 36">
+            <a:extLst>
+              <a:ext uri="{FF2B5EF4-FFF2-40B4-BE49-F238E27FC236}">
+                <a16:creationId xmlns:a16="http://schemas.microsoft.com/office/drawing/2014/main" id="{F4C1D77E-12E0-4DBD-81AF-9F31264A2E8C}"/>
+              </a:ext>
+            </a:extLst>
+          </p:cNvPr>
+          <p:cNvGrpSpPr/>
+          <p:nvPr/>
+        </p:nvGrpSpPr>
+        <p:grpSpPr>
+          <a:xfrm>
+            <a:off x="5843287" y="2901652"/>
+            <a:ext cx="2792885" cy="1324654"/>
+            <a:chOff x="7149335" y="4027210"/>
+            <a:chExt cx="2463282" cy="2384791"/>
+          </a:xfrm>
+          <a:effectLst>
+            <a:outerShdw blurRad="50800" dist="38100" dir="2700000" algn="tl" rotWithShape="0">
+              <a:prstClr val="black">
+                <a:alpha val="40000"/>
+              </a:prstClr>
+            </a:outerShdw>
+          </a:effectLst>
+        </p:grpSpPr>
+        <p:sp>
+          <p:nvSpPr>
+            <p:cNvPr id="84" name="Retângulo 6">
+              <a:extLst>
+                <a:ext uri="{FF2B5EF4-FFF2-40B4-BE49-F238E27FC236}">
+                  <a16:creationId xmlns:a16="http://schemas.microsoft.com/office/drawing/2014/main" id="{C38BB317-291D-458F-BAF2-42FE6406A39E}"/>
+                </a:ext>
+              </a:extLst>
+            </p:cNvPr>
+            <p:cNvSpPr/>
+            <p:nvPr/>
+          </p:nvSpPr>
+          <p:spPr>
+            <a:xfrm>
+              <a:off x="7149335" y="4027210"/>
+              <a:ext cx="2463282" cy="2016226"/>
+            </a:xfrm>
+            <a:prstGeom prst="rect">
+              <a:avLst/>
+            </a:prstGeom>
+            <a:solidFill>
+              <a:srgbClr val="32B9CD"/>
+            </a:solidFill>
+            <a:ln>
+              <a:solidFill>
+                <a:schemeClr val="bg1"/>
+              </a:solidFill>
+            </a:ln>
+          </p:spPr>
+          <p:style>
+            <a:lnRef idx="2">
+              <a:schemeClr val="accent1">
+                <a:shade val="50000"/>
+              </a:schemeClr>
+            </a:lnRef>
+            <a:fillRef idx="1">
+              <a:schemeClr val="accent1"/>
+            </a:fillRef>
+            <a:effectRef idx="0">
+              <a:schemeClr val="accent1"/>
+            </a:effectRef>
+            <a:fontRef idx="minor">
+              <a:schemeClr val="lt1"/>
+            </a:fontRef>
+          </p:style>
+          <p:txBody>
+            <a:bodyPr rtlCol="0" anchor="ctr"/>
+            <a:lstStyle/>
+            <a:p>
+              <a:pPr algn="ctr"/>
+              <a:endParaRPr lang="pt-BR" dirty="0">
+                <a:solidFill>
+                  <a:prstClr val="white"/>
+                </a:solidFill>
+                <a:highlight>
+                  <a:srgbClr val="08376B"/>
+                </a:highlight>
+                <a:latin typeface="Calibri"/>
+              </a:endParaRPr>
+            </a:p>
+          </p:txBody>
+        </p:sp>
+        <p:sp>
+          <p:nvSpPr>
+            <p:cNvPr id="85" name="Retângulo 20">
+              <a:extLst>
+                <a:ext uri="{FF2B5EF4-FFF2-40B4-BE49-F238E27FC236}">
+                  <a16:creationId xmlns:a16="http://schemas.microsoft.com/office/drawing/2014/main" id="{B4FD1C1E-C65F-438E-A0BF-A08667282F26}"/>
+                </a:ext>
+              </a:extLst>
+            </p:cNvPr>
+            <p:cNvSpPr/>
+            <p:nvPr/>
+          </p:nvSpPr>
+          <p:spPr>
+            <a:xfrm>
+              <a:off x="7172550" y="4029397"/>
+              <a:ext cx="2427775" cy="2382604"/>
+            </a:xfrm>
+            <a:prstGeom prst="rect">
+              <a:avLst/>
+            </a:prstGeom>
+          </p:spPr>
+          <p:txBody>
+            <a:bodyPr wrap="square">
+              <a:spAutoFit/>
+            </a:bodyPr>
+            <a:lstStyle/>
+            <a:p>
+              <a:pPr lvl="0" algn="ctr">
+                <a:defRPr/>
+              </a:pPr>
+              <a:r>
+                <a:rPr lang="pt-BR" sz="2000" b="1" dirty="0">
+                  <a:solidFill>
+                    <a:prstClr val="white"/>
+                  </a:solidFill>
+                </a:rPr>
+                <a:t>Login</a:t>
+              </a:r>
+            </a:p>
+            <a:p>
+              <a:pPr lvl="0" algn="ctr">
+                <a:defRPr/>
+              </a:pPr>
+              <a:r>
+                <a:rPr lang="pt-BR" sz="1600" dirty="0">
+                  <a:solidFill>
+                    <a:prstClr val="white"/>
+                  </a:solidFill>
+                </a:rPr>
+                <a:t>[ Component: Kotlin ]</a:t>
+              </a:r>
+            </a:p>
+            <a:p>
+              <a:pPr lvl="0" algn="ctr">
+                <a:defRPr/>
+              </a:pPr>
+              <a:endParaRPr lang="pt-BR" sz="1200" dirty="0">
+                <a:solidFill>
+                  <a:prstClr val="white"/>
+                </a:solidFill>
+              </a:endParaRPr>
+            </a:p>
+            <a:p>
+              <a:pPr lvl="0" algn="ctr">
+                <a:defRPr/>
+              </a:pPr>
+              <a:r>
+                <a:rPr lang="pt-BR" sz="1600" dirty="0">
+                  <a:solidFill>
+                    <a:prstClr val="white"/>
+                  </a:solidFill>
+                </a:rPr>
+                <a:t>Tela de login da aplicação</a:t>
+              </a:r>
+            </a:p>
+            <a:p>
+              <a:pPr lvl="0" algn="ctr">
+                <a:defRPr/>
+              </a:pPr>
+              <a:endParaRPr lang="pt-BR" sz="1600" dirty="0">
+                <a:solidFill>
+                  <a:prstClr val="white"/>
+                </a:solidFill>
+              </a:endParaRPr>
+            </a:p>
+          </p:txBody>
+        </p:sp>
+      </p:grpSp>
+      <p:cxnSp>
+        <p:nvCxnSpPr>
+          <p:cNvPr id="4" name="Conector de Seta Reta 99">
+            <a:extLst>
+              <a:ext uri="{FF2B5EF4-FFF2-40B4-BE49-F238E27FC236}">
+                <a16:creationId xmlns:a16="http://schemas.microsoft.com/office/drawing/2014/main" id="{5F5EC3B7-64A2-4E9F-9033-5B554351DB3A}"/>
+              </a:ext>
+            </a:extLst>
+          </p:cNvPr>
+          <p:cNvCxnSpPr>
+            <a:cxnSpLocks/>
+          </p:cNvCxnSpPr>
+          <p:nvPr/>
+        </p:nvCxnSpPr>
+        <p:spPr>
+          <a:xfrm flipV="1">
+            <a:off x="2455064" y="2043080"/>
+            <a:ext cx="2728857" cy="1382337"/>
+          </a:xfrm>
+          <a:prstGeom prst="straightConnector1">
+            <a:avLst/>
+          </a:prstGeom>
+          <a:ln w="19050">
+            <a:solidFill>
+              <a:schemeClr val="accent5">
+                <a:lumMod val="75000"/>
+              </a:schemeClr>
+            </a:solidFill>
+            <a:prstDash val="sysDash"/>
+            <a:headEnd type="none" w="lg" len="lg"/>
+            <a:tailEnd type="triangle" w="lg" len="lg"/>
+          </a:ln>
+          <a:effectLst>
+            <a:outerShdw blurRad="50800" dist="38100" dir="2700000" algn="tl" rotWithShape="0">
+              <a:prstClr val="black">
+                <a:alpha val="40000"/>
+              </a:prstClr>
+            </a:outerShdw>
+          </a:effectLst>
+        </p:spPr>
+        <p:style>
+          <a:lnRef idx="1">
+            <a:schemeClr val="accent1"/>
+          </a:lnRef>
+          <a:fillRef idx="0">
+            <a:schemeClr val="accent1"/>
+          </a:fillRef>
+          <a:effectRef idx="0">
+            <a:schemeClr val="accent1"/>
+          </a:effectRef>
+          <a:fontRef idx="minor">
+            <a:schemeClr val="tx1"/>
+          </a:fontRef>
+        </p:style>
+      </p:cxnSp>
+      <p:grpSp>
+        <p:nvGrpSpPr>
           <p:cNvPr id="68" name="Group 67">
             <a:extLst>
               <a:ext uri="{FF2B5EF4-FFF2-40B4-BE49-F238E27FC236}">
@@ -12972,7 +13065,7 @@
         </p:nvGrpSpPr>
         <p:grpSpPr>
           <a:xfrm>
-            <a:off x="1972720" y="3090195"/>
+            <a:off x="585685" y="3034746"/>
             <a:ext cx="2792883" cy="2367002"/>
             <a:chOff x="9838118" y="4597385"/>
             <a:chExt cx="2566458" cy="2089580"/>
@@ -13713,10 +13806,10 @@
       </p:grpSp>
       <p:grpSp>
         <p:nvGrpSpPr>
-          <p:cNvPr id="80" name="Group 36">
+          <p:cNvPr id="45" name="Agrupar 37">
             <a:extLst>
               <a:ext uri="{FF2B5EF4-FFF2-40B4-BE49-F238E27FC236}">
-                <a16:creationId xmlns:a16="http://schemas.microsoft.com/office/drawing/2014/main" id="{DBCB171D-4273-4978-B440-78A94490FDB7}"/>
+                <a16:creationId xmlns:a16="http://schemas.microsoft.com/office/drawing/2014/main" id="{EE4C9D11-4466-4FD5-835C-9B0DE55313FA}"/>
               </a:ext>
             </a:extLst>
           </p:cNvPr>
@@ -13725,25 +13818,18 @@
         </p:nvGrpSpPr>
         <p:grpSpPr>
           <a:xfrm>
-            <a:off x="7247266" y="5516948"/>
-            <a:ext cx="2792885" cy="1324654"/>
-            <a:chOff x="7149335" y="4027210"/>
-            <a:chExt cx="2463282" cy="2384791"/>
+            <a:off x="9335901" y="3219284"/>
+            <a:ext cx="2192681" cy="1858339"/>
+            <a:chOff x="-1111754" y="4356832"/>
+            <a:chExt cx="2417659" cy="2049012"/>
           </a:xfrm>
-          <a:effectLst>
-            <a:outerShdw blurRad="50800" dist="38100" dir="2700000" algn="tl" rotWithShape="0">
-              <a:prstClr val="black">
-                <a:alpha val="40000"/>
-              </a:prstClr>
-            </a:outerShdw>
-          </a:effectLst>
         </p:grpSpPr>
         <p:sp>
           <p:nvSpPr>
-            <p:cNvPr id="81" name="Retângulo 6">
+            <p:cNvPr id="46" name="Retângulo 29">
               <a:extLst>
                 <a:ext uri="{FF2B5EF4-FFF2-40B4-BE49-F238E27FC236}">
-                  <a16:creationId xmlns:a16="http://schemas.microsoft.com/office/drawing/2014/main" id="{B03B78DA-0A3B-44FC-B04F-439677F5C749}"/>
+                  <a16:creationId xmlns:a16="http://schemas.microsoft.com/office/drawing/2014/main" id="{2BABE87C-194E-413A-8D4C-73CB1009326B}"/>
                 </a:ext>
               </a:extLst>
             </p:cNvPr>
@@ -13752,19 +13838,20 @@
           </p:nvSpPr>
           <p:spPr>
             <a:xfrm>
-              <a:off x="7149335" y="4027210"/>
-              <a:ext cx="2463282" cy="2016226"/>
+              <a:off x="-1043424" y="4356832"/>
+              <a:ext cx="2239459" cy="2049012"/>
             </a:xfrm>
             <a:prstGeom prst="rect">
               <a:avLst/>
             </a:prstGeom>
             <a:solidFill>
-              <a:srgbClr val="32B9CD"/>
+              <a:schemeClr val="bg1"/>
             </a:solidFill>
             <a:ln>
               <a:solidFill>
-                <a:schemeClr val="bg1"/>
+                <a:schemeClr val="tx1"/>
               </a:solidFill>
+              <a:prstDash val="dash"/>
             </a:ln>
           </p:spPr>
           <p:style>
@@ -13788,13 +13875,10 @@
             <a:lstStyle/>
             <a:p>
               <a:pPr algn="ctr"/>
-              <a:endParaRPr lang="pt-BR" dirty="0">
+              <a:endParaRPr lang="pt-BR" sz="1632" dirty="0">
                 <a:solidFill>
-                  <a:prstClr val="white"/>
+                  <a:schemeClr val="bg1"/>
                 </a:solidFill>
-                <a:highlight>
-                  <a:srgbClr val="08376B"/>
-                </a:highlight>
                 <a:latin typeface="Calibri"/>
               </a:endParaRPr>
             </a:p>
@@ -13802,10 +13886,10 @@
         </p:sp>
         <p:sp>
           <p:nvSpPr>
-            <p:cNvPr id="82" name="Retângulo 20">
+            <p:cNvPr id="47" name="Retângulo 20">
               <a:extLst>
                 <a:ext uri="{FF2B5EF4-FFF2-40B4-BE49-F238E27FC236}">
-                  <a16:creationId xmlns:a16="http://schemas.microsoft.com/office/drawing/2014/main" id="{2C4141B4-DBE0-4A2D-BB17-6132BF79931D}"/>
+                  <a16:creationId xmlns:a16="http://schemas.microsoft.com/office/drawing/2014/main" id="{2488044C-3CEA-4EB3-ABE9-F8D043C0C619}"/>
                 </a:ext>
               </a:extLst>
             </p:cNvPr>
@@ -13814,12 +13898,15 @@
           </p:nvSpPr>
           <p:spPr>
             <a:xfrm>
-              <a:off x="7172550" y="4029397"/>
-              <a:ext cx="2427775" cy="2382604"/>
+              <a:off x="-1111754" y="4477579"/>
+              <a:ext cx="2417659" cy="655805"/>
             </a:xfrm>
             <a:prstGeom prst="rect">
               <a:avLst/>
             </a:prstGeom>
+            <a:ln>
+              <a:noFill/>
+            </a:ln>
           </p:spPr>
           <p:txBody>
             <a:bodyPr wrap="square">
@@ -13831,12 +13918,8 @@
                 <a:defRPr/>
               </a:pPr>
               <a:r>
-                <a:rPr lang="pt-BR" sz="2000" b="1" dirty="0">
-                  <a:solidFill>
-                    <a:prstClr val="white"/>
-                  </a:solidFill>
-                </a:rPr>
-                <a:t>Upload</a:t>
+                <a:rPr lang="pt-BR" sz="1814" b="1" dirty="0"/>
+                <a:t>Chatbot</a:t>
               </a:r>
             </a:p>
             <a:p>
@@ -13844,83 +13927,18 @@
                 <a:defRPr/>
               </a:pPr>
               <a:r>
-                <a:rPr lang="pt-BR" sz="1600" dirty="0">
-                  <a:solidFill>
-                    <a:prstClr val="white"/>
-                  </a:solidFill>
-                </a:rPr>
-                <a:t>[ Component: Kotlin ]</a:t>
+                <a:rPr lang="pt-BR" sz="1451" dirty="0"/>
+                <a:t>[Container: QnaMaker]</a:t>
               </a:r>
-            </a:p>
-            <a:p>
-              <a:pPr lvl="0" algn="ctr">
-                <a:defRPr/>
-              </a:pPr>
-              <a:endParaRPr lang="pt-BR" sz="1200" dirty="0">
-                <a:solidFill>
-                  <a:prstClr val="white"/>
-                </a:solidFill>
-              </a:endParaRPr>
-            </a:p>
-            <a:p>
-              <a:pPr lvl="0" algn="ctr">
-                <a:defRPr/>
-              </a:pPr>
-              <a:r>
-                <a:rPr lang="pt-BR" sz="1600" dirty="0">
-                  <a:solidFill>
-                    <a:prstClr val="white"/>
-                  </a:solidFill>
-                </a:rPr>
-                <a:t>Tela de upload de projetos</a:t>
-              </a:r>
-            </a:p>
-            <a:p>
-              <a:pPr lvl="0" algn="ctr">
-                <a:defRPr/>
-              </a:pPr>
-              <a:endParaRPr lang="pt-BR" sz="1600" dirty="0">
-                <a:solidFill>
-                  <a:prstClr val="white"/>
-                </a:solidFill>
-              </a:endParaRPr>
             </a:p>
           </p:txBody>
         </p:sp>
-      </p:grpSp>
-      <p:grpSp>
-        <p:nvGrpSpPr>
-          <p:cNvPr id="83" name="Group 36">
-            <a:extLst>
-              <a:ext uri="{FF2B5EF4-FFF2-40B4-BE49-F238E27FC236}">
-                <a16:creationId xmlns:a16="http://schemas.microsoft.com/office/drawing/2014/main" id="{F4C1D77E-12E0-4DBD-81AF-9F31264A2E8C}"/>
-              </a:ext>
-            </a:extLst>
-          </p:cNvPr>
-          <p:cNvGrpSpPr/>
-          <p:nvPr/>
-        </p:nvGrpSpPr>
-        <p:grpSpPr>
-          <a:xfrm>
-            <a:off x="7230322" y="2957101"/>
-            <a:ext cx="2792885" cy="1324654"/>
-            <a:chOff x="7149335" y="4027210"/>
-            <a:chExt cx="2463282" cy="2384791"/>
-          </a:xfrm>
-          <a:effectLst>
-            <a:outerShdw blurRad="50800" dist="38100" dir="2700000" algn="tl" rotWithShape="0">
-              <a:prstClr val="black">
-                <a:alpha val="40000"/>
-              </a:prstClr>
-            </a:outerShdw>
-          </a:effectLst>
-        </p:grpSpPr>
         <p:sp>
           <p:nvSpPr>
-            <p:cNvPr id="84" name="Retângulo 6">
+            <p:cNvPr id="54" name="Retângulo 20">
               <a:extLst>
                 <a:ext uri="{FF2B5EF4-FFF2-40B4-BE49-F238E27FC236}">
-                  <a16:creationId xmlns:a16="http://schemas.microsoft.com/office/drawing/2014/main" id="{C38BB317-291D-458F-BAF2-42FE6406A39E}"/>
+                  <a16:creationId xmlns:a16="http://schemas.microsoft.com/office/drawing/2014/main" id="{0017F560-2347-4A9E-BAB5-FB7B170601A4}"/>
                 </a:ext>
               </a:extLst>
             </p:cNvPr>
@@ -13929,74 +13947,17 @@
           </p:nvSpPr>
           <p:spPr>
             <a:xfrm>
-              <a:off x="7149335" y="4027210"/>
-              <a:ext cx="2463282" cy="2016226"/>
+              <a:off x="-1111754" y="5289253"/>
+              <a:ext cx="2417659" cy="594155"/>
             </a:xfrm>
             <a:prstGeom prst="rect">
               <a:avLst/>
             </a:prstGeom>
-            <a:solidFill>
-              <a:srgbClr val="32B9CD"/>
-            </a:solidFill>
             <a:ln>
               <a:solidFill>
                 <a:schemeClr val="bg1"/>
               </a:solidFill>
             </a:ln>
-          </p:spPr>
-          <p:style>
-            <a:lnRef idx="2">
-              <a:schemeClr val="accent1">
-                <a:shade val="50000"/>
-              </a:schemeClr>
-            </a:lnRef>
-            <a:fillRef idx="1">
-              <a:schemeClr val="accent1"/>
-            </a:fillRef>
-            <a:effectRef idx="0">
-              <a:schemeClr val="accent1"/>
-            </a:effectRef>
-            <a:fontRef idx="minor">
-              <a:schemeClr val="lt1"/>
-            </a:fontRef>
-          </p:style>
-          <p:txBody>
-            <a:bodyPr rtlCol="0" anchor="ctr"/>
-            <a:lstStyle/>
-            <a:p>
-              <a:pPr algn="ctr"/>
-              <a:endParaRPr lang="pt-BR" dirty="0">
-                <a:solidFill>
-                  <a:prstClr val="white"/>
-                </a:solidFill>
-                <a:highlight>
-                  <a:srgbClr val="08376B"/>
-                </a:highlight>
-                <a:latin typeface="Calibri"/>
-              </a:endParaRPr>
-            </a:p>
-          </p:txBody>
-        </p:sp>
-        <p:sp>
-          <p:nvSpPr>
-            <p:cNvPr id="85" name="Retângulo 20">
-              <a:extLst>
-                <a:ext uri="{FF2B5EF4-FFF2-40B4-BE49-F238E27FC236}">
-                  <a16:creationId xmlns:a16="http://schemas.microsoft.com/office/drawing/2014/main" id="{B4FD1C1E-C65F-438E-A0BF-A08667282F26}"/>
-                </a:ext>
-              </a:extLst>
-            </p:cNvPr>
-            <p:cNvSpPr/>
-            <p:nvPr/>
-          </p:nvSpPr>
-          <p:spPr>
-            <a:xfrm>
-              <a:off x="7172550" y="4029397"/>
-              <a:ext cx="2427775" cy="2382604"/>
-            </a:xfrm>
-            <a:prstGeom prst="rect">
-              <a:avLst/>
-            </a:prstGeom>
           </p:spPr>
           <p:txBody>
             <a:bodyPr wrap="square">
@@ -14008,63 +13969,70 @@
                 <a:defRPr/>
               </a:pPr>
               <a:r>
-                <a:rPr lang="pt-BR" sz="2000" b="1" dirty="0">
-                  <a:solidFill>
-                    <a:prstClr val="white"/>
-                  </a:solidFill>
-                </a:rPr>
-                <a:t>Login</a:t>
+                <a:rPr lang="pt-BR" sz="1451" dirty="0"/>
+                <a:t>Chatbot para os usuários da plataforma</a:t>
               </a:r>
-            </a:p>
-            <a:p>
-              <a:pPr lvl="0" algn="ctr">
-                <a:defRPr/>
-              </a:pPr>
-              <a:r>
-                <a:rPr lang="pt-BR" sz="1600" dirty="0">
-                  <a:solidFill>
-                    <a:prstClr val="white"/>
-                  </a:solidFill>
-                </a:rPr>
-                <a:t>[ Component: Kotlin ]</a:t>
-              </a:r>
-            </a:p>
-            <a:p>
-              <a:pPr lvl="0" algn="ctr">
-                <a:defRPr/>
-              </a:pPr>
-              <a:endParaRPr lang="pt-BR" sz="1200" dirty="0">
-                <a:solidFill>
-                  <a:prstClr val="white"/>
-                </a:solidFill>
-              </a:endParaRPr>
-            </a:p>
-            <a:p>
-              <a:pPr lvl="0" algn="ctr">
-                <a:defRPr/>
-              </a:pPr>
-              <a:r>
-                <a:rPr lang="pt-BR" sz="1600" dirty="0">
-                  <a:solidFill>
-                    <a:prstClr val="white"/>
-                  </a:solidFill>
-                </a:rPr>
-                <a:t>Tela de login da aplicação</a:t>
-              </a:r>
-            </a:p>
-            <a:p>
-              <a:pPr lvl="0" algn="ctr">
-                <a:defRPr/>
-              </a:pPr>
-              <a:endParaRPr lang="pt-BR" sz="1600" dirty="0">
-                <a:solidFill>
-                  <a:prstClr val="white"/>
-                </a:solidFill>
-              </a:endParaRPr>
+              <a:endParaRPr lang="pt-BR" sz="1088" dirty="0"/>
             </a:p>
           </p:txBody>
         </p:sp>
       </p:grpSp>
+      <p:cxnSp>
+        <p:nvCxnSpPr>
+          <p:cNvPr id="55" name="Conector de Seta Reta 70">
+            <a:extLst>
+              <a:ext uri="{FF2B5EF4-FFF2-40B4-BE49-F238E27FC236}">
+                <a16:creationId xmlns:a16="http://schemas.microsoft.com/office/drawing/2014/main" id="{06790F19-7E1B-4CC3-B7F1-1ED955242E2C}"/>
+              </a:ext>
+            </a:extLst>
+          </p:cNvPr>
+          <p:cNvCxnSpPr>
+            <a:cxnSpLocks/>
+            <a:stCxn id="46" idx="0"/>
+          </p:cNvCxnSpPr>
+          <p:nvPr/>
+        </p:nvCxnSpPr>
+        <p:spPr>
+          <a:xfrm flipH="1" flipV="1">
+            <a:off x="10387339" y="2336933"/>
+            <a:ext cx="26065" cy="882351"/>
+          </a:xfrm>
+          <a:prstGeom prst="straightConnector1">
+            <a:avLst/>
+          </a:prstGeom>
+          <a:ln w="19050">
+            <a:solidFill>
+              <a:schemeClr val="accent5">
+                <a:lumMod val="75000"/>
+              </a:schemeClr>
+            </a:solidFill>
+            <a:prstDash val="sysDash"/>
+            <a:headEnd type="none" w="lg" len="lg"/>
+            <a:tailEnd type="triangle" w="lg" len="lg"/>
+          </a:ln>
+          <a:effectLst>
+            <a:outerShdw blurRad="50800" dist="38100" dir="2700000" algn="tl" rotWithShape="0">
+              <a:prstClr val="black">
+                <a:alpha val="40000"/>
+              </a:prstClr>
+            </a:outerShdw>
+          </a:effectLst>
+        </p:spPr>
+        <p:style>
+          <a:lnRef idx="1">
+            <a:schemeClr val="accent1"/>
+          </a:lnRef>
+          <a:fillRef idx="0">
+            <a:schemeClr val="accent1"/>
+          </a:fillRef>
+          <a:effectRef idx="0">
+            <a:schemeClr val="accent1"/>
+          </a:effectRef>
+          <a:fontRef idx="minor">
+            <a:schemeClr val="tx1"/>
+          </a:fontRef>
+        </p:style>
+      </p:cxnSp>
     </p:spTree>
     <p:extLst>
       <p:ext uri="{BB962C8B-B14F-4D97-AF65-F5344CB8AC3E}">
@@ -14488,6 +14456,78 @@
                                         </p:cTn>
                                         <p:tgtEl>
                                           <p:spTgt spid="83"/>
+                                        </p:tgtEl>
+                                        <p:attrNameLst>
+                                          <p:attrName>style.visibility</p:attrName>
+                                        </p:attrNameLst>
+                                      </p:cBhvr>
+                                      <p:to>
+                                        <p:strVal val="visible"/>
+                                      </p:to>
+                                    </p:set>
+                                  </p:childTnLst>
+                                </p:cTn>
+                              </p:par>
+                              <p:par>
+                                <p:cTn id="39" presetID="1" presetClass="entr" presetSubtype="0" fill="hold" nodeType="withEffect">
+                                  <p:stCondLst>
+                                    <p:cond delay="0"/>
+                                  </p:stCondLst>
+                                  <p:childTnLst>
+                                    <p:set>
+                                      <p:cBhvr>
+                                        <p:cTn id="40" dur="1" fill="hold">
+                                          <p:stCondLst>
+                                            <p:cond delay="0"/>
+                                          </p:stCondLst>
+                                        </p:cTn>
+                                        <p:tgtEl>
+                                          <p:spTgt spid="45"/>
+                                        </p:tgtEl>
+                                        <p:attrNameLst>
+                                          <p:attrName>style.visibility</p:attrName>
+                                        </p:attrNameLst>
+                                      </p:cBhvr>
+                                      <p:to>
+                                        <p:strVal val="visible"/>
+                                      </p:to>
+                                    </p:set>
+                                  </p:childTnLst>
+                                </p:cTn>
+                              </p:par>
+                            </p:childTnLst>
+                          </p:cTn>
+                        </p:par>
+                      </p:childTnLst>
+                    </p:cTn>
+                  </p:par>
+                  <p:par>
+                    <p:cTn id="41" fill="hold">
+                      <p:stCondLst>
+                        <p:cond delay="indefinite"/>
+                      </p:stCondLst>
+                      <p:childTnLst>
+                        <p:par>
+                          <p:cTn id="42" fill="hold">
+                            <p:stCondLst>
+                              <p:cond delay="0"/>
+                            </p:stCondLst>
+                            <p:childTnLst>
+                              <p:par>
+                                <p:cTn id="43" presetID="1" presetClass="entr" presetSubtype="0" fill="hold" nodeType="clickEffect">
+                                  <p:stCondLst>
+                                    <p:cond delay="0"/>
+                                  </p:stCondLst>
+                                  <p:childTnLst>
+                                    <p:set>
+                                      <p:cBhvr>
+                                        <p:cTn id="44" dur="1" fill="hold">
+                                          <p:stCondLst>
+                                            <p:cond delay="0"/>
+                                          </p:stCondLst>
+                                        </p:cTn>
+                                        <p:tgtEl>
+                                          <p:spTgt spid="55"/>
                                         </p:tgtEl>
                                         <p:attrNameLst>
                                           <p:attrName>style.visibility</p:attrName>

--- a/Documentos/Arquitetura/Arquitetura.pptx
+++ b/Documentos/Arquitetura/Arquitetura.pptx
@@ -895,7 +895,7 @@
   <pc:docChgLst>
     <pc:chgData name="Ferreira, Vinicius Novais" userId="cbb4d67d-f9b3-40c7-a629-1bdeb4d5c819" providerId="ADAL" clId="{C703BE55-F222-4277-8059-1969CEBA5954}"/>
     <pc:docChg chg="undo custSel modSld">
-      <pc:chgData name="Ferreira, Vinicius Novais" userId="cbb4d67d-f9b3-40c7-a629-1bdeb4d5c819" providerId="ADAL" clId="{C703BE55-F222-4277-8059-1969CEBA5954}" dt="2022-03-15T12:31:01.537" v="44" actId="20577"/>
+      <pc:chgData name="Ferreira, Vinicius Novais" userId="cbb4d67d-f9b3-40c7-a629-1bdeb4d5c819" providerId="ADAL" clId="{C703BE55-F222-4277-8059-1969CEBA5954}" dt="2022-03-15T12:48:39.992" v="70" actId="20577"/>
       <pc:docMkLst>
         <pc:docMk/>
       </pc:docMkLst>
@@ -1043,7 +1043,7 @@
         </pc:cxnChg>
       </pc:sldChg>
       <pc:sldChg chg="delSp modSp mod delAnim">
-        <pc:chgData name="Ferreira, Vinicius Novais" userId="cbb4d67d-f9b3-40c7-a629-1bdeb4d5c819" providerId="ADAL" clId="{C703BE55-F222-4277-8059-1969CEBA5954}" dt="2022-03-15T12:21:30.890" v="34" actId="20577"/>
+        <pc:chgData name="Ferreira, Vinicius Novais" userId="cbb4d67d-f9b3-40c7-a629-1bdeb4d5c819" providerId="ADAL" clId="{C703BE55-F222-4277-8059-1969CEBA5954}" dt="2022-03-15T12:47:03.793" v="46" actId="14100"/>
         <pc:sldMkLst>
           <pc:docMk/>
           <pc:sldMk cId="1813872147" sldId="259"/>
@@ -1064,6 +1064,14 @@
             <ac:grpSpMk id="23" creationId="{C11E98B6-FD4F-A340-AE37-2AB983DDB323}"/>
           </ac:grpSpMkLst>
         </pc:grpChg>
+        <pc:grpChg chg="mod">
+          <ac:chgData name="Ferreira, Vinicius Novais" userId="cbb4d67d-f9b3-40c7-a629-1bdeb4d5c819" providerId="ADAL" clId="{C703BE55-F222-4277-8059-1969CEBA5954}" dt="2022-03-15T12:46:59.151" v="45" actId="1076"/>
+          <ac:grpSpMkLst>
+            <pc:docMk/>
+            <pc:sldMk cId="1813872147" sldId="259"/>
+            <ac:grpSpMk id="39" creationId="{88D40AA6-2169-4DEF-A6EB-7FD24533A7FF}"/>
+          </ac:grpSpMkLst>
+        </pc:grpChg>
         <pc:cxnChg chg="del">
           <ac:chgData name="Ferreira, Vinicius Novais" userId="cbb4d67d-f9b3-40c7-a629-1bdeb4d5c819" providerId="ADAL" clId="{C703BE55-F222-4277-8059-1969CEBA5954}" dt="2022-03-15T12:18:17.656" v="1" actId="478"/>
           <ac:cxnSpMkLst>
@@ -1072,13 +1080,29 @@
             <ac:cxnSpMk id="32" creationId="{98D01577-A800-41EB-9C6A-0CBDD91312B1}"/>
           </ac:cxnSpMkLst>
         </pc:cxnChg>
+        <pc:cxnChg chg="mod">
+          <ac:chgData name="Ferreira, Vinicius Novais" userId="cbb4d67d-f9b3-40c7-a629-1bdeb4d5c819" providerId="ADAL" clId="{C703BE55-F222-4277-8059-1969CEBA5954}" dt="2022-03-15T12:47:03.793" v="46" actId="14100"/>
+          <ac:cxnSpMkLst>
+            <pc:docMk/>
+            <pc:sldMk cId="1813872147" sldId="259"/>
+            <ac:cxnSpMk id="43" creationId="{CF3A4F49-1155-4792-B696-B2E5BE2B2E12}"/>
+          </ac:cxnSpMkLst>
+        </pc:cxnChg>
       </pc:sldChg>
       <pc:sldChg chg="addSp modSp mod modAnim">
-        <pc:chgData name="Ferreira, Vinicius Novais" userId="cbb4d67d-f9b3-40c7-a629-1bdeb4d5c819" providerId="ADAL" clId="{C703BE55-F222-4277-8059-1969CEBA5954}" dt="2022-03-15T12:18:45.800" v="3"/>
+        <pc:chgData name="Ferreira, Vinicius Novais" userId="cbb4d67d-f9b3-40c7-a629-1bdeb4d5c819" providerId="ADAL" clId="{C703BE55-F222-4277-8059-1969CEBA5954}" dt="2022-03-15T12:48:39.992" v="70" actId="20577"/>
         <pc:sldMkLst>
           <pc:docMk/>
           <pc:sldMk cId="2802622514" sldId="260"/>
         </pc:sldMkLst>
+        <pc:spChg chg="mod">
+          <ac:chgData name="Ferreira, Vinicius Novais" userId="cbb4d67d-f9b3-40c7-a629-1bdeb4d5c819" providerId="ADAL" clId="{C703BE55-F222-4277-8059-1969CEBA5954}" dt="2022-03-15T12:48:39.992" v="70" actId="20577"/>
+          <ac:spMkLst>
+            <pc:docMk/>
+            <pc:sldMk cId="2802622514" sldId="260"/>
+            <ac:spMk id="25" creationId="{3F292C9C-808C-6F48-BF50-B6128A0E250B}"/>
+          </ac:spMkLst>
+        </pc:spChg>
         <pc:spChg chg="mod">
           <ac:chgData name="Ferreira, Vinicius Novais" userId="cbb4d67d-f9b3-40c7-a629-1bdeb4d5c819" providerId="ADAL" clId="{C703BE55-F222-4277-8059-1969CEBA5954}" dt="2022-03-15T12:18:45.800" v="3"/>
           <ac:spMkLst>
@@ -1112,7 +1136,7 @@
           </ac:grpSpMkLst>
         </pc:grpChg>
         <pc:grpChg chg="add mod">
-          <ac:chgData name="Ferreira, Vinicius Novais" userId="cbb4d67d-f9b3-40c7-a629-1bdeb4d5c819" providerId="ADAL" clId="{C703BE55-F222-4277-8059-1969CEBA5954}" dt="2022-03-15T12:18:45.800" v="3"/>
+          <ac:chgData name="Ferreira, Vinicius Novais" userId="cbb4d67d-f9b3-40c7-a629-1bdeb4d5c819" providerId="ADAL" clId="{C703BE55-F222-4277-8059-1969CEBA5954}" dt="2022-03-15T12:47:32.096" v="61" actId="1037"/>
           <ac:grpSpMkLst>
             <pc:docMk/>
             <pc:sldMk cId="2802622514" sldId="260"/>
@@ -1152,7 +1176,7 @@
           </ac:cxnSpMkLst>
         </pc:cxnChg>
         <pc:cxnChg chg="add mod">
-          <ac:chgData name="Ferreira, Vinicius Novais" userId="cbb4d67d-f9b3-40c7-a629-1bdeb4d5c819" providerId="ADAL" clId="{C703BE55-F222-4277-8059-1969CEBA5954}" dt="2022-03-15T12:18:45.800" v="3"/>
+          <ac:chgData name="Ferreira, Vinicius Novais" userId="cbb4d67d-f9b3-40c7-a629-1bdeb4d5c819" providerId="ADAL" clId="{C703BE55-F222-4277-8059-1969CEBA5954}" dt="2022-03-15T12:47:29.392" v="55" actId="1037"/>
           <ac:cxnSpMkLst>
             <pc:docMk/>
             <pc:sldMk cId="2802622514" sldId="260"/>
@@ -6272,7 +6296,7 @@
         </p:nvGrpSpPr>
         <p:grpSpPr>
           <a:xfrm>
-            <a:off x="9052708" y="823221"/>
+            <a:off x="9386139" y="4008093"/>
             <a:ext cx="2192681" cy="1858339"/>
             <a:chOff x="-1111754" y="4356832"/>
             <a:chExt cx="2417659" cy="2049012"/>
@@ -6448,8 +6472,8 @@
         </p:nvCxnSpPr>
         <p:spPr>
           <a:xfrm flipH="1" flipV="1">
-            <a:off x="7674387" y="1749389"/>
-            <a:ext cx="1440292" cy="3002"/>
+            <a:off x="7844101" y="4937262"/>
+            <a:ext cx="1604009" cy="1"/>
           </a:xfrm>
           <a:prstGeom prst="straightConnector1">
             <a:avLst/>
@@ -10466,18 +10490,13 @@
                 <a:defRPr/>
               </a:pPr>
               <a:r>
-                <a:rPr lang="pt-BR" sz="2000" b="1" dirty="0" err="1">
+                <a:rPr lang="pt-BR" sz="2000" b="1" dirty="0">
                   <a:solidFill>
                     <a:prstClr val="white"/>
                   </a:solidFill>
                 </a:rPr>
                 <a:t>MobileApp</a:t>
               </a:r>
-              <a:endParaRPr lang="pt-BR" sz="2000" b="1" dirty="0">
-                <a:solidFill>
-                  <a:prstClr val="white"/>
-                </a:solidFill>
-              </a:endParaRPr>
             </a:p>
             <a:p>
               <a:pPr lvl="0" algn="ctr">
@@ -10704,7 +10723,7 @@
         </p:nvGrpSpPr>
         <p:grpSpPr>
           <a:xfrm>
-            <a:off x="9052708" y="823221"/>
+            <a:off x="9259527" y="4076269"/>
             <a:ext cx="2192681" cy="1858339"/>
             <a:chOff x="-1111754" y="4356832"/>
             <a:chExt cx="2417659" cy="2049012"/>
@@ -10874,14 +10893,13 @@
           </p:cNvPr>
           <p:cNvCxnSpPr>
             <a:cxnSpLocks/>
-            <a:stCxn id="34" idx="1"/>
           </p:cNvCxnSpPr>
           <p:nvPr/>
         </p:nvCxnSpPr>
         <p:spPr>
           <a:xfrm flipH="1" flipV="1">
-            <a:off x="7674387" y="1749389"/>
-            <a:ext cx="1440292" cy="3002"/>
+            <a:off x="7769915" y="5005438"/>
+            <a:ext cx="1537515" cy="1"/>
           </a:xfrm>
           <a:prstGeom prst="straightConnector1">
             <a:avLst/>
